--- a/SimpleCalculator/doc/Cross-Platform App Development with Xamarin and Visual Studio App Center.pptx
+++ b/SimpleCalculator/doc/Cross-Platform App Development with Xamarin and Visual Studio App Center.pptx
@@ -14,21 +14,21 @@
     <p:sldId id="280" r:id="rId2"/>
     <p:sldId id="282" r:id="rId3"/>
     <p:sldId id="289" r:id="rId4"/>
-    <p:sldId id="283" r:id="rId5"/>
-    <p:sldId id="284" r:id="rId6"/>
-    <p:sldId id="285" r:id="rId7"/>
-    <p:sldId id="286" r:id="rId8"/>
-    <p:sldId id="287" r:id="rId9"/>
-    <p:sldId id="271" r:id="rId10"/>
-    <p:sldId id="278" r:id="rId11"/>
-    <p:sldId id="279" r:id="rId12"/>
-    <p:sldId id="276" r:id="rId13"/>
-    <p:sldId id="270" r:id="rId14"/>
-    <p:sldId id="272" r:id="rId15"/>
-    <p:sldId id="273" r:id="rId16"/>
-    <p:sldId id="274" r:id="rId17"/>
-    <p:sldId id="275" r:id="rId18"/>
-    <p:sldId id="288" r:id="rId19"/>
+    <p:sldId id="290" r:id="rId5"/>
+    <p:sldId id="291" r:id="rId6"/>
+    <p:sldId id="299" r:id="rId7"/>
+    <p:sldId id="292" r:id="rId8"/>
+    <p:sldId id="294" r:id="rId9"/>
+    <p:sldId id="293" r:id="rId10"/>
+    <p:sldId id="295" r:id="rId11"/>
+    <p:sldId id="296" r:id="rId12"/>
+    <p:sldId id="297" r:id="rId13"/>
+    <p:sldId id="298" r:id="rId14"/>
+    <p:sldId id="301" r:id="rId15"/>
+    <p:sldId id="302" r:id="rId16"/>
+    <p:sldId id="303" r:id="rId17"/>
+    <p:sldId id="288" r:id="rId18"/>
+    <p:sldId id="300" r:id="rId19"/>
   </p:sldIdLst>
   <p:sldSz cx="9144000" cy="6858000" type="screen4x3"/>
   <p:notesSz cx="6858000" cy="9144000"/>
@@ -242,7 +242,7 @@
               <a:defRPr/>
             </a:pPr>
             <a:r>
-              <a:rPr lang="de-DE"/>
+              <a:rPr lang="de-DE" dirty="0"/>
               <a:t>Prof. Dr. Max Mustermann | Musterfakultät</a:t>
             </a:r>
           </a:p>
@@ -343,7 +343,7 @@
               <a:defRPr/>
             </a:pPr>
             <a:r>
-              <a:rPr lang="de-DE" sz="800">
+              <a:rPr lang="de-DE" sz="800" dirty="0">
                 <a:latin typeface="Arial" charset="0"/>
               </a:rPr>
               <a:t>KIT – die Kooperation von </a:t>
@@ -360,7 +360,7 @@
               <a:defRPr/>
             </a:pPr>
             <a:r>
-              <a:rPr lang="de-DE" sz="800">
+              <a:rPr lang="de-DE" sz="800" dirty="0">
                 <a:latin typeface="Arial" charset="0"/>
               </a:rPr>
               <a:t>Forschungszentrum Karlsruhe GmbH</a:t>
@@ -377,7 +377,7 @@
               <a:defRPr/>
             </a:pPr>
             <a:r>
-              <a:rPr lang="de-DE" sz="800">
+              <a:rPr lang="de-DE" sz="800" dirty="0">
                 <a:latin typeface="Arial" charset="0"/>
               </a:rPr>
               <a:t>und Universität Karlsruhe (TH)</a:t>
@@ -573,7 +573,7 @@
             <a:pPr>
               <a:defRPr/>
             </a:pPr>
-            <a:endParaRPr lang="de-DE"/>
+            <a:endParaRPr lang="de-DE" dirty="0"/>
           </a:p>
         </p:txBody>
       </p:sp>
@@ -621,7 +621,7 @@
             <a:pPr>
               <a:defRPr/>
             </a:pPr>
-            <a:endParaRPr lang="de-DE"/>
+            <a:endParaRPr lang="de-DE" dirty="0"/>
           </a:p>
         </p:txBody>
       </p:sp>
@@ -779,7 +779,7 @@
               <a:defRPr/>
             </a:pPr>
             <a:r>
-              <a:rPr lang="de-DE"/>
+              <a:rPr lang="de-DE" dirty="0"/>
               <a:t>Prof. Dr. Max Mustermann | Musterfakultät</a:t>
             </a:r>
           </a:p>
@@ -829,7 +829,7 @@
               <a:pPr/>
               <a:t>‹#›</a:t>
             </a:fld>
-            <a:endParaRPr lang="de-DE" altLang="de-DE"/>
+            <a:endParaRPr lang="de-DE" altLang="de-DE" dirty="0"/>
           </a:p>
         </p:txBody>
       </p:sp>
@@ -1414,7 +1414,7 @@
           <a:p>
             <a:pPr algn="r" eaLnBrk="1" hangingPunct="1"/>
             <a:r>
-              <a:rPr lang="de-DE" altLang="de-DE" sz="1600" b="1">
+              <a:rPr lang="de-DE" altLang="de-DE" sz="1600" b="1" dirty="0">
                 <a:solidFill>
                   <a:schemeClr val="bg1"/>
                 </a:solidFill>
@@ -1579,9 +1579,34 @@
           <a:lstStyle/>
           <a:p>
             <a:r>
-              <a:rPr lang="de-DE" dirty="0"/>
-              <a:t>Titelmasterformat durch Klicken bearbeiten</a:t>
-            </a:r>
+              <a:rPr lang="en-US" noProof="0" dirty="0" err="1" smtClean="0"/>
+              <a:t>Titelmasterformat</a:t>
+            </a:r>
+            <a:r>
+              <a:rPr lang="en-US" noProof="0" dirty="0" smtClean="0"/>
+              <a:t> </a:t>
+            </a:r>
+            <a:r>
+              <a:rPr lang="en-US" noProof="0" dirty="0" err="1" smtClean="0"/>
+              <a:t>durch</a:t>
+            </a:r>
+            <a:r>
+              <a:rPr lang="en-US" noProof="0" dirty="0" smtClean="0"/>
+              <a:t> </a:t>
+            </a:r>
+            <a:r>
+              <a:rPr lang="en-US" noProof="0" dirty="0" err="1" smtClean="0"/>
+              <a:t>Klicken</a:t>
+            </a:r>
+            <a:r>
+              <a:rPr lang="en-US" noProof="0" dirty="0" smtClean="0"/>
+              <a:t> </a:t>
+            </a:r>
+            <a:r>
+              <a:rPr lang="en-US" noProof="0" dirty="0" err="1" smtClean="0"/>
+              <a:t>bearbeiten</a:t>
+            </a:r>
+            <a:endParaRPr lang="en-US" noProof="0" dirty="0"/>
           </a:p>
         </p:txBody>
       </p:sp>
@@ -1602,37 +1627,90 @@
           <a:p>
             <a:pPr lvl="0"/>
             <a:r>
-              <a:rPr lang="de-DE"/>
-              <a:t>Formatvorlagen des Textmasters bearbeiten</a:t>
-            </a:r>
+              <a:rPr lang="en-US" noProof="0" dirty="0" err="1" smtClean="0"/>
+              <a:t>Formatvorlagen</a:t>
+            </a:r>
+            <a:r>
+              <a:rPr lang="en-US" noProof="0" dirty="0" smtClean="0"/>
+              <a:t> des </a:t>
+            </a:r>
+            <a:r>
+              <a:rPr lang="en-US" noProof="0" dirty="0" err="1" smtClean="0"/>
+              <a:t>Textmasters</a:t>
+            </a:r>
+            <a:r>
+              <a:rPr lang="en-US" noProof="0" dirty="0" smtClean="0"/>
+              <a:t> </a:t>
+            </a:r>
+            <a:r>
+              <a:rPr lang="en-US" noProof="0" dirty="0" err="1" smtClean="0"/>
+              <a:t>bearbeiten</a:t>
+            </a:r>
+            <a:endParaRPr lang="en-US" noProof="0" dirty="0" smtClean="0"/>
           </a:p>
           <a:p>
             <a:pPr lvl="1"/>
             <a:r>
-              <a:rPr lang="de-DE"/>
-              <a:t>Zweite Ebene</a:t>
-            </a:r>
+              <a:rPr lang="en-US" noProof="0" dirty="0" err="1" smtClean="0"/>
+              <a:t>Zweite</a:t>
+            </a:r>
+            <a:r>
+              <a:rPr lang="en-US" noProof="0" dirty="0" smtClean="0"/>
+              <a:t> </a:t>
+            </a:r>
+            <a:r>
+              <a:rPr lang="en-US" noProof="0" dirty="0" err="1" smtClean="0"/>
+              <a:t>Ebene</a:t>
+            </a:r>
+            <a:endParaRPr lang="en-US" noProof="0" dirty="0" smtClean="0"/>
           </a:p>
           <a:p>
             <a:pPr lvl="2"/>
             <a:r>
-              <a:rPr lang="de-DE"/>
-              <a:t>Dritte Ebene</a:t>
-            </a:r>
+              <a:rPr lang="en-US" noProof="0" dirty="0" err="1" smtClean="0"/>
+              <a:t>Dritte</a:t>
+            </a:r>
+            <a:r>
+              <a:rPr lang="en-US" noProof="0" dirty="0" smtClean="0"/>
+              <a:t> </a:t>
+            </a:r>
+            <a:r>
+              <a:rPr lang="en-US" noProof="0" dirty="0" err="1" smtClean="0"/>
+              <a:t>Ebene</a:t>
+            </a:r>
+            <a:endParaRPr lang="en-US" noProof="0" dirty="0" smtClean="0"/>
           </a:p>
           <a:p>
             <a:pPr lvl="3"/>
             <a:r>
-              <a:rPr lang="de-DE"/>
-              <a:t>Vierte Ebene</a:t>
-            </a:r>
+              <a:rPr lang="en-US" noProof="0" dirty="0" err="1" smtClean="0"/>
+              <a:t>Vierte</a:t>
+            </a:r>
+            <a:r>
+              <a:rPr lang="en-US" noProof="0" dirty="0" smtClean="0"/>
+              <a:t> </a:t>
+            </a:r>
+            <a:r>
+              <a:rPr lang="en-US" noProof="0" dirty="0" err="1" smtClean="0"/>
+              <a:t>Ebene</a:t>
+            </a:r>
+            <a:endParaRPr lang="en-US" noProof="0" dirty="0" smtClean="0"/>
           </a:p>
           <a:p>
             <a:pPr lvl="4"/>
             <a:r>
-              <a:rPr lang="de-DE"/>
-              <a:t>Fünfte Ebene</a:t>
-            </a:r>
+              <a:rPr lang="en-US" noProof="0" dirty="0" err="1" smtClean="0"/>
+              <a:t>Fünfte</a:t>
+            </a:r>
+            <a:r>
+              <a:rPr lang="en-US" noProof="0" dirty="0" smtClean="0"/>
+              <a:t> </a:t>
+            </a:r>
+            <a:r>
+              <a:rPr lang="en-US" noProof="0" dirty="0" err="1" smtClean="0"/>
+              <a:t>Ebene</a:t>
+            </a:r>
+            <a:endParaRPr lang="en-US" noProof="0" dirty="0"/>
           </a:p>
         </p:txBody>
       </p:sp>
@@ -1658,14 +1736,10 @@
           </a:lstStyle>
           <a:p>
             <a:r>
-              <a:rPr lang="de-DE" altLang="de-DE" dirty="0" smtClean="0"/>
-              <a:t>Peiren </a:t>
-            </a:r>
-            <a:r>
-              <a:rPr lang="de-DE" altLang="de-DE" dirty="0"/>
-              <a:t>Yang</a:t>
-            </a:r>
-            <a:endParaRPr lang="de-DE" dirty="0"/>
+              <a:rPr lang="en-US" altLang="de-DE" noProof="0" dirty="0" smtClean="0"/>
+              <a:t>Peiren Yang</a:t>
+            </a:r>
+            <a:endParaRPr lang="en-US" noProof="0" dirty="0"/>
           </a:p>
         </p:txBody>
       </p:sp>
@@ -2984,7 +3058,7 @@
           <a:p>
             <a:pPr lvl="0"/>
             <a:r>
-              <a:rPr lang="de-DE" noProof="0"/>
+              <a:rPr lang="de-DE" noProof="0" dirty="0"/>
               <a:t>Bild durch Klicken auf Symbol hinzufügen</a:t>
             </a:r>
           </a:p>
@@ -3516,7 +3590,7 @@
               </a:pPr>
               <a:t>‹#›</a:t>
             </a:fld>
-            <a:endParaRPr lang="de-DE" altLang="de-DE" sz="900" b="1"/>
+            <a:endParaRPr lang="de-DE" altLang="de-DE" sz="900" b="1" dirty="0"/>
           </a:p>
         </p:txBody>
       </p:sp>
@@ -4215,145 +4289,146 @@
           <a:chExt cx="0" cy="0"/>
         </a:xfrm>
       </p:grpSpPr>
-      <p:pic>
-        <p:nvPicPr>
-          <p:cNvPr id="7" name="Grafik 6"/>
-          <p:cNvPicPr>
-            <a:picLocks noChangeAspect="1"/>
-          </p:cNvPicPr>
-          <p:nvPr/>
-        </p:nvPicPr>
-        <p:blipFill>
-          <a:blip r:embed="rId2">
-            <a:extLst>
-              <a:ext uri="{28A0092B-C50C-407E-A947-70E740481C1C}">
-                <a14:useLocalDpi xmlns:a14="http://schemas.microsoft.com/office/drawing/2010/main" val="0"/>
-              </a:ext>
-            </a:extLst>
-          </a:blip>
-          <a:stretch>
-            <a:fillRect/>
-          </a:stretch>
-        </p:blipFill>
+      <p:sp>
+        <p:nvSpPr>
+          <p:cNvPr id="4" name="Rectangle 5"/>
+          <p:cNvSpPr>
+            <a:spLocks noGrp="1" noChangeArrowheads="1"/>
+          </p:cNvSpPr>
+          <p:nvPr>
+            <p:ph type="ftr" sz="quarter" idx="10"/>
+          </p:nvPr>
+        </p:nvSpPr>
+        <p:spPr>
+          <a:ln/>
+        </p:spPr>
+        <p:txBody>
+          <a:bodyPr/>
+          <a:lstStyle/>
+          <a:p>
+            <a:r>
+              <a:rPr lang="de-DE" altLang="de-DE" dirty="0"/>
+              <a:t>Peiren Yang</a:t>
+            </a:r>
+          </a:p>
+        </p:txBody>
+      </p:sp>
+      <p:sp>
+        <p:nvSpPr>
+          <p:cNvPr id="6149" name="Rectangle 2"/>
+          <p:cNvSpPr>
+            <a:spLocks noGrp="1" noChangeArrowheads="1"/>
+          </p:cNvSpPr>
+          <p:nvPr>
+            <p:ph type="title"/>
+          </p:nvPr>
+        </p:nvSpPr>
+        <p:spPr/>
+        <p:txBody>
+          <a:bodyPr/>
+          <a:lstStyle/>
+          <a:p>
+            <a:r>
+              <a:rPr lang="de-DE" altLang="de-DE" dirty="0" smtClean="0"/>
+              <a:t>Solution Approach – </a:t>
+            </a:r>
+            <a:r>
+              <a:rPr lang="en-US" altLang="de-DE" dirty="0"/>
+              <a:t>Continuous Integration</a:t>
+            </a:r>
+            <a:endParaRPr lang="de-DE" altLang="de-DE" dirty="0" smtClean="0"/>
+          </a:p>
+        </p:txBody>
+      </p:sp>
+      <p:sp>
+        <p:nvSpPr>
+          <p:cNvPr id="6150" name="Rectangle 3"/>
+          <p:cNvSpPr>
+            <a:spLocks noGrp="1" noChangeArrowheads="1"/>
+          </p:cNvSpPr>
+          <p:nvPr>
+            <p:ph type="body" idx="1"/>
+          </p:nvPr>
+        </p:nvSpPr>
         <p:spPr>
           <a:xfrm>
-            <a:off x="4596343" y="1176171"/>
-            <a:ext cx="4401639" cy="4392488"/>
+            <a:off x="392113" y="1196752"/>
+            <a:ext cx="8356600" cy="4894262"/>
           </a:xfrm>
-          <a:prstGeom prst="rect">
-            <a:avLst/>
-          </a:prstGeom>
-        </p:spPr>
-      </p:pic>
-      <p:sp>
-        <p:nvSpPr>
-          <p:cNvPr id="2" name="Titel 1">
-            <a:extLst>
-              <a:ext uri="{FF2B5EF4-FFF2-40B4-BE49-F238E27FC236}">
-                <a16:creationId xmlns:a16="http://schemas.microsoft.com/office/drawing/2014/main" xmlns="" id="{708C1FE5-A6F3-4391-BB3A-4BA86616109E}"/>
-              </a:ext>
-            </a:extLst>
-          </p:cNvPr>
-          <p:cNvSpPr>
-            <a:spLocks noGrp="1"/>
-          </p:cNvSpPr>
-          <p:nvPr>
-            <p:ph type="title"/>
-          </p:nvPr>
-        </p:nvSpPr>
-        <p:spPr/>
+        </p:spPr>
         <p:txBody>
           <a:bodyPr/>
           <a:lstStyle/>
           <a:p>
             <a:r>
-              <a:rPr lang="en-US" dirty="0"/>
-              <a:t>Pellet Heat – Pellet boiler</a:t>
-            </a:r>
-          </a:p>
-        </p:txBody>
-      </p:sp>
-      <p:sp>
-        <p:nvSpPr>
-          <p:cNvPr id="3" name="Inhaltsplatzhalter 2">
-            <a:extLst>
-              <a:ext uri="{FF2B5EF4-FFF2-40B4-BE49-F238E27FC236}">
-                <a16:creationId xmlns:a16="http://schemas.microsoft.com/office/drawing/2014/main" xmlns="" id="{B4D7F75C-9262-45AC-AA77-9849311BAE20}"/>
-              </a:ext>
-            </a:extLst>
-          </p:cNvPr>
-          <p:cNvSpPr>
-            <a:spLocks noGrp="1"/>
-          </p:cNvSpPr>
-          <p:nvPr>
-            <p:ph idx="1"/>
-          </p:nvPr>
-        </p:nvSpPr>
-        <p:spPr>
-          <a:xfrm>
-            <a:off x="378861" y="1320659"/>
-            <a:ext cx="4395911" cy="4248000"/>
-          </a:xfrm>
-        </p:spPr>
-        <p:txBody>
-          <a:bodyPr/>
-          <a:lstStyle/>
-          <a:p>
-            <a:r>
-              <a:rPr lang="en-US" dirty="0"/>
-              <a:t>Water heated inside the boiler</a:t>
-            </a:r>
-          </a:p>
-          <a:p>
-            <a:pPr marL="0" indent="0">
-              <a:buNone/>
+              <a:rPr lang="en-US" altLang="de-DE" dirty="0" smtClean="0"/>
+              <a:t>Automatic</a:t>
+            </a:r>
+            <a:r>
+              <a:rPr lang="de-DE" altLang="de-DE" dirty="0" smtClean="0"/>
+              <a:t> </a:t>
+            </a:r>
+            <a:r>
+              <a:rPr lang="en-US" altLang="zh-CN" dirty="0" smtClean="0"/>
+              <a:t>Test</a:t>
+            </a:r>
+            <a:r>
+              <a:rPr lang="en-US" altLang="de-DE" dirty="0" smtClean="0"/>
+              <a:t> </a:t>
+            </a:r>
+            <a:r>
+              <a:rPr lang="en-US" altLang="zh-CN" dirty="0" smtClean="0"/>
+              <a:t>with Visual Studio App Center</a:t>
+            </a:r>
+            <a:endParaRPr lang="en-US" altLang="de-DE" dirty="0" smtClean="0"/>
+          </a:p>
+          <a:p>
+            <a:pPr lvl="1">
+              <a:lnSpc>
+                <a:spcPct val="150000"/>
+              </a:lnSpc>
             </a:pPr>
-            <a:endParaRPr lang="en-US" dirty="0"/>
-          </a:p>
-          <a:p>
-            <a:r>
-              <a:rPr lang="en-US" dirty="0"/>
-              <a:t>Hot Water stored in tank</a:t>
-            </a:r>
-          </a:p>
-          <a:p>
-            <a:pPr marL="0" indent="0">
-              <a:buNone/>
+            <a:r>
+              <a:rPr lang="en-US" altLang="zh-CN" dirty="0" smtClean="0"/>
+              <a:t>Test devices can </a:t>
+            </a:r>
+            <a:r>
+              <a:rPr lang="en-US" altLang="zh-CN" dirty="0"/>
+              <a:t>be defined </a:t>
+            </a:r>
+            <a:r>
+              <a:rPr lang="en-US" altLang="zh-CN" dirty="0" smtClean="0"/>
+              <a:t>as device set and </a:t>
+            </a:r>
+            <a:r>
+              <a:rPr lang="en-US" altLang="zh-CN" dirty="0"/>
+              <a:t>referenced many </a:t>
+            </a:r>
+            <a:r>
+              <a:rPr lang="en-US" altLang="zh-CN" dirty="0" smtClean="0"/>
+              <a:t>times</a:t>
+            </a:r>
+          </a:p>
+          <a:p>
+            <a:pPr lvl="1">
+              <a:lnSpc>
+                <a:spcPct val="150000"/>
+              </a:lnSpc>
             </a:pPr>
-            <a:endParaRPr lang="en-US" dirty="0"/>
-          </a:p>
-          <a:p>
-            <a:r>
-              <a:rPr lang="en-US" dirty="0"/>
-              <a:t>Not made for instant hot water delivery</a:t>
-            </a:r>
-          </a:p>
-        </p:txBody>
-      </p:sp>
-      <p:sp>
-        <p:nvSpPr>
-          <p:cNvPr id="4" name="Fußzeilenplatzhalter 3">
-            <a:extLst>
-              <a:ext uri="{FF2B5EF4-FFF2-40B4-BE49-F238E27FC236}">
-                <a16:creationId xmlns:a16="http://schemas.microsoft.com/office/drawing/2014/main" xmlns="" id="{9CBB9AF3-40FA-4AF0-8DE2-9423F3703468}"/>
-              </a:ext>
-            </a:extLst>
-          </p:cNvPr>
-          <p:cNvSpPr>
-            <a:spLocks noGrp="1"/>
-          </p:cNvSpPr>
-          <p:nvPr>
-            <p:ph type="ftr" sz="quarter" idx="10"/>
-          </p:nvPr>
-        </p:nvSpPr>
-        <p:spPr/>
-        <p:txBody>
-          <a:bodyPr/>
-          <a:lstStyle/>
-          <a:p>
-            <a:r>
-              <a:rPr lang="de-DE" altLang="de-DE" dirty="0"/>
-              <a:t>Tim Eisele</a:t>
+            <a:r>
+              <a:rPr lang="en-US" altLang="zh-CN" dirty="0" smtClean="0"/>
+              <a:t>Running resources like RAM consumption can be captured and added to statistical information</a:t>
+            </a:r>
+          </a:p>
+          <a:p>
+            <a:pPr lvl="1">
+              <a:lnSpc>
+                <a:spcPct val="150000"/>
+              </a:lnSpc>
+            </a:pPr>
+            <a:r>
+              <a:rPr lang="en-US" altLang="zh-CN" dirty="0" smtClean="0"/>
+              <a:t>Test can be triggered with the build scripts after a successful build, so that the complete process works automatically</a:t>
             </a:r>
           </a:p>
         </p:txBody>
@@ -4361,13 +4436,20 @@
     </p:spTree>
     <p:extLst>
       <p:ext uri="{BB962C8B-B14F-4D97-AF65-F5344CB8AC3E}">
-        <p14:creationId xmlns:p14="http://schemas.microsoft.com/office/powerpoint/2010/main" val="84703066"/>
+        <p14:creationId xmlns:p14="http://schemas.microsoft.com/office/powerpoint/2010/main" val="3351708327"/>
       </p:ext>
     </p:extLst>
   </p:cSld>
   <p:clrMapOvr>
     <a:masterClrMapping/>
   </p:clrMapOvr>
+  <p:timing>
+    <p:tnLst>
+      <p:par>
+        <p:cTn id="1" dur="indefinite" restart="never" nodeType="tmRoot"/>
+      </p:par>
+    </p:tnLst>
+  </p:timing>
 </p:sld>
 </file>
 
@@ -4390,52 +4472,69 @@
       </p:grpSpPr>
       <p:sp>
         <p:nvSpPr>
-          <p:cNvPr id="2" name="Titel 1">
-            <a:extLst>
-              <a:ext uri="{FF2B5EF4-FFF2-40B4-BE49-F238E27FC236}">
-                <a16:creationId xmlns:a16="http://schemas.microsoft.com/office/drawing/2014/main" xmlns="" id="{708C1FE5-A6F3-4391-BB3A-4BA86616109E}"/>
-              </a:ext>
-            </a:extLst>
-          </p:cNvPr>
-          <p:cNvSpPr>
-            <a:spLocks noGrp="1"/>
-          </p:cNvSpPr>
-          <p:nvPr>
-            <p:ph type="title"/>
-          </p:nvPr>
-        </p:nvSpPr>
-        <p:spPr/>
+          <p:cNvPr id="4" name="Rectangle 5"/>
+          <p:cNvSpPr>
+            <a:spLocks noGrp="1" noChangeArrowheads="1"/>
+          </p:cNvSpPr>
+          <p:nvPr>
+            <p:ph type="ftr" sz="quarter" idx="10"/>
+          </p:nvPr>
+        </p:nvSpPr>
+        <p:spPr>
+          <a:ln/>
+        </p:spPr>
         <p:txBody>
           <a:bodyPr/>
           <a:lstStyle/>
           <a:p>
             <a:r>
-              <a:rPr lang="en-US" dirty="0"/>
-              <a:t>Pellet heat in combination with solar heat</a:t>
-            </a:r>
-          </a:p>
-        </p:txBody>
-      </p:sp>
-      <p:sp>
-        <p:nvSpPr>
-          <p:cNvPr id="3" name="Inhaltsplatzhalter 2">
-            <a:extLst>
-              <a:ext uri="{FF2B5EF4-FFF2-40B4-BE49-F238E27FC236}">
-                <a16:creationId xmlns:a16="http://schemas.microsoft.com/office/drawing/2014/main" xmlns="" id="{B4D7F75C-9262-45AC-AA77-9849311BAE20}"/>
-              </a:ext>
-            </a:extLst>
-          </p:cNvPr>
-          <p:cNvSpPr>
-            <a:spLocks noGrp="1"/>
-          </p:cNvSpPr>
-          <p:nvPr>
-            <p:ph idx="1"/>
+              <a:rPr lang="de-DE" altLang="de-DE" dirty="0"/>
+              <a:t>Peiren Yang</a:t>
+            </a:r>
+          </a:p>
+        </p:txBody>
+      </p:sp>
+      <p:sp>
+        <p:nvSpPr>
+          <p:cNvPr id="6149" name="Rectangle 2"/>
+          <p:cNvSpPr>
+            <a:spLocks noGrp="1" noChangeArrowheads="1"/>
+          </p:cNvSpPr>
+          <p:nvPr>
+            <p:ph type="title"/>
+          </p:nvPr>
+        </p:nvSpPr>
+        <p:spPr/>
+        <p:txBody>
+          <a:bodyPr/>
+          <a:lstStyle/>
+          <a:p>
+            <a:r>
+              <a:rPr lang="de-DE" altLang="de-DE" dirty="0" smtClean="0"/>
+              <a:t>Solution Approach – </a:t>
+            </a:r>
+            <a:r>
+              <a:rPr lang="en-US" altLang="de-DE" dirty="0"/>
+              <a:t>Continuous Integration</a:t>
+            </a:r>
+            <a:endParaRPr lang="de-DE" altLang="de-DE" dirty="0" smtClean="0"/>
+          </a:p>
+        </p:txBody>
+      </p:sp>
+      <p:sp>
+        <p:nvSpPr>
+          <p:cNvPr id="6150" name="Rectangle 3"/>
+          <p:cNvSpPr>
+            <a:spLocks noGrp="1" noChangeArrowheads="1"/>
+          </p:cNvSpPr>
+          <p:nvPr>
+            <p:ph type="body" idx="1"/>
           </p:nvPr>
         </p:nvSpPr>
         <p:spPr>
           <a:xfrm>
-            <a:off x="323528" y="1340768"/>
-            <a:ext cx="8712968" cy="4248000"/>
+            <a:off x="392113" y="1196752"/>
+            <a:ext cx="8356600" cy="4894262"/>
           </a:xfrm>
         </p:spPr>
         <p:txBody>
@@ -4443,74 +4542,69 @@
           <a:lstStyle/>
           <a:p>
             <a:r>
-              <a:rPr lang="en-US" dirty="0"/>
-              <a:t>Solar heating system adds 60°C water to the tank</a:t>
-            </a:r>
-          </a:p>
-          <a:p>
-            <a:pPr marL="0" indent="0">
-              <a:buNone/>
-            </a:pPr>
-            <a:endParaRPr lang="en-US" dirty="0"/>
-          </a:p>
-          <a:p>
-            <a:r>
-              <a:rPr lang="en-US" dirty="0"/>
-              <a:t>Pellet heating system is on standby as long as tank temperature is sufficient</a:t>
-            </a:r>
-          </a:p>
-          <a:p>
-            <a:pPr marL="0" indent="0">
-              <a:buNone/>
-            </a:pPr>
-            <a:endParaRPr lang="en-US" dirty="0"/>
-          </a:p>
-          <a:p>
-            <a:r>
-              <a:rPr lang="en-US" dirty="0"/>
-              <a:t>Instant hot water delivery is available until the capacity of the solar heating system is exhausted</a:t>
-            </a:r>
-          </a:p>
-        </p:txBody>
-      </p:sp>
-      <p:sp>
-        <p:nvSpPr>
-          <p:cNvPr id="4" name="Fußzeilenplatzhalter 3">
-            <a:extLst>
-              <a:ext uri="{FF2B5EF4-FFF2-40B4-BE49-F238E27FC236}">
-                <a16:creationId xmlns:a16="http://schemas.microsoft.com/office/drawing/2014/main" xmlns="" id="{9CBB9AF3-40FA-4AF0-8DE2-9423F3703468}"/>
-              </a:ext>
-            </a:extLst>
-          </p:cNvPr>
-          <p:cNvSpPr>
-            <a:spLocks noGrp="1"/>
-          </p:cNvSpPr>
-          <p:nvPr>
-            <p:ph type="ftr" sz="quarter" idx="10"/>
-          </p:nvPr>
-        </p:nvSpPr>
-        <p:spPr/>
-        <p:txBody>
-          <a:bodyPr/>
-          <a:lstStyle/>
-          <a:p>
-            <a:r>
-              <a:rPr lang="de-DE" altLang="de-DE" dirty="0"/>
-              <a:t>Tim Eisele</a:t>
-            </a:r>
-          </a:p>
-        </p:txBody>
-      </p:sp>
+              <a:rPr lang="en-US" altLang="de-DE" dirty="0" smtClean="0"/>
+              <a:t>App lifetime manage </a:t>
+            </a:r>
+            <a:r>
+              <a:rPr lang="en-US" altLang="zh-CN" dirty="0" smtClean="0"/>
+              <a:t>with Visual Studio App Center</a:t>
+            </a:r>
+            <a:endParaRPr lang="en-US" altLang="de-DE" dirty="0" smtClean="0"/>
+          </a:p>
+          <a:p>
+            <a:pPr lvl="1"/>
+            <a:r>
+              <a:rPr lang="en-US" altLang="zh-CN" dirty="0" smtClean="0"/>
+              <a:t>Each crash of the app can be captured and statistically displayed in the App Center</a:t>
+            </a:r>
+          </a:p>
+          <a:p>
+            <a:pPr lvl="1"/>
+            <a:endParaRPr lang="en-US" altLang="zh-CN" dirty="0" smtClean="0"/>
+          </a:p>
+        </p:txBody>
+      </p:sp>
+      <p:pic>
+        <p:nvPicPr>
+          <p:cNvPr id="3" name="图片 2"/>
+          <p:cNvPicPr>
+            <a:picLocks noChangeAspect="1"/>
+          </p:cNvPicPr>
+          <p:nvPr/>
+        </p:nvPicPr>
+        <p:blipFill>
+          <a:blip r:embed="rId2"/>
+          <a:stretch>
+            <a:fillRect/>
+          </a:stretch>
+        </p:blipFill>
+        <p:spPr>
+          <a:xfrm>
+            <a:off x="1187624" y="2385272"/>
+            <a:ext cx="6624736" cy="3695072"/>
+          </a:xfrm>
+          <a:prstGeom prst="rect">
+            <a:avLst/>
+          </a:prstGeom>
+        </p:spPr>
+      </p:pic>
     </p:spTree>
     <p:extLst>
       <p:ext uri="{BB962C8B-B14F-4D97-AF65-F5344CB8AC3E}">
-        <p14:creationId xmlns:p14="http://schemas.microsoft.com/office/powerpoint/2010/main" val="3756456499"/>
+        <p14:creationId xmlns:p14="http://schemas.microsoft.com/office/powerpoint/2010/main" val="556384270"/>
       </p:ext>
     </p:extLst>
   </p:cSld>
   <p:clrMapOvr>
     <a:masterClrMapping/>
   </p:clrMapOvr>
+  <p:timing>
+    <p:tnLst>
+      <p:par>
+        <p:cTn id="1" dur="indefinite" restart="never" nodeType="tmRoot"/>
+      </p:par>
+    </p:tnLst>
+  </p:timing>
 </p:sld>
 </file>
 
@@ -4533,167 +4627,153 @@
       </p:grpSpPr>
       <p:sp>
         <p:nvSpPr>
-          <p:cNvPr id="2" name="Titel 1">
+          <p:cNvPr id="4" name="Rectangle 5"/>
+          <p:cNvSpPr>
+            <a:spLocks noGrp="1" noChangeArrowheads="1"/>
+          </p:cNvSpPr>
+          <p:nvPr>
+            <p:ph type="ftr" sz="quarter" idx="10"/>
+          </p:nvPr>
+        </p:nvSpPr>
+        <p:spPr>
+          <a:ln/>
+        </p:spPr>
+        <p:txBody>
+          <a:bodyPr/>
+          <a:lstStyle/>
+          <a:p>
+            <a:r>
+              <a:rPr lang="de-DE" altLang="de-DE" dirty="0"/>
+              <a:t>Peiren Yang</a:t>
+            </a:r>
+          </a:p>
+        </p:txBody>
+      </p:sp>
+      <p:sp>
+        <p:nvSpPr>
+          <p:cNvPr id="6149" name="Rectangle 2"/>
+          <p:cNvSpPr>
+            <a:spLocks noGrp="1" noChangeArrowheads="1"/>
+          </p:cNvSpPr>
+          <p:nvPr>
+            <p:ph type="title"/>
+          </p:nvPr>
+        </p:nvSpPr>
+        <p:spPr/>
+        <p:txBody>
+          <a:bodyPr/>
+          <a:lstStyle/>
+          <a:p>
+            <a:r>
+              <a:rPr lang="de-DE" altLang="de-DE" dirty="0" smtClean="0"/>
+              <a:t>Solution Approach – </a:t>
+            </a:r>
+            <a:r>
+              <a:rPr lang="en-US" altLang="de-DE" dirty="0"/>
+              <a:t>Continuous Integration</a:t>
+            </a:r>
+            <a:endParaRPr lang="de-DE" altLang="de-DE" dirty="0" smtClean="0"/>
+          </a:p>
+        </p:txBody>
+      </p:sp>
+      <p:sp>
+        <p:nvSpPr>
+          <p:cNvPr id="6150" name="Rectangle 3"/>
+          <p:cNvSpPr>
+            <a:spLocks noGrp="1" noChangeArrowheads="1"/>
+          </p:cNvSpPr>
+          <p:nvPr>
+            <p:ph type="body" idx="1"/>
+          </p:nvPr>
+        </p:nvSpPr>
+        <p:spPr>
+          <a:xfrm>
+            <a:off x="392113" y="1196752"/>
+            <a:ext cx="8356600" cy="4894262"/>
+          </a:xfrm>
+        </p:spPr>
+        <p:txBody>
+          <a:bodyPr/>
+          <a:lstStyle/>
+          <a:p>
+            <a:r>
+              <a:rPr lang="en-US" altLang="de-DE" dirty="0" smtClean="0"/>
+              <a:t>App lifetime manage </a:t>
+            </a:r>
+            <a:r>
+              <a:rPr lang="en-US" altLang="zh-CN" dirty="0" smtClean="0"/>
+              <a:t>with Visual Studio App Center</a:t>
+            </a:r>
+            <a:endParaRPr lang="en-US" altLang="de-DE" dirty="0" smtClean="0"/>
+          </a:p>
+          <a:p>
+            <a:pPr lvl="1"/>
+            <a:r>
+              <a:rPr lang="en-US" altLang="zh-CN" dirty="0" smtClean="0"/>
+              <a:t>Users who downloaded the published app </a:t>
+            </a:r>
+            <a:r>
+              <a:rPr lang="en-US" altLang="zh-CN" dirty="0"/>
+              <a:t>are </a:t>
+            </a:r>
+            <a:r>
+              <a:rPr lang="en-US" altLang="zh-CN" dirty="0" smtClean="0"/>
+              <a:t>tracked by App Center, which is an important feature for the future improvement</a:t>
+            </a:r>
+          </a:p>
+          <a:p>
+            <a:pPr lvl="1"/>
+            <a:endParaRPr lang="en-US" altLang="zh-CN" dirty="0" smtClean="0"/>
+          </a:p>
+        </p:txBody>
+      </p:sp>
+      <p:pic>
+        <p:nvPicPr>
+          <p:cNvPr id="2" name="图片 1"/>
+          <p:cNvPicPr>
+            <a:picLocks noChangeAspect="1"/>
+          </p:cNvPicPr>
+          <p:nvPr/>
+        </p:nvPicPr>
+        <p:blipFill>
+          <a:blip r:embed="rId2" cstate="print">
             <a:extLst>
-              <a:ext uri="{FF2B5EF4-FFF2-40B4-BE49-F238E27FC236}">
-                <a16:creationId xmlns:a16="http://schemas.microsoft.com/office/drawing/2014/main" xmlns="" id="{4EAE9DF3-5AAA-4379-A28F-8478FD26E5EF}"/>
+              <a:ext uri="{28A0092B-C50C-407E-A947-70E740481C1C}">
+                <a14:useLocalDpi xmlns:a14="http://schemas.microsoft.com/office/drawing/2010/main" val="0"/>
               </a:ext>
             </a:extLst>
-          </p:cNvPr>
-          <p:cNvSpPr>
-            <a:spLocks noGrp="1"/>
-          </p:cNvSpPr>
-          <p:nvPr>
-            <p:ph type="title"/>
-          </p:nvPr>
-        </p:nvSpPr>
-        <p:spPr/>
-        <p:txBody>
-          <a:bodyPr/>
-          <a:lstStyle/>
-          <a:p>
-            <a:r>
-              <a:rPr lang="en-US" dirty="0"/>
-              <a:t>Pellet Heat – Solution Evaluation</a:t>
-            </a:r>
-          </a:p>
-        </p:txBody>
-      </p:sp>
-      <p:sp>
-        <p:nvSpPr>
-          <p:cNvPr id="3" name="Inhaltsplatzhalter 2">
-            <a:extLst>
-              <a:ext uri="{FF2B5EF4-FFF2-40B4-BE49-F238E27FC236}">
-                <a16:creationId xmlns:a16="http://schemas.microsoft.com/office/drawing/2014/main" xmlns="" id="{A2961587-6C3A-453D-ADDF-D524B9FF4A43}"/>
-              </a:ext>
-            </a:extLst>
-          </p:cNvPr>
-          <p:cNvSpPr>
-            <a:spLocks noGrp="1"/>
-          </p:cNvSpPr>
-          <p:nvPr>
-            <p:ph idx="1"/>
-          </p:nvPr>
-        </p:nvSpPr>
+          </a:blip>
+          <a:stretch>
+            <a:fillRect/>
+          </a:stretch>
+        </p:blipFill>
         <p:spPr>
           <a:xfrm>
-            <a:off x="392113" y="1198563"/>
-            <a:ext cx="8212335" cy="4894262"/>
+            <a:off x="971600" y="2348880"/>
+            <a:ext cx="7379643" cy="3528392"/>
           </a:xfrm>
-        </p:spPr>
-        <p:txBody>
-          <a:bodyPr/>
-          <a:lstStyle/>
-          <a:p>
-            <a:r>
-              <a:rPr lang="en-US" dirty="0"/>
-              <a:t>Efficiency: 85%</a:t>
-            </a:r>
-          </a:p>
-          <a:p>
-            <a:pPr marL="0" indent="0">
-              <a:buNone/>
-            </a:pPr>
-            <a:endParaRPr lang="en-US" dirty="0"/>
-          </a:p>
-          <a:p>
-            <a:r>
-              <a:rPr lang="en-US" dirty="0"/>
-              <a:t>Installation Costs: about 20,000€</a:t>
-            </a:r>
-          </a:p>
-          <a:p>
-            <a:pPr marL="0" indent="0">
-              <a:buNone/>
-            </a:pPr>
-            <a:endParaRPr lang="en-US" dirty="0"/>
-          </a:p>
-          <a:p>
-            <a:r>
-              <a:rPr lang="en-US" dirty="0"/>
-              <a:t>Operational Costs: 1,173€ per year</a:t>
-            </a:r>
-          </a:p>
-          <a:p>
-            <a:pPr marL="0" indent="0">
-              <a:buNone/>
-            </a:pPr>
-            <a:endParaRPr lang="en-US" dirty="0"/>
-          </a:p>
-          <a:p>
-            <a:r>
-              <a:rPr lang="en-US" dirty="0"/>
-              <a:t>CO</a:t>
-            </a:r>
-            <a:r>
-              <a:rPr lang="en-US" baseline="-25000" dirty="0"/>
-              <a:t>2</a:t>
-            </a:r>
-            <a:r>
-              <a:rPr lang="en-US" dirty="0"/>
-              <a:t> Emissions: none, wood is considered CO</a:t>
-            </a:r>
-            <a:r>
-              <a:rPr lang="en-US" baseline="-25000" dirty="0"/>
-              <a:t>2</a:t>
-            </a:r>
-            <a:r>
-              <a:rPr lang="en-US" dirty="0"/>
-              <a:t> neutral</a:t>
-            </a:r>
-          </a:p>
-          <a:p>
-            <a:pPr marL="0" indent="0">
-              <a:buNone/>
-            </a:pPr>
-            <a:endParaRPr lang="en-US" dirty="0"/>
-          </a:p>
-          <a:p>
-            <a:r>
-              <a:rPr lang="en-US" dirty="0"/>
-              <a:t>Prerequisites: none</a:t>
-            </a:r>
-          </a:p>
-        </p:txBody>
-      </p:sp>
-      <p:sp>
-        <p:nvSpPr>
-          <p:cNvPr id="4" name="Fußzeilenplatzhalter 3">
-            <a:extLst>
-              <a:ext uri="{FF2B5EF4-FFF2-40B4-BE49-F238E27FC236}">
-                <a16:creationId xmlns:a16="http://schemas.microsoft.com/office/drawing/2014/main" xmlns="" id="{0D58C3AE-3146-4271-B1B0-851ACAB56476}"/>
-              </a:ext>
-            </a:extLst>
-          </p:cNvPr>
-          <p:cNvSpPr>
-            <a:spLocks noGrp="1"/>
-          </p:cNvSpPr>
-          <p:nvPr>
-            <p:ph type="ftr" sz="quarter" idx="10"/>
-          </p:nvPr>
-        </p:nvSpPr>
-        <p:spPr/>
-        <p:txBody>
-          <a:bodyPr/>
-          <a:lstStyle/>
-          <a:p>
-            <a:r>
-              <a:rPr lang="de-DE" altLang="de-DE" dirty="0"/>
-              <a:t>Tim Eisele</a:t>
-            </a:r>
-          </a:p>
-        </p:txBody>
-      </p:sp>
+          <a:prstGeom prst="rect">
+            <a:avLst/>
+          </a:prstGeom>
+        </p:spPr>
+      </p:pic>
     </p:spTree>
     <p:extLst>
       <p:ext uri="{BB962C8B-B14F-4D97-AF65-F5344CB8AC3E}">
-        <p14:creationId xmlns:p14="http://schemas.microsoft.com/office/powerpoint/2010/main" val="3203233296"/>
+        <p14:creationId xmlns:p14="http://schemas.microsoft.com/office/powerpoint/2010/main" val="3423799490"/>
       </p:ext>
     </p:extLst>
   </p:cSld>
   <p:clrMapOvr>
     <a:masterClrMapping/>
   </p:clrMapOvr>
+  <p:timing>
+    <p:tnLst>
+      <p:par>
+        <p:cTn id="1" dur="indefinite" restart="never" nodeType="tmRoot"/>
+      </p:par>
+    </p:tnLst>
+  </p:timing>
 </p:sld>
 </file>
 
@@ -4716,18 +4796,69 @@
       </p:grpSpPr>
       <p:sp>
         <p:nvSpPr>
-          <p:cNvPr id="2" name="标题 1"/>
-          <p:cNvSpPr>
-            <a:spLocks noGrp="1"/>
+          <p:cNvPr id="4" name="Rectangle 5"/>
+          <p:cNvSpPr>
+            <a:spLocks noGrp="1" noChangeArrowheads="1"/>
+          </p:cNvSpPr>
+          <p:nvPr>
+            <p:ph type="ftr" sz="quarter" idx="10"/>
+          </p:nvPr>
+        </p:nvSpPr>
+        <p:spPr>
+          <a:ln/>
+        </p:spPr>
+        <p:txBody>
+          <a:bodyPr/>
+          <a:lstStyle/>
+          <a:p>
+            <a:r>
+              <a:rPr lang="de-DE" altLang="de-DE" dirty="0"/>
+              <a:t>Peiren Yang</a:t>
+            </a:r>
+          </a:p>
+        </p:txBody>
+      </p:sp>
+      <p:sp>
+        <p:nvSpPr>
+          <p:cNvPr id="6149" name="Rectangle 2"/>
+          <p:cNvSpPr>
+            <a:spLocks noGrp="1" noChangeArrowheads="1"/>
           </p:cNvSpPr>
           <p:nvPr>
             <p:ph type="title"/>
+          </p:nvPr>
+        </p:nvSpPr>
+        <p:spPr/>
+        <p:txBody>
+          <a:bodyPr/>
+          <a:lstStyle/>
+          <a:p>
+            <a:r>
+              <a:rPr lang="de-DE" altLang="de-DE" dirty="0" smtClean="0"/>
+              <a:t>Solution Approach – </a:t>
+            </a:r>
+            <a:r>
+              <a:rPr lang="en-US" altLang="de-DE" dirty="0"/>
+              <a:t>Continuous Integration</a:t>
+            </a:r>
+            <a:endParaRPr lang="de-DE" altLang="de-DE" dirty="0" smtClean="0"/>
+          </a:p>
+        </p:txBody>
+      </p:sp>
+      <p:sp>
+        <p:nvSpPr>
+          <p:cNvPr id="6150" name="Rectangle 3"/>
+          <p:cNvSpPr>
+            <a:spLocks noGrp="1" noChangeArrowheads="1"/>
+          </p:cNvSpPr>
+          <p:nvPr>
+            <p:ph type="body" idx="1"/>
           </p:nvPr>
         </p:nvSpPr>
         <p:spPr>
           <a:xfrm>
-            <a:off x="722312" y="2642989"/>
-            <a:ext cx="8026151" cy="1938139"/>
+            <a:off x="392113" y="1196752"/>
+            <a:ext cx="8356600" cy="4894262"/>
           </a:xfrm>
         </p:spPr>
         <p:txBody>
@@ -4735,82 +4866,91 @@
           <a:lstStyle/>
           <a:p>
             <a:r>
-              <a:rPr lang="en-US" altLang="zh-CN" sz="4800" dirty="0"/>
-              <a:t>G</a:t>
+              <a:rPr lang="en-US" altLang="de-DE" dirty="0" smtClean="0"/>
+              <a:t>App lifetime manage </a:t>
+            </a:r>
+            <a:r>
+              <a:rPr lang="en-US" altLang="zh-CN" dirty="0" smtClean="0"/>
+              <a:t>with Visual Studio App Center</a:t>
+            </a:r>
+            <a:endParaRPr lang="en-US" altLang="de-DE" dirty="0" smtClean="0"/>
+          </a:p>
+          <a:p>
+            <a:pPr lvl="1"/>
+            <a:r>
+              <a:rPr lang="en-US" altLang="zh-CN" dirty="0" smtClean="0"/>
+              <a:t>Notifications can be pushed </a:t>
             </a:r>
             <a:r>
               <a:rPr lang="en-US" altLang="zh-CN" dirty="0"/>
-              <a:t>eothermal heating system with integrated solar heating system</a:t>
-            </a:r>
-            <a:endParaRPr lang="zh-CN" altLang="en-US" dirty="0"/>
-          </a:p>
-        </p:txBody>
-      </p:sp>
-      <p:sp>
-        <p:nvSpPr>
-          <p:cNvPr id="3" name="文本占位符 2"/>
-          <p:cNvSpPr>
-            <a:spLocks noGrp="1"/>
-          </p:cNvSpPr>
-          <p:nvPr>
-            <p:ph type="body" idx="1"/>
-          </p:nvPr>
-        </p:nvSpPr>
-        <p:spPr>
+              <a:t>down to target groups in terms of their devices, their location, their app versions and other features</a:t>
+            </a:r>
+            <a:endParaRPr lang="en-US" altLang="zh-CN" dirty="0" smtClean="0"/>
+          </a:p>
+          <a:p>
+            <a:pPr lvl="1"/>
+            <a:endParaRPr lang="en-US" altLang="zh-CN" dirty="0" smtClean="0"/>
+          </a:p>
+        </p:txBody>
+      </p:sp>
+      <p:pic>
+        <p:nvPicPr>
+          <p:cNvPr id="7170" name="Picture 2" descr="Image result for visual studio app center push"/>
+          <p:cNvPicPr>
+            <a:picLocks noChangeAspect="1" noChangeArrowheads="1"/>
+          </p:cNvPicPr>
+          <p:nvPr/>
+        </p:nvPicPr>
+        <p:blipFill>
+          <a:blip r:embed="rId2" cstate="print">
+            <a:extLst>
+              <a:ext uri="{28A0092B-C50C-407E-A947-70E740481C1C}">
+                <a14:useLocalDpi xmlns:a14="http://schemas.microsoft.com/office/drawing/2010/main" val="0"/>
+              </a:ext>
+            </a:extLst>
+          </a:blip>
+          <a:srcRect/>
+          <a:stretch>
+            <a:fillRect/>
+          </a:stretch>
+        </p:blipFill>
+        <p:spPr bwMode="auto">
           <a:xfrm>
-            <a:off x="722313" y="1142802"/>
-            <a:ext cx="7772400" cy="1500187"/>
+            <a:off x="1187624" y="2274590"/>
+            <a:ext cx="6508737" cy="3816424"/>
           </a:xfrm>
-        </p:spPr>
-        <p:txBody>
-          <a:bodyPr/>
-          <a:lstStyle/>
-          <a:p>
-            <a:r>
-              <a:rPr lang="en-US" altLang="zh-CN" sz="2400" dirty="0"/>
-              <a:t>JAN DYCKE</a:t>
-            </a:r>
-            <a:endParaRPr lang="zh-CN" altLang="en-US" sz="2400" dirty="0"/>
-          </a:p>
-        </p:txBody>
-      </p:sp>
-      <p:sp>
-        <p:nvSpPr>
-          <p:cNvPr id="4" name="页脚占位符 3"/>
-          <p:cNvSpPr>
-            <a:spLocks noGrp="1"/>
-          </p:cNvSpPr>
-          <p:nvPr>
-            <p:ph type="ftr" sz="quarter" idx="10"/>
-          </p:nvPr>
-        </p:nvSpPr>
-        <p:spPr/>
-        <p:txBody>
-          <a:bodyPr/>
-          <a:lstStyle/>
-          <a:p>
-            <a:r>
-              <a:rPr lang="de-DE" altLang="de-DE" dirty="0"/>
-              <a:t>Jan </a:t>
-            </a:r>
-            <a:r>
-              <a:rPr lang="de-DE" altLang="de-DE" dirty="0" err="1"/>
-              <a:t>Dycke</a:t>
-            </a:r>
-            <a:endParaRPr lang="de-DE" dirty="0"/>
-          </a:p>
-        </p:txBody>
-      </p:sp>
+          <a:prstGeom prst="rect">
+            <a:avLst/>
+          </a:prstGeom>
+          <a:noFill/>
+          <a:extLst>
+            <a:ext uri="{909E8E84-426E-40DD-AFC4-6F175D3DCCD1}">
+              <a14:hiddenFill xmlns:a14="http://schemas.microsoft.com/office/drawing/2010/main">
+                <a:solidFill>
+                  <a:srgbClr val="FFFFFF"/>
+                </a:solidFill>
+              </a14:hiddenFill>
+            </a:ext>
+          </a:extLst>
+        </p:spPr>
+      </p:pic>
     </p:spTree>
     <p:extLst>
       <p:ext uri="{BB962C8B-B14F-4D97-AF65-F5344CB8AC3E}">
-        <p14:creationId xmlns:p14="http://schemas.microsoft.com/office/powerpoint/2010/main" val="1830402156"/>
+        <p14:creationId xmlns:p14="http://schemas.microsoft.com/office/powerpoint/2010/main" val="3373488215"/>
       </p:ext>
     </p:extLst>
   </p:cSld>
   <p:clrMapOvr>
     <a:masterClrMapping/>
   </p:clrMapOvr>
+  <p:timing>
+    <p:tnLst>
+      <p:par>
+        <p:cTn id="1" dur="indefinite" restart="never" nodeType="tmRoot"/>
+      </p:par>
+    </p:tnLst>
+  </p:timing>
 </p:sld>
 </file>
 
@@ -4833,52 +4973,65 @@
       </p:grpSpPr>
       <p:sp>
         <p:nvSpPr>
-          <p:cNvPr id="2" name="Titel 1">
-            <a:extLst>
-              <a:ext uri="{FF2B5EF4-FFF2-40B4-BE49-F238E27FC236}">
-                <a16:creationId xmlns:a16="http://schemas.microsoft.com/office/drawing/2014/main" xmlns="" id="{708C1FE5-A6F3-4391-BB3A-4BA86616109E}"/>
-              </a:ext>
-            </a:extLst>
-          </p:cNvPr>
-          <p:cNvSpPr>
-            <a:spLocks noGrp="1"/>
-          </p:cNvSpPr>
-          <p:nvPr>
-            <p:ph type="title"/>
-          </p:nvPr>
-        </p:nvSpPr>
-        <p:spPr/>
+          <p:cNvPr id="4" name="Rectangle 5"/>
+          <p:cNvSpPr>
+            <a:spLocks noGrp="1" noChangeArrowheads="1"/>
+          </p:cNvSpPr>
+          <p:nvPr>
+            <p:ph type="ftr" sz="quarter" idx="10"/>
+          </p:nvPr>
+        </p:nvSpPr>
+        <p:spPr>
+          <a:ln/>
+        </p:spPr>
         <p:txBody>
           <a:bodyPr/>
           <a:lstStyle/>
           <a:p>
             <a:r>
-              <a:rPr lang="en-US" dirty="0"/>
-              <a:t>Geothermal Heat – Downhole Heat Exchanger</a:t>
-            </a:r>
-          </a:p>
-        </p:txBody>
-      </p:sp>
-      <p:sp>
-        <p:nvSpPr>
-          <p:cNvPr id="3" name="Inhaltsplatzhalter 2">
-            <a:extLst>
-              <a:ext uri="{FF2B5EF4-FFF2-40B4-BE49-F238E27FC236}">
-                <a16:creationId xmlns:a16="http://schemas.microsoft.com/office/drawing/2014/main" xmlns="" id="{B4D7F75C-9262-45AC-AA77-9849311BAE20}"/>
-              </a:ext>
-            </a:extLst>
-          </p:cNvPr>
-          <p:cNvSpPr>
-            <a:spLocks noGrp="1"/>
-          </p:cNvSpPr>
-          <p:nvPr>
-            <p:ph idx="1"/>
+              <a:rPr lang="de-DE" altLang="de-DE" dirty="0"/>
+              <a:t>Peiren Yang</a:t>
+            </a:r>
+          </a:p>
+        </p:txBody>
+      </p:sp>
+      <p:sp>
+        <p:nvSpPr>
+          <p:cNvPr id="6149" name="Rectangle 2"/>
+          <p:cNvSpPr>
+            <a:spLocks noGrp="1" noChangeArrowheads="1"/>
+          </p:cNvSpPr>
+          <p:nvPr>
+            <p:ph type="title"/>
+          </p:nvPr>
+        </p:nvSpPr>
+        <p:spPr/>
+        <p:txBody>
+          <a:bodyPr/>
+          <a:lstStyle/>
+          <a:p>
+            <a:r>
+              <a:rPr lang="en-US" altLang="de-DE" dirty="0" smtClean="0"/>
+              <a:t>Conclusion</a:t>
+            </a:r>
+            <a:endParaRPr lang="en-US" altLang="de-DE" dirty="0" smtClean="0"/>
+          </a:p>
+        </p:txBody>
+      </p:sp>
+      <p:sp>
+        <p:nvSpPr>
+          <p:cNvPr id="6150" name="Rectangle 3"/>
+          <p:cNvSpPr>
+            <a:spLocks noGrp="1" noChangeArrowheads="1"/>
+          </p:cNvSpPr>
+          <p:nvPr>
+            <p:ph type="body" idx="1"/>
           </p:nvPr>
         </p:nvSpPr>
         <p:spPr>
           <a:xfrm>
-            <a:off x="392113" y="1844825"/>
-            <a:ext cx="4395911" cy="4248000"/>
+            <a:off x="392113" y="1196752"/>
+            <a:ext cx="8356600" cy="4894262"/>
           </a:xfrm>
         </p:spPr>
         <p:txBody>
@@ -4886,662 +5039,135 @@
           <a:lstStyle/>
           <a:p>
             <a:r>
-              <a:rPr lang="en-US" dirty="0"/>
-              <a:t>Heat pump collects thermal Energy from the ground</a:t>
-            </a:r>
-          </a:p>
-          <a:p>
-            <a:pPr marL="0" indent="0">
-              <a:buNone/>
+              <a:rPr lang="en-US" altLang="de-DE" dirty="0"/>
+              <a:t>Visual Studio App Center is a powerful tool that particularly suitable for cross-platform app </a:t>
+            </a:r>
+            <a:r>
+              <a:rPr lang="en-US" altLang="de-DE" dirty="0" smtClean="0"/>
+              <a:t>development</a:t>
+            </a:r>
+            <a:endParaRPr lang="en-US" altLang="de-DE" dirty="0"/>
+          </a:p>
+          <a:p>
+            <a:pPr lvl="1">
+              <a:lnSpc>
+                <a:spcPct val="150000"/>
+              </a:lnSpc>
             </a:pPr>
-            <a:endParaRPr lang="en-US" dirty="0"/>
-          </a:p>
-          <a:p>
-            <a:r>
-              <a:rPr lang="en-US" dirty="0"/>
-              <a:t>Heats up warm water storage</a:t>
-            </a:r>
-          </a:p>
-          <a:p>
-            <a:pPr marL="0" indent="0">
-              <a:buNone/>
+            <a:r>
+              <a:rPr lang="en-US" altLang="zh-CN" dirty="0" smtClean="0"/>
+              <a:t>It </a:t>
+            </a:r>
+            <a:r>
+              <a:rPr lang="en-US" altLang="zh-CN" dirty="0"/>
+              <a:t>offers project build in different </a:t>
+            </a:r>
+            <a:r>
+              <a:rPr lang="en-US" altLang="zh-CN" dirty="0" smtClean="0"/>
+              <a:t>platforms</a:t>
+            </a:r>
+          </a:p>
+          <a:p>
+            <a:pPr lvl="1">
+              <a:lnSpc>
+                <a:spcPct val="150000"/>
+              </a:lnSpc>
             </a:pPr>
-            <a:endParaRPr lang="en-US" dirty="0"/>
-          </a:p>
-          <a:p>
-            <a:r>
-              <a:rPr lang="en-US" dirty="0"/>
-              <a:t>The higher temperature difference, the lower heat pump efficiency</a:t>
-            </a:r>
-          </a:p>
-        </p:txBody>
-      </p:sp>
-      <p:sp>
-        <p:nvSpPr>
-          <p:cNvPr id="4" name="Fußzeilenplatzhalter 3">
-            <a:extLst>
-              <a:ext uri="{FF2B5EF4-FFF2-40B4-BE49-F238E27FC236}">
-                <a16:creationId xmlns:a16="http://schemas.microsoft.com/office/drawing/2014/main" xmlns="" id="{9CBB9AF3-40FA-4AF0-8DE2-9423F3703468}"/>
-              </a:ext>
-            </a:extLst>
-          </p:cNvPr>
-          <p:cNvSpPr>
-            <a:spLocks noGrp="1"/>
-          </p:cNvSpPr>
-          <p:nvPr>
-            <p:ph type="ftr" sz="quarter" idx="10"/>
-          </p:nvPr>
-        </p:nvSpPr>
-        <p:spPr/>
-        <p:txBody>
-          <a:bodyPr/>
-          <a:lstStyle/>
-          <a:p>
-            <a:r>
-              <a:rPr lang="de-DE" altLang="de-DE" dirty="0"/>
-              <a:t>Jan </a:t>
-            </a:r>
-            <a:r>
-              <a:rPr lang="de-DE" altLang="de-DE" dirty="0" err="1"/>
-              <a:t>Dycke</a:t>
-            </a:r>
-            <a:endParaRPr lang="de-DE" altLang="de-DE" dirty="0"/>
-          </a:p>
-        </p:txBody>
-      </p:sp>
-      <p:grpSp>
-        <p:nvGrpSpPr>
-          <p:cNvPr id="24" name="Gruppieren 23">
-            <a:extLst>
-              <a:ext uri="{FF2B5EF4-FFF2-40B4-BE49-F238E27FC236}">
-                <a16:creationId xmlns:a16="http://schemas.microsoft.com/office/drawing/2014/main" xmlns="" id="{7032203B-7196-4936-8CD5-FCE3C88DD14F}"/>
-              </a:ext>
-            </a:extLst>
-          </p:cNvPr>
-          <p:cNvGrpSpPr/>
-          <p:nvPr/>
-        </p:nvGrpSpPr>
-        <p:grpSpPr>
-          <a:xfrm>
-            <a:off x="5148064" y="1124744"/>
-            <a:ext cx="3350092" cy="4849080"/>
-            <a:chOff x="5292080" y="1244216"/>
-            <a:chExt cx="3350092" cy="4849080"/>
-          </a:xfrm>
-        </p:grpSpPr>
-        <p:pic>
-          <p:nvPicPr>
-            <p:cNvPr id="16" name="Grafik 15">
-              <a:extLst>
-                <a:ext uri="{FF2B5EF4-FFF2-40B4-BE49-F238E27FC236}">
-                  <a16:creationId xmlns:a16="http://schemas.microsoft.com/office/drawing/2014/main" xmlns="" id="{34A2C35A-90EB-4791-ACD6-DF3AAB711A3A}"/>
-                </a:ext>
-              </a:extLst>
-            </p:cNvPr>
-            <p:cNvPicPr>
-              <a:picLocks noChangeAspect="1"/>
-            </p:cNvPicPr>
-            <p:nvPr/>
-          </p:nvPicPr>
-          <p:blipFill>
-            <a:blip r:embed="rId2" cstate="print">
-              <a:extLst>
-                <a:ext uri="{28A0092B-C50C-407E-A947-70E740481C1C}">
-                  <a14:useLocalDpi xmlns:a14="http://schemas.microsoft.com/office/drawing/2010/main" val="0"/>
-                </a:ext>
-              </a:extLst>
-            </a:blip>
-            <a:stretch>
-              <a:fillRect/>
-            </a:stretch>
-          </p:blipFill>
-          <p:spPr>
-            <a:xfrm>
-              <a:off x="7308304" y="1244216"/>
-              <a:ext cx="1333868" cy="1172884"/>
-            </a:xfrm>
-            <a:prstGeom prst="rect">
-              <a:avLst/>
-            </a:prstGeom>
-          </p:spPr>
-        </p:pic>
-        <p:sp>
-          <p:nvSpPr>
-            <p:cNvPr id="5" name="Rechteck: abgerundete Ecken 4">
-              <a:extLst>
-                <a:ext uri="{FF2B5EF4-FFF2-40B4-BE49-F238E27FC236}">
-                  <a16:creationId xmlns:a16="http://schemas.microsoft.com/office/drawing/2014/main" xmlns="" id="{6BB41ED9-5681-470A-89EC-61AAB3180E51}"/>
-                </a:ext>
-              </a:extLst>
-            </p:cNvPr>
-            <p:cNvSpPr/>
-            <p:nvPr/>
-          </p:nvSpPr>
-          <p:spPr>
-            <a:xfrm>
-              <a:off x="5652120" y="5229200"/>
-              <a:ext cx="2664296" cy="864096"/>
-            </a:xfrm>
-            <a:prstGeom prst="roundRect">
-              <a:avLst/>
-            </a:prstGeom>
-            <a:solidFill>
-              <a:schemeClr val="accent6"/>
-            </a:solidFill>
-            <a:ln>
-              <a:solidFill>
-                <a:schemeClr val="accent6"/>
-              </a:solidFill>
-            </a:ln>
-          </p:spPr>
-          <p:style>
-            <a:lnRef idx="2">
-              <a:schemeClr val="accent1">
-                <a:shade val="50000"/>
-              </a:schemeClr>
-            </a:lnRef>
-            <a:fillRef idx="1">
-              <a:schemeClr val="accent1"/>
-            </a:fillRef>
-            <a:effectRef idx="0">
-              <a:schemeClr val="accent1"/>
-            </a:effectRef>
-            <a:fontRef idx="minor">
-              <a:schemeClr val="lt1"/>
-            </a:fontRef>
-          </p:style>
-          <p:txBody>
-            <a:bodyPr rtlCol="0" anchor="ctr"/>
-            <a:lstStyle/>
-            <a:p>
-              <a:pPr algn="ctr"/>
-              <a:r>
-                <a:rPr lang="de-DE" dirty="0"/>
-                <a:t>Ground  (10° -15° C)</a:t>
-              </a:r>
-            </a:p>
-          </p:txBody>
-        </p:sp>
-        <p:sp>
-          <p:nvSpPr>
-            <p:cNvPr id="6" name="Rechteck 5">
-              <a:extLst>
-                <a:ext uri="{FF2B5EF4-FFF2-40B4-BE49-F238E27FC236}">
-                  <a16:creationId xmlns:a16="http://schemas.microsoft.com/office/drawing/2014/main" xmlns="" id="{DBC8C864-97EE-4353-884D-90D4898C90C1}"/>
-                </a:ext>
-              </a:extLst>
-            </p:cNvPr>
-            <p:cNvSpPr/>
-            <p:nvPr/>
-          </p:nvSpPr>
-          <p:spPr>
-            <a:xfrm>
-              <a:off x="6660232" y="4077072"/>
-              <a:ext cx="504056" cy="504056"/>
-            </a:xfrm>
-            <a:prstGeom prst="rect">
-              <a:avLst/>
-            </a:prstGeom>
-          </p:spPr>
-          <p:style>
-            <a:lnRef idx="2">
-              <a:schemeClr val="accent1">
-                <a:shade val="50000"/>
-              </a:schemeClr>
-            </a:lnRef>
-            <a:fillRef idx="1">
-              <a:schemeClr val="accent1"/>
-            </a:fillRef>
-            <a:effectRef idx="0">
-              <a:schemeClr val="accent1"/>
-            </a:effectRef>
-            <a:fontRef idx="minor">
-              <a:schemeClr val="lt1"/>
-            </a:fontRef>
-          </p:style>
-          <p:txBody>
-            <a:bodyPr rtlCol="0" anchor="ctr"/>
-            <a:lstStyle/>
-            <a:p>
-              <a:pPr algn="ctr"/>
-              <a:endParaRPr lang="de-DE"/>
-            </a:p>
-          </p:txBody>
-        </p:sp>
-        <p:sp>
-          <p:nvSpPr>
-            <p:cNvPr id="8" name="Rechteck 7">
-              <a:extLst>
-                <a:ext uri="{FF2B5EF4-FFF2-40B4-BE49-F238E27FC236}">
-                  <a16:creationId xmlns:a16="http://schemas.microsoft.com/office/drawing/2014/main" xmlns="" id="{DB8C87F6-426F-4322-AD74-AB4EEDDACAF3}"/>
-                </a:ext>
-              </a:extLst>
-            </p:cNvPr>
-            <p:cNvSpPr/>
-            <p:nvPr/>
-          </p:nvSpPr>
-          <p:spPr>
-            <a:xfrm>
-              <a:off x="5652120" y="2276872"/>
-              <a:ext cx="1872208" cy="504056"/>
-            </a:xfrm>
-            <a:prstGeom prst="rect">
-              <a:avLst/>
-            </a:prstGeom>
-            <a:solidFill>
-              <a:srgbClr val="FF6915"/>
-            </a:solidFill>
-          </p:spPr>
-          <p:style>
-            <a:lnRef idx="2">
-              <a:schemeClr val="accent1">
-                <a:shade val="50000"/>
-              </a:schemeClr>
-            </a:lnRef>
-            <a:fillRef idx="1">
-              <a:schemeClr val="accent1"/>
-            </a:fillRef>
-            <a:effectRef idx="0">
-              <a:schemeClr val="accent1"/>
-            </a:effectRef>
-            <a:fontRef idx="minor">
-              <a:schemeClr val="lt1"/>
-            </a:fontRef>
-          </p:style>
-          <p:txBody>
-            <a:bodyPr rtlCol="0" anchor="ctr"/>
-            <a:lstStyle/>
-            <a:p>
-              <a:pPr algn="ctr"/>
-              <a:r>
-                <a:rPr lang="de-DE" dirty="0"/>
-                <a:t>House</a:t>
-              </a:r>
-            </a:p>
-          </p:txBody>
-        </p:sp>
-        <p:sp>
-          <p:nvSpPr>
-            <p:cNvPr id="17" name="Textfeld 16">
-              <a:extLst>
-                <a:ext uri="{FF2B5EF4-FFF2-40B4-BE49-F238E27FC236}">
-                  <a16:creationId xmlns:a16="http://schemas.microsoft.com/office/drawing/2014/main" xmlns="" id="{C6075E79-09B9-4483-A668-F0B74209A8A4}"/>
-                </a:ext>
-              </a:extLst>
-            </p:cNvPr>
-            <p:cNvSpPr txBox="1"/>
-            <p:nvPr/>
-          </p:nvSpPr>
-          <p:spPr>
-            <a:xfrm>
-              <a:off x="5292080" y="4144434"/>
-              <a:ext cx="1368152" cy="369332"/>
-            </a:xfrm>
-            <a:prstGeom prst="rect">
-              <a:avLst/>
-            </a:prstGeom>
-            <a:noFill/>
-          </p:spPr>
-          <p:txBody>
-            <a:bodyPr wrap="square" rtlCol="0">
-              <a:spAutoFit/>
-            </a:bodyPr>
-            <a:lstStyle/>
-            <a:p>
-              <a:r>
-                <a:rPr lang="de-DE" dirty="0"/>
-                <a:t>Heat Pump</a:t>
-              </a:r>
-            </a:p>
-          </p:txBody>
-        </p:sp>
-        <p:sp>
-          <p:nvSpPr>
-            <p:cNvPr id="19" name="Pfeil: nach unten 18">
-              <a:extLst>
-                <a:ext uri="{FF2B5EF4-FFF2-40B4-BE49-F238E27FC236}">
-                  <a16:creationId xmlns:a16="http://schemas.microsoft.com/office/drawing/2014/main" xmlns="" id="{01489D1C-58A9-4679-8AFB-FC2D825E0B89}"/>
-                </a:ext>
-              </a:extLst>
-            </p:cNvPr>
-            <p:cNvSpPr/>
-            <p:nvPr/>
-          </p:nvSpPr>
-          <p:spPr>
-            <a:xfrm rot="10800000">
-              <a:off x="6822250" y="4697581"/>
-              <a:ext cx="180020" cy="432048"/>
-            </a:xfrm>
-            <a:prstGeom prst="downArrow">
-              <a:avLst/>
-            </a:prstGeom>
-            <a:solidFill>
-              <a:srgbClr val="5A6EB4"/>
-            </a:solidFill>
-            <a:ln>
-              <a:solidFill>
-                <a:srgbClr val="5A6EB4"/>
-              </a:solidFill>
-            </a:ln>
-          </p:spPr>
-          <p:style>
-            <a:lnRef idx="2">
-              <a:schemeClr val="accent1">
-                <a:shade val="50000"/>
-              </a:schemeClr>
-            </a:lnRef>
-            <a:fillRef idx="1">
-              <a:schemeClr val="accent1"/>
-            </a:fillRef>
-            <a:effectRef idx="0">
-              <a:schemeClr val="accent1"/>
-            </a:effectRef>
-            <a:fontRef idx="minor">
-              <a:schemeClr val="lt1"/>
-            </a:fontRef>
-          </p:style>
-          <p:txBody>
-            <a:bodyPr rtlCol="0" anchor="ctr"/>
-            <a:lstStyle/>
-            <a:p>
-              <a:pPr algn="ctr"/>
-              <a:endParaRPr lang="de-DE"/>
-            </a:p>
-          </p:txBody>
-        </p:sp>
-        <p:sp>
-          <p:nvSpPr>
-            <p:cNvPr id="20" name="Pfeil: nach rechts 19">
-              <a:extLst>
-                <a:ext uri="{FF2B5EF4-FFF2-40B4-BE49-F238E27FC236}">
-                  <a16:creationId xmlns:a16="http://schemas.microsoft.com/office/drawing/2014/main" xmlns="" id="{9D11525F-3C51-45B6-ACCC-5F14A45EF88F}"/>
-                </a:ext>
-              </a:extLst>
-            </p:cNvPr>
-            <p:cNvSpPr/>
-            <p:nvPr/>
-          </p:nvSpPr>
-          <p:spPr>
-            <a:xfrm>
-              <a:off x="7269794" y="4144434"/>
-              <a:ext cx="149028" cy="369332"/>
-            </a:xfrm>
-            <a:prstGeom prst="rightArrow">
-              <a:avLst/>
-            </a:prstGeom>
-            <a:solidFill>
-              <a:srgbClr val="FF0000"/>
-            </a:solidFill>
-            <a:ln>
-              <a:solidFill>
-                <a:srgbClr val="FF0000"/>
-              </a:solidFill>
-            </a:ln>
-          </p:spPr>
-          <p:style>
-            <a:lnRef idx="2">
-              <a:schemeClr val="accent1">
-                <a:shade val="50000"/>
-              </a:schemeClr>
-            </a:lnRef>
-            <a:fillRef idx="1">
-              <a:schemeClr val="accent1"/>
-            </a:fillRef>
-            <a:effectRef idx="0">
-              <a:schemeClr val="accent1"/>
-            </a:effectRef>
-            <a:fontRef idx="minor">
-              <a:schemeClr val="lt1"/>
-            </a:fontRef>
-          </p:style>
-          <p:txBody>
-            <a:bodyPr rtlCol="0" anchor="ctr"/>
-            <a:lstStyle/>
-            <a:p>
-              <a:pPr algn="ctr"/>
-              <a:endParaRPr lang="de-DE"/>
-            </a:p>
-          </p:txBody>
-        </p:sp>
-        <p:sp>
-          <p:nvSpPr>
-            <p:cNvPr id="21" name="Pfeil: nach unten 20">
-              <a:extLst>
-                <a:ext uri="{FF2B5EF4-FFF2-40B4-BE49-F238E27FC236}">
-                  <a16:creationId xmlns:a16="http://schemas.microsoft.com/office/drawing/2014/main" xmlns="" id="{90BAD00E-F513-418B-A9E0-D624FC4F9D93}"/>
-                </a:ext>
-              </a:extLst>
-            </p:cNvPr>
-            <p:cNvSpPr/>
-            <p:nvPr/>
-          </p:nvSpPr>
-          <p:spPr>
-            <a:xfrm rot="10800000">
-              <a:off x="6399203" y="2880498"/>
-              <a:ext cx="378041" cy="764526"/>
-            </a:xfrm>
-            <a:prstGeom prst="downArrow">
-              <a:avLst/>
-            </a:prstGeom>
-            <a:solidFill>
-              <a:srgbClr val="FF6915"/>
-            </a:solidFill>
-            <a:ln>
-              <a:solidFill>
-                <a:srgbClr val="FF6915"/>
-              </a:solidFill>
-            </a:ln>
-          </p:spPr>
-          <p:style>
-            <a:lnRef idx="2">
-              <a:schemeClr val="accent1">
-                <a:shade val="50000"/>
-              </a:schemeClr>
-            </a:lnRef>
-            <a:fillRef idx="1">
-              <a:schemeClr val="accent1"/>
-            </a:fillRef>
-            <a:effectRef idx="0">
-              <a:schemeClr val="accent1"/>
-            </a:effectRef>
-            <a:fontRef idx="minor">
-              <a:schemeClr val="lt1"/>
-            </a:fontRef>
-          </p:style>
-          <p:txBody>
-            <a:bodyPr rtlCol="0" anchor="ctr"/>
-            <a:lstStyle/>
-            <a:p>
-              <a:pPr algn="ctr"/>
-              <a:endParaRPr lang="de-DE"/>
-            </a:p>
-          </p:txBody>
-        </p:sp>
-        <p:sp>
-          <p:nvSpPr>
-            <p:cNvPr id="22" name="Rechteck 21">
-              <a:extLst>
-                <a:ext uri="{FF2B5EF4-FFF2-40B4-BE49-F238E27FC236}">
-                  <a16:creationId xmlns:a16="http://schemas.microsoft.com/office/drawing/2014/main" xmlns="" id="{AF065116-16D4-4E3B-8334-A9242FA6300E}"/>
-                </a:ext>
-              </a:extLst>
-            </p:cNvPr>
-            <p:cNvSpPr/>
-            <p:nvPr/>
-          </p:nvSpPr>
-          <p:spPr>
-            <a:xfrm>
-              <a:off x="6489212" y="3638270"/>
-              <a:ext cx="1035116" cy="226325"/>
-            </a:xfrm>
-            <a:prstGeom prst="rect">
-              <a:avLst/>
-            </a:prstGeom>
-            <a:solidFill>
-              <a:srgbClr val="FF6915"/>
-            </a:solidFill>
-            <a:ln>
-              <a:solidFill>
-                <a:srgbClr val="FF6915"/>
-              </a:solidFill>
-            </a:ln>
-          </p:spPr>
-          <p:style>
-            <a:lnRef idx="2">
-              <a:schemeClr val="accent1">
-                <a:shade val="50000"/>
-              </a:schemeClr>
-            </a:lnRef>
-            <a:fillRef idx="1">
-              <a:schemeClr val="accent1"/>
-            </a:fillRef>
-            <a:effectRef idx="0">
-              <a:schemeClr val="accent1"/>
-            </a:effectRef>
-            <a:fontRef idx="minor">
-              <a:schemeClr val="lt1"/>
-            </a:fontRef>
-          </p:style>
-          <p:txBody>
-            <a:bodyPr rtlCol="0" anchor="ctr"/>
-            <a:lstStyle/>
-            <a:p>
-              <a:pPr algn="ctr"/>
-              <a:endParaRPr lang="de-DE"/>
-            </a:p>
-          </p:txBody>
-        </p:sp>
-        <p:sp>
-          <p:nvSpPr>
-            <p:cNvPr id="23" name="Pfeil: nach unten 22">
-              <a:extLst>
-                <a:ext uri="{FF2B5EF4-FFF2-40B4-BE49-F238E27FC236}">
-                  <a16:creationId xmlns:a16="http://schemas.microsoft.com/office/drawing/2014/main" xmlns="" id="{6A51F052-2FBD-4749-B327-2F3780B25660}"/>
-                </a:ext>
-              </a:extLst>
-            </p:cNvPr>
-            <p:cNvSpPr/>
-            <p:nvPr/>
-          </p:nvSpPr>
-          <p:spPr>
-            <a:xfrm rot="10800000">
-              <a:off x="7956930" y="2276872"/>
-              <a:ext cx="143462" cy="997596"/>
-            </a:xfrm>
-            <a:prstGeom prst="downArrow">
-              <a:avLst/>
-            </a:prstGeom>
-            <a:solidFill>
-              <a:srgbClr val="FF0000"/>
-            </a:solidFill>
-            <a:ln>
-              <a:solidFill>
-                <a:srgbClr val="FF0000"/>
-              </a:solidFill>
-            </a:ln>
-          </p:spPr>
-          <p:style>
-            <a:lnRef idx="2">
-              <a:schemeClr val="accent1">
-                <a:shade val="50000"/>
-              </a:schemeClr>
-            </a:lnRef>
-            <a:fillRef idx="1">
-              <a:schemeClr val="accent1"/>
-            </a:fillRef>
-            <a:effectRef idx="0">
-              <a:schemeClr val="accent1"/>
-            </a:effectRef>
-            <a:fontRef idx="minor">
-              <a:schemeClr val="lt1"/>
-            </a:fontRef>
-          </p:style>
-          <p:txBody>
-            <a:bodyPr rtlCol="0" anchor="ctr"/>
-            <a:lstStyle/>
-            <a:p>
-              <a:pPr algn="ctr"/>
-              <a:endParaRPr lang="de-DE"/>
-            </a:p>
-          </p:txBody>
-        </p:sp>
-        <p:sp>
-          <p:nvSpPr>
-            <p:cNvPr id="7" name="Rechteck 6">
-              <a:extLst>
-                <a:ext uri="{FF2B5EF4-FFF2-40B4-BE49-F238E27FC236}">
-                  <a16:creationId xmlns:a16="http://schemas.microsoft.com/office/drawing/2014/main" xmlns="" id="{A307D25F-695C-4E7B-B40A-FB79505DC768}"/>
-                </a:ext>
-              </a:extLst>
-            </p:cNvPr>
-            <p:cNvSpPr/>
-            <p:nvPr/>
-          </p:nvSpPr>
-          <p:spPr>
-            <a:xfrm>
-              <a:off x="7524328" y="3284984"/>
-              <a:ext cx="720080" cy="1296144"/>
-            </a:xfrm>
-            <a:prstGeom prst="rect">
-              <a:avLst/>
-            </a:prstGeom>
-            <a:gradFill>
-              <a:gsLst>
-                <a:gs pos="0">
-                  <a:srgbClr val="FF0000"/>
-                </a:gs>
-                <a:gs pos="74000">
-                  <a:srgbClr val="FF6915"/>
-                </a:gs>
-                <a:gs pos="83000">
-                  <a:srgbClr val="FC9804"/>
-                </a:gs>
-                <a:gs pos="100000">
-                  <a:srgbClr val="FFC000"/>
-                </a:gs>
-              </a:gsLst>
-              <a:lin ang="5400000" scaled="1"/>
-            </a:gradFill>
-          </p:spPr>
-          <p:style>
-            <a:lnRef idx="2">
-              <a:schemeClr val="accent1">
-                <a:shade val="50000"/>
-              </a:schemeClr>
-            </a:lnRef>
-            <a:fillRef idx="1">
-              <a:schemeClr val="accent1"/>
-            </a:fillRef>
-            <a:effectRef idx="0">
-              <a:schemeClr val="accent1"/>
-            </a:effectRef>
-            <a:fontRef idx="minor">
-              <a:schemeClr val="lt1"/>
-            </a:fontRef>
-          </p:style>
-          <p:txBody>
-            <a:bodyPr rtlCol="0" anchor="ctr"/>
-            <a:lstStyle/>
-            <a:p>
-              <a:pPr algn="ctr"/>
-              <a:r>
-                <a:rPr lang="de-DE" dirty="0"/>
-                <a:t>Tank</a:t>
-              </a:r>
-            </a:p>
-          </p:txBody>
-        </p:sp>
-      </p:grpSp>
+            <a:r>
+              <a:rPr lang="en-US" altLang="zh-CN" dirty="0" smtClean="0"/>
+              <a:t>It supports </a:t>
+            </a:r>
+            <a:r>
+              <a:rPr lang="en-US" altLang="zh-CN" dirty="0"/>
+              <a:t>app tests with an enormous device </a:t>
+            </a:r>
+            <a:r>
+              <a:rPr lang="en-US" altLang="zh-CN" dirty="0" smtClean="0"/>
+              <a:t>farm</a:t>
+            </a:r>
+          </a:p>
+          <a:p>
+            <a:pPr lvl="1">
+              <a:lnSpc>
+                <a:spcPct val="150000"/>
+              </a:lnSpc>
+            </a:pPr>
+            <a:r>
+              <a:rPr lang="en-US" altLang="zh-CN" dirty="0" smtClean="0"/>
+              <a:t>It </a:t>
+            </a:r>
+            <a:r>
+              <a:rPr lang="en-US" altLang="zh-CN" dirty="0"/>
+              <a:t>offers interfaces for the management of app lifetime</a:t>
+            </a:r>
+          </a:p>
+          <a:p>
+            <a:r>
+              <a:rPr lang="en-US" altLang="zh-CN" dirty="0"/>
+              <a:t>The total price for using App Center as build and test platform is basically $139 per </a:t>
+            </a:r>
+            <a:r>
+              <a:rPr lang="en-US" altLang="zh-CN" dirty="0" smtClean="0"/>
+              <a:t>month, which includes:</a:t>
+            </a:r>
+          </a:p>
+          <a:p>
+            <a:pPr lvl="1">
+              <a:lnSpc>
+                <a:spcPct val="150000"/>
+              </a:lnSpc>
+            </a:pPr>
+            <a:r>
+              <a:rPr lang="en-US" altLang="zh-CN" dirty="0" smtClean="0"/>
+              <a:t>$40 </a:t>
+            </a:r>
+            <a:r>
+              <a:rPr lang="en-US" altLang="zh-CN" dirty="0"/>
+              <a:t>per </a:t>
+            </a:r>
+            <a:r>
+              <a:rPr lang="en-US" altLang="zh-CN" dirty="0" smtClean="0"/>
+              <a:t>month for unlimited build time (free for 400 hours)</a:t>
+            </a:r>
+          </a:p>
+          <a:p>
+            <a:pPr lvl="1">
+              <a:lnSpc>
+                <a:spcPct val="150000"/>
+              </a:lnSpc>
+            </a:pPr>
+            <a:r>
+              <a:rPr lang="en-US" altLang="zh-CN" dirty="0" smtClean="0"/>
+              <a:t>$99 </a:t>
+            </a:r>
+            <a:r>
+              <a:rPr lang="en-US" altLang="zh-CN" dirty="0"/>
+              <a:t>per </a:t>
+            </a:r>
+            <a:r>
+              <a:rPr lang="en-US" altLang="zh-CN" dirty="0" smtClean="0"/>
+              <a:t>month for unlimited tests</a:t>
+            </a:r>
+          </a:p>
+        </p:txBody>
+      </p:sp>
     </p:spTree>
     <p:extLst>
       <p:ext uri="{BB962C8B-B14F-4D97-AF65-F5344CB8AC3E}">
-        <p14:creationId xmlns:p14="http://schemas.microsoft.com/office/powerpoint/2010/main" val="1037379700"/>
+        <p14:creationId xmlns:p14="http://schemas.microsoft.com/office/powerpoint/2010/main" val="3023044749"/>
       </p:ext>
     </p:extLst>
   </p:cSld>
   <p:clrMapOvr>
     <a:masterClrMapping/>
   </p:clrMapOvr>
+  <p:timing>
+    <p:tnLst>
+      <p:par>
+        <p:cTn id="1" dur="indefinite" restart="never" nodeType="tmRoot"/>
+      </p:par>
+    </p:tnLst>
+  </p:timing>
 </p:sld>
 </file>
 
@@ -5564,72 +5190,65 @@
       </p:grpSpPr>
       <p:sp>
         <p:nvSpPr>
-          <p:cNvPr id="2" name="Titel 1">
-            <a:extLst>
-              <a:ext uri="{FF2B5EF4-FFF2-40B4-BE49-F238E27FC236}">
-                <a16:creationId xmlns:a16="http://schemas.microsoft.com/office/drawing/2014/main" xmlns="" id="{555E6513-FC3A-433C-83EF-83C4432D728B}"/>
-              </a:ext>
-            </a:extLst>
-          </p:cNvPr>
-          <p:cNvSpPr>
-            <a:spLocks noGrp="1"/>
-          </p:cNvSpPr>
-          <p:nvPr>
-            <p:ph type="title"/>
+          <p:cNvPr id="4" name="Rectangle 5"/>
+          <p:cNvSpPr>
+            <a:spLocks noGrp="1" noChangeArrowheads="1"/>
+          </p:cNvSpPr>
+          <p:nvPr>
+            <p:ph type="ftr" sz="quarter" idx="10"/>
           </p:nvPr>
         </p:nvSpPr>
         <p:spPr>
-          <a:ln>
-            <a:solidFill>
-              <a:schemeClr val="accent1">
-                <a:lumMod val="75000"/>
-              </a:schemeClr>
-            </a:solidFill>
-          </a:ln>
+          <a:ln/>
         </p:spPr>
         <p:txBody>
           <a:bodyPr/>
           <a:lstStyle/>
           <a:p>
             <a:r>
-              <a:rPr lang="de-DE" dirty="0"/>
-              <a:t>Geothermal Heat </a:t>
-            </a:r>
-            <a:r>
-              <a:rPr lang="en-US" dirty="0"/>
-              <a:t>–</a:t>
-            </a:r>
-            <a:r>
-              <a:rPr lang="de-DE" dirty="0"/>
-              <a:t> </a:t>
-            </a:r>
-            <a:r>
-              <a:rPr lang="en-US" dirty="0"/>
-              <a:t>Combination with Solar Heat</a:t>
-            </a:r>
-          </a:p>
-        </p:txBody>
-      </p:sp>
-      <p:sp>
-        <p:nvSpPr>
-          <p:cNvPr id="3" name="Inhaltsplatzhalter 2">
-            <a:extLst>
-              <a:ext uri="{FF2B5EF4-FFF2-40B4-BE49-F238E27FC236}">
-                <a16:creationId xmlns:a16="http://schemas.microsoft.com/office/drawing/2014/main" xmlns="" id="{03D8010A-11B8-45BF-9FDB-A16FA3CEF605}"/>
-              </a:ext>
-            </a:extLst>
-          </p:cNvPr>
-          <p:cNvSpPr>
-            <a:spLocks noGrp="1"/>
-          </p:cNvSpPr>
-          <p:nvPr>
-            <p:ph idx="1"/>
+              <a:rPr lang="de-DE" altLang="de-DE" dirty="0"/>
+              <a:t>Peiren Yang</a:t>
+            </a:r>
+          </a:p>
+        </p:txBody>
+      </p:sp>
+      <p:sp>
+        <p:nvSpPr>
+          <p:cNvPr id="6149" name="Rectangle 2"/>
+          <p:cNvSpPr>
+            <a:spLocks noGrp="1" noChangeArrowheads="1"/>
+          </p:cNvSpPr>
+          <p:nvPr>
+            <p:ph type="title"/>
+          </p:nvPr>
+        </p:nvSpPr>
+        <p:spPr/>
+        <p:txBody>
+          <a:bodyPr/>
+          <a:lstStyle/>
+          <a:p>
+            <a:r>
+              <a:rPr lang="en-US" altLang="de-DE" dirty="0" smtClean="0"/>
+              <a:t>Conclusion </a:t>
+            </a:r>
+            <a:endParaRPr lang="en-US" altLang="de-DE" dirty="0" smtClean="0"/>
+          </a:p>
+        </p:txBody>
+      </p:sp>
+      <p:sp>
+        <p:nvSpPr>
+          <p:cNvPr id="6150" name="Rectangle 3"/>
+          <p:cNvSpPr>
+            <a:spLocks noGrp="1" noChangeArrowheads="1"/>
+          </p:cNvSpPr>
+          <p:nvPr>
+            <p:ph type="body" idx="1"/>
           </p:nvPr>
         </p:nvSpPr>
         <p:spPr>
           <a:xfrm>
-            <a:off x="392113" y="1484785"/>
-            <a:ext cx="4179887" cy="4608040"/>
+            <a:off x="392113" y="1124744"/>
+            <a:ext cx="8356600" cy="4894262"/>
           </a:xfrm>
         </p:spPr>
         <p:txBody>
@@ -5637,939 +5256,96 @@
           <a:lstStyle/>
           <a:p>
             <a:r>
-              <a:rPr lang="en-US" dirty="0"/>
-              <a:t>Solar system can heat warm drinking water (60°C) more efficiently</a:t>
-            </a:r>
-          </a:p>
-          <a:p>
-            <a:pPr marL="0" indent="0">
-              <a:buNone/>
+              <a:rPr lang="en-US" altLang="de-DE" dirty="0" smtClean="0"/>
+              <a:t>Disadvantage of using Visual Studio App Center</a:t>
+            </a:r>
+          </a:p>
+          <a:p>
+            <a:pPr lvl="1">
+              <a:lnSpc>
+                <a:spcPct val="150000"/>
+              </a:lnSpc>
             </a:pPr>
-            <a:endParaRPr lang="en-US" dirty="0"/>
-          </a:p>
-          <a:p>
-            <a:r>
-              <a:rPr lang="en-US" dirty="0"/>
-              <a:t>Geothermal system has no lead time</a:t>
-            </a:r>
-          </a:p>
-          <a:p>
-            <a:pPr marL="0" indent="0">
-              <a:buNone/>
+            <a:r>
+              <a:rPr lang="en-US" altLang="zh-CN" dirty="0" smtClean="0"/>
+              <a:t>The </a:t>
+            </a:r>
+            <a:r>
+              <a:rPr lang="en-US" altLang="zh-CN" dirty="0"/>
+              <a:t>job customization is not quite flexible, only three scripts can be configured and they must be executed </a:t>
+            </a:r>
+            <a:r>
+              <a:rPr lang="en-US" altLang="zh-CN" dirty="0" smtClean="0"/>
+              <a:t>consecutively</a:t>
+            </a:r>
+          </a:p>
+          <a:p>
+            <a:pPr lvl="1">
+              <a:lnSpc>
+                <a:spcPct val="150000"/>
+              </a:lnSpc>
             </a:pPr>
-            <a:endParaRPr lang="en-US" dirty="0"/>
-          </a:p>
-          <a:p>
-            <a:r>
-              <a:rPr lang="en-US" dirty="0"/>
-              <a:t>Solar overcapacities in summer can be used to regenerate the ground</a:t>
-            </a:r>
-          </a:p>
-        </p:txBody>
-      </p:sp>
-      <p:sp>
-        <p:nvSpPr>
-          <p:cNvPr id="4" name="Fußzeilenplatzhalter 3">
-            <a:extLst>
-              <a:ext uri="{FF2B5EF4-FFF2-40B4-BE49-F238E27FC236}">
-                <a16:creationId xmlns:a16="http://schemas.microsoft.com/office/drawing/2014/main" xmlns="" id="{8C3A64EE-4259-488B-BDCE-3AC11D93C372}"/>
-              </a:ext>
-            </a:extLst>
-          </p:cNvPr>
-          <p:cNvSpPr>
-            <a:spLocks noGrp="1"/>
-          </p:cNvSpPr>
-          <p:nvPr>
-            <p:ph type="ftr" sz="quarter" idx="10"/>
-          </p:nvPr>
-        </p:nvSpPr>
-        <p:spPr/>
-        <p:txBody>
-          <a:bodyPr/>
-          <a:lstStyle/>
-          <a:p>
-            <a:r>
-              <a:rPr lang="de-DE" altLang="de-DE" dirty="0"/>
-              <a:t>Jan Dycke</a:t>
-            </a:r>
-          </a:p>
-        </p:txBody>
-      </p:sp>
-      <p:grpSp>
-        <p:nvGrpSpPr>
-          <p:cNvPr id="24" name="Gruppieren 23">
-            <a:extLst>
-              <a:ext uri="{FF2B5EF4-FFF2-40B4-BE49-F238E27FC236}">
-                <a16:creationId xmlns:a16="http://schemas.microsoft.com/office/drawing/2014/main" xmlns="" id="{3C81F990-69E8-4046-BF3E-FCB895B7DEAF}"/>
-              </a:ext>
-            </a:extLst>
-          </p:cNvPr>
-          <p:cNvGrpSpPr/>
-          <p:nvPr/>
-        </p:nvGrpSpPr>
-        <p:grpSpPr>
-          <a:xfrm>
-            <a:off x="5148064" y="1124744"/>
-            <a:ext cx="3395477" cy="4849080"/>
-            <a:chOff x="5148064" y="1124744"/>
-            <a:chExt cx="3395477" cy="4849080"/>
-          </a:xfrm>
-        </p:grpSpPr>
-        <p:grpSp>
-          <p:nvGrpSpPr>
-            <p:cNvPr id="21" name="Gruppieren 20">
-              <a:extLst>
-                <a:ext uri="{FF2B5EF4-FFF2-40B4-BE49-F238E27FC236}">
-                  <a16:creationId xmlns:a16="http://schemas.microsoft.com/office/drawing/2014/main" xmlns="" id="{B828C652-BDA3-4E2C-8474-33896BA6AFC7}"/>
-                </a:ext>
-              </a:extLst>
-            </p:cNvPr>
-            <p:cNvGrpSpPr/>
-            <p:nvPr/>
-          </p:nvGrpSpPr>
-          <p:grpSpPr>
-            <a:xfrm>
-              <a:off x="5148064" y="1124744"/>
-              <a:ext cx="3395477" cy="4849080"/>
-              <a:chOff x="5148064" y="1124744"/>
-              <a:chExt cx="3395477" cy="4849080"/>
-            </a:xfrm>
-          </p:grpSpPr>
-          <p:pic>
-            <p:nvPicPr>
-              <p:cNvPr id="6" name="Grafik 5">
-                <a:extLst>
-                  <a:ext uri="{FF2B5EF4-FFF2-40B4-BE49-F238E27FC236}">
-                    <a16:creationId xmlns:a16="http://schemas.microsoft.com/office/drawing/2014/main" xmlns="" id="{AFF54A0D-DA78-4519-A6AF-A7CC4F38449A}"/>
-                  </a:ext>
-                </a:extLst>
-              </p:cNvPr>
-              <p:cNvPicPr>
-                <a:picLocks noChangeAspect="1"/>
-              </p:cNvPicPr>
-              <p:nvPr/>
-            </p:nvPicPr>
-            <p:blipFill>
-              <a:blip r:embed="rId2" cstate="print">
-                <a:extLst>
-                  <a:ext uri="{28A0092B-C50C-407E-A947-70E740481C1C}">
-                    <a14:useLocalDpi xmlns:a14="http://schemas.microsoft.com/office/drawing/2010/main" val="0"/>
-                  </a:ext>
-                </a:extLst>
-              </a:blip>
-              <a:stretch>
-                <a:fillRect/>
-              </a:stretch>
-            </p:blipFill>
-            <p:spPr>
-              <a:xfrm>
-                <a:off x="7164288" y="1124744"/>
-                <a:ext cx="1333868" cy="1172884"/>
-              </a:xfrm>
-              <a:prstGeom prst="rect">
-                <a:avLst/>
-              </a:prstGeom>
-            </p:spPr>
-          </p:pic>
-          <p:sp>
-            <p:nvSpPr>
-              <p:cNvPr id="7" name="Rechteck: abgerundete Ecken 6">
-                <a:extLst>
-                  <a:ext uri="{FF2B5EF4-FFF2-40B4-BE49-F238E27FC236}">
-                    <a16:creationId xmlns:a16="http://schemas.microsoft.com/office/drawing/2014/main" xmlns="" id="{9C0D323A-6C3E-43EA-AD0F-1279DF799BFE}"/>
-                  </a:ext>
-                </a:extLst>
-              </p:cNvPr>
-              <p:cNvSpPr/>
-              <p:nvPr/>
-            </p:nvSpPr>
-            <p:spPr>
-              <a:xfrm>
-                <a:off x="5508104" y="5109728"/>
-                <a:ext cx="2664296" cy="864096"/>
-              </a:xfrm>
-              <a:prstGeom prst="roundRect">
-                <a:avLst/>
-              </a:prstGeom>
-              <a:solidFill>
-                <a:schemeClr val="accent6"/>
-              </a:solidFill>
-              <a:ln>
-                <a:solidFill>
-                  <a:schemeClr val="accent6"/>
-                </a:solidFill>
-              </a:ln>
-            </p:spPr>
-            <p:style>
-              <a:lnRef idx="2">
-                <a:schemeClr val="accent1">
-                  <a:shade val="50000"/>
-                </a:schemeClr>
-              </a:lnRef>
-              <a:fillRef idx="1">
-                <a:schemeClr val="accent1"/>
-              </a:fillRef>
-              <a:effectRef idx="0">
-                <a:schemeClr val="accent1"/>
-              </a:effectRef>
-              <a:fontRef idx="minor">
-                <a:schemeClr val="lt1"/>
-              </a:fontRef>
-            </p:style>
-            <p:txBody>
-              <a:bodyPr rtlCol="0" anchor="ctr"/>
-              <a:lstStyle/>
-              <a:p>
-                <a:pPr algn="ctr"/>
-                <a:r>
-                  <a:rPr lang="de-DE" dirty="0"/>
-                  <a:t>Ground  (10° -15° C)</a:t>
-                </a:r>
-              </a:p>
-            </p:txBody>
-          </p:sp>
-          <p:sp>
-            <p:nvSpPr>
-              <p:cNvPr id="8" name="Rechteck 7">
-                <a:extLst>
-                  <a:ext uri="{FF2B5EF4-FFF2-40B4-BE49-F238E27FC236}">
-                    <a16:creationId xmlns:a16="http://schemas.microsoft.com/office/drawing/2014/main" xmlns="" id="{119CD165-44A7-4A44-8721-1F713EFE46CE}"/>
-                  </a:ext>
-                </a:extLst>
-              </p:cNvPr>
-              <p:cNvSpPr/>
-              <p:nvPr/>
-            </p:nvSpPr>
-            <p:spPr>
-              <a:xfrm>
-                <a:off x="6516216" y="3957600"/>
-                <a:ext cx="504056" cy="504056"/>
-              </a:xfrm>
-              <a:prstGeom prst="rect">
-                <a:avLst/>
-              </a:prstGeom>
-            </p:spPr>
-            <p:style>
-              <a:lnRef idx="2">
-                <a:schemeClr val="accent1">
-                  <a:shade val="50000"/>
-                </a:schemeClr>
-              </a:lnRef>
-              <a:fillRef idx="1">
-                <a:schemeClr val="accent1"/>
-              </a:fillRef>
-              <a:effectRef idx="0">
-                <a:schemeClr val="accent1"/>
-              </a:effectRef>
-              <a:fontRef idx="minor">
-                <a:schemeClr val="lt1"/>
-              </a:fontRef>
-            </p:style>
-            <p:txBody>
-              <a:bodyPr rtlCol="0" anchor="ctr"/>
-              <a:lstStyle/>
-              <a:p>
-                <a:pPr algn="ctr"/>
-                <a:endParaRPr lang="de-DE"/>
-              </a:p>
-            </p:txBody>
-          </p:sp>
-          <p:sp>
-            <p:nvSpPr>
-              <p:cNvPr id="9" name="Rechteck 8">
-                <a:extLst>
-                  <a:ext uri="{FF2B5EF4-FFF2-40B4-BE49-F238E27FC236}">
-                    <a16:creationId xmlns:a16="http://schemas.microsoft.com/office/drawing/2014/main" xmlns="" id="{F9F0CB38-3978-41E5-A00A-E6029635B170}"/>
-                  </a:ext>
-                </a:extLst>
-              </p:cNvPr>
-              <p:cNvSpPr/>
-              <p:nvPr/>
-            </p:nvSpPr>
-            <p:spPr>
-              <a:xfrm>
-                <a:off x="5508104" y="2157400"/>
-                <a:ext cx="1872208" cy="504056"/>
-              </a:xfrm>
-              <a:prstGeom prst="rect">
-                <a:avLst/>
-              </a:prstGeom>
-              <a:solidFill>
-                <a:srgbClr val="FF6915"/>
-              </a:solidFill>
-            </p:spPr>
-            <p:style>
-              <a:lnRef idx="2">
-                <a:schemeClr val="accent1">
-                  <a:shade val="50000"/>
-                </a:schemeClr>
-              </a:lnRef>
-              <a:fillRef idx="1">
-                <a:schemeClr val="accent1"/>
-              </a:fillRef>
-              <a:effectRef idx="0">
-                <a:schemeClr val="accent1"/>
-              </a:effectRef>
-              <a:fontRef idx="minor">
-                <a:schemeClr val="lt1"/>
-              </a:fontRef>
-            </p:style>
-            <p:txBody>
-              <a:bodyPr rtlCol="0" anchor="ctr"/>
-              <a:lstStyle/>
-              <a:p>
-                <a:pPr algn="ctr"/>
-                <a:r>
-                  <a:rPr lang="de-DE" dirty="0"/>
-                  <a:t>House</a:t>
-                </a:r>
-              </a:p>
-            </p:txBody>
-          </p:sp>
-          <p:sp>
-            <p:nvSpPr>
-              <p:cNvPr id="10" name="Textfeld 9">
-                <a:extLst>
-                  <a:ext uri="{FF2B5EF4-FFF2-40B4-BE49-F238E27FC236}">
-                    <a16:creationId xmlns:a16="http://schemas.microsoft.com/office/drawing/2014/main" xmlns="" id="{B72B9E85-9CB6-46D6-9D49-0616F1FAD790}"/>
-                  </a:ext>
-                </a:extLst>
-              </p:cNvPr>
-              <p:cNvSpPr txBox="1"/>
-              <p:nvPr/>
-            </p:nvSpPr>
-            <p:spPr>
-              <a:xfrm>
-                <a:off x="5148064" y="4024962"/>
-                <a:ext cx="1368152" cy="369332"/>
-              </a:xfrm>
-              <a:prstGeom prst="rect">
-                <a:avLst/>
-              </a:prstGeom>
-              <a:noFill/>
-            </p:spPr>
-            <p:txBody>
-              <a:bodyPr wrap="square" rtlCol="0">
-                <a:spAutoFit/>
-              </a:bodyPr>
-              <a:lstStyle/>
-              <a:p>
-                <a:r>
-                  <a:rPr lang="de-DE" dirty="0"/>
-                  <a:t>Heat Pump</a:t>
-                </a:r>
-              </a:p>
-            </p:txBody>
-          </p:sp>
-          <p:sp>
-            <p:nvSpPr>
-              <p:cNvPr id="11" name="Pfeil: nach unten 10">
-                <a:extLst>
-                  <a:ext uri="{FF2B5EF4-FFF2-40B4-BE49-F238E27FC236}">
-                    <a16:creationId xmlns:a16="http://schemas.microsoft.com/office/drawing/2014/main" xmlns="" id="{FB9C4EEE-21EE-423A-95DC-533B2095172A}"/>
-                  </a:ext>
-                </a:extLst>
-              </p:cNvPr>
-              <p:cNvSpPr/>
-              <p:nvPr/>
-            </p:nvSpPr>
-            <p:spPr>
-              <a:xfrm rot="10800000">
-                <a:off x="6678234" y="4578109"/>
-                <a:ext cx="180020" cy="432048"/>
-              </a:xfrm>
-              <a:prstGeom prst="downArrow">
-                <a:avLst/>
-              </a:prstGeom>
-              <a:solidFill>
-                <a:srgbClr val="5A6EB4"/>
-              </a:solidFill>
-              <a:ln>
-                <a:solidFill>
-                  <a:srgbClr val="5A6EB4"/>
-                </a:solidFill>
-              </a:ln>
-            </p:spPr>
-            <p:style>
-              <a:lnRef idx="2">
-                <a:schemeClr val="accent1">
-                  <a:shade val="50000"/>
-                </a:schemeClr>
-              </a:lnRef>
-              <a:fillRef idx="1">
-                <a:schemeClr val="accent1"/>
-              </a:fillRef>
-              <a:effectRef idx="0">
-                <a:schemeClr val="accent1"/>
-              </a:effectRef>
-              <a:fontRef idx="minor">
-                <a:schemeClr val="lt1"/>
-              </a:fontRef>
-            </p:style>
-            <p:txBody>
-              <a:bodyPr rtlCol="0" anchor="ctr"/>
-              <a:lstStyle/>
-              <a:p>
-                <a:pPr algn="ctr"/>
-                <a:endParaRPr lang="de-DE"/>
-              </a:p>
-            </p:txBody>
-          </p:sp>
-          <p:sp>
-            <p:nvSpPr>
-              <p:cNvPr id="12" name="Pfeil: nach rechts 11">
-                <a:extLst>
-                  <a:ext uri="{FF2B5EF4-FFF2-40B4-BE49-F238E27FC236}">
-                    <a16:creationId xmlns:a16="http://schemas.microsoft.com/office/drawing/2014/main" xmlns="" id="{61CD0AF1-C172-4C37-AE26-54B868C27A6B}"/>
-                  </a:ext>
-                </a:extLst>
-              </p:cNvPr>
-              <p:cNvSpPr/>
-              <p:nvPr/>
-            </p:nvSpPr>
-            <p:spPr>
-              <a:xfrm>
-                <a:off x="7125778" y="4024962"/>
-                <a:ext cx="149028" cy="369332"/>
-              </a:xfrm>
-              <a:prstGeom prst="rightArrow">
-                <a:avLst/>
-              </a:prstGeom>
-              <a:solidFill>
-                <a:srgbClr val="FF0000"/>
-              </a:solidFill>
-              <a:ln>
-                <a:solidFill>
-                  <a:srgbClr val="FF0000"/>
-                </a:solidFill>
-              </a:ln>
-            </p:spPr>
-            <p:style>
-              <a:lnRef idx="2">
-                <a:schemeClr val="accent1">
-                  <a:shade val="50000"/>
-                </a:schemeClr>
-              </a:lnRef>
-              <a:fillRef idx="1">
-                <a:schemeClr val="accent1"/>
-              </a:fillRef>
-              <a:effectRef idx="0">
-                <a:schemeClr val="accent1"/>
-              </a:effectRef>
-              <a:fontRef idx="minor">
-                <a:schemeClr val="lt1"/>
-              </a:fontRef>
-            </p:style>
-            <p:txBody>
-              <a:bodyPr rtlCol="0" anchor="ctr"/>
-              <a:lstStyle/>
-              <a:p>
-                <a:pPr algn="ctr"/>
-                <a:endParaRPr lang="de-DE"/>
-              </a:p>
-            </p:txBody>
-          </p:sp>
-          <p:sp>
-            <p:nvSpPr>
-              <p:cNvPr id="13" name="Pfeil: nach unten 12">
-                <a:extLst>
-                  <a:ext uri="{FF2B5EF4-FFF2-40B4-BE49-F238E27FC236}">
-                    <a16:creationId xmlns:a16="http://schemas.microsoft.com/office/drawing/2014/main" xmlns="" id="{E35ACA47-1DBD-49B0-910C-7873091E7577}"/>
-                  </a:ext>
-                </a:extLst>
-              </p:cNvPr>
-              <p:cNvSpPr/>
-              <p:nvPr/>
-            </p:nvSpPr>
-            <p:spPr>
-              <a:xfrm rot="10800000">
-                <a:off x="6255187" y="2761026"/>
-                <a:ext cx="378041" cy="764526"/>
-              </a:xfrm>
-              <a:prstGeom prst="downArrow">
-                <a:avLst/>
-              </a:prstGeom>
-              <a:solidFill>
-                <a:srgbClr val="FF6915"/>
-              </a:solidFill>
-              <a:ln>
-                <a:solidFill>
-                  <a:srgbClr val="FF6915"/>
-                </a:solidFill>
-              </a:ln>
-            </p:spPr>
-            <p:style>
-              <a:lnRef idx="2">
-                <a:schemeClr val="accent1">
-                  <a:shade val="50000"/>
-                </a:schemeClr>
-              </a:lnRef>
-              <a:fillRef idx="1">
-                <a:schemeClr val="accent1"/>
-              </a:fillRef>
-              <a:effectRef idx="0">
-                <a:schemeClr val="accent1"/>
-              </a:effectRef>
-              <a:fontRef idx="minor">
-                <a:schemeClr val="lt1"/>
-              </a:fontRef>
-            </p:style>
-            <p:txBody>
-              <a:bodyPr rtlCol="0" anchor="ctr"/>
-              <a:lstStyle/>
-              <a:p>
-                <a:pPr algn="ctr"/>
-                <a:endParaRPr lang="de-DE"/>
-              </a:p>
-            </p:txBody>
-          </p:sp>
-          <p:sp>
-            <p:nvSpPr>
-              <p:cNvPr id="14" name="Rechteck 13">
-                <a:extLst>
-                  <a:ext uri="{FF2B5EF4-FFF2-40B4-BE49-F238E27FC236}">
-                    <a16:creationId xmlns:a16="http://schemas.microsoft.com/office/drawing/2014/main" xmlns="" id="{77A348C7-F95C-40B0-8C09-9AE86579318B}"/>
-                  </a:ext>
-                </a:extLst>
-              </p:cNvPr>
-              <p:cNvSpPr/>
-              <p:nvPr/>
-            </p:nvSpPr>
-            <p:spPr>
-              <a:xfrm>
-                <a:off x="6345196" y="3518798"/>
-                <a:ext cx="1035116" cy="226325"/>
-              </a:xfrm>
-              <a:prstGeom prst="rect">
-                <a:avLst/>
-              </a:prstGeom>
-              <a:solidFill>
-                <a:srgbClr val="FF6915"/>
-              </a:solidFill>
-              <a:ln>
-                <a:solidFill>
-                  <a:srgbClr val="FF6915"/>
-                </a:solidFill>
-              </a:ln>
-            </p:spPr>
-            <p:style>
-              <a:lnRef idx="2">
-                <a:schemeClr val="accent1">
-                  <a:shade val="50000"/>
-                </a:schemeClr>
-              </a:lnRef>
-              <a:fillRef idx="1">
-                <a:schemeClr val="accent1"/>
-              </a:fillRef>
-              <a:effectRef idx="0">
-                <a:schemeClr val="accent1"/>
-              </a:effectRef>
-              <a:fontRef idx="minor">
-                <a:schemeClr val="lt1"/>
-              </a:fontRef>
-            </p:style>
-            <p:txBody>
-              <a:bodyPr rtlCol="0" anchor="ctr"/>
-              <a:lstStyle/>
-              <a:p>
-                <a:pPr algn="ctr"/>
-                <a:endParaRPr lang="de-DE"/>
-              </a:p>
-            </p:txBody>
-          </p:sp>
-          <p:sp>
-            <p:nvSpPr>
-              <p:cNvPr id="15" name="Pfeil: nach unten 14">
-                <a:extLst>
-                  <a:ext uri="{FF2B5EF4-FFF2-40B4-BE49-F238E27FC236}">
-                    <a16:creationId xmlns:a16="http://schemas.microsoft.com/office/drawing/2014/main" xmlns="" id="{5F7E3435-B784-4681-856D-AE7AE8351D7C}"/>
-                  </a:ext>
-                </a:extLst>
-              </p:cNvPr>
-              <p:cNvSpPr/>
-              <p:nvPr/>
-            </p:nvSpPr>
-            <p:spPr>
-              <a:xfrm rot="10800000">
-                <a:off x="7812914" y="2157400"/>
-                <a:ext cx="143462" cy="997596"/>
-              </a:xfrm>
-              <a:prstGeom prst="downArrow">
-                <a:avLst/>
-              </a:prstGeom>
-              <a:solidFill>
-                <a:srgbClr val="FF0000"/>
-              </a:solidFill>
-              <a:ln>
-                <a:solidFill>
-                  <a:srgbClr val="FF0000"/>
-                </a:solidFill>
-              </a:ln>
-            </p:spPr>
-            <p:style>
-              <a:lnRef idx="2">
-                <a:schemeClr val="accent1">
-                  <a:shade val="50000"/>
-                </a:schemeClr>
-              </a:lnRef>
-              <a:fillRef idx="1">
-                <a:schemeClr val="accent1"/>
-              </a:fillRef>
-              <a:effectRef idx="0">
-                <a:schemeClr val="accent1"/>
-              </a:effectRef>
-              <a:fontRef idx="minor">
-                <a:schemeClr val="lt1"/>
-              </a:fontRef>
-            </p:style>
-            <p:txBody>
-              <a:bodyPr rtlCol="0" anchor="ctr"/>
-              <a:lstStyle/>
-              <a:p>
-                <a:pPr algn="ctr"/>
-                <a:endParaRPr lang="de-DE"/>
-              </a:p>
-            </p:txBody>
-          </p:sp>
-          <p:sp>
-            <p:nvSpPr>
-              <p:cNvPr id="16" name="Rechteck 15">
-                <a:extLst>
-                  <a:ext uri="{FF2B5EF4-FFF2-40B4-BE49-F238E27FC236}">
-                    <a16:creationId xmlns:a16="http://schemas.microsoft.com/office/drawing/2014/main" xmlns="" id="{C1FC224D-3059-4EFF-98B8-2EFB5A2F6521}"/>
-                  </a:ext>
-                </a:extLst>
-              </p:cNvPr>
-              <p:cNvSpPr/>
-              <p:nvPr/>
-            </p:nvSpPr>
-            <p:spPr>
-              <a:xfrm>
-                <a:off x="7380312" y="3165512"/>
-                <a:ext cx="720080" cy="1296144"/>
-              </a:xfrm>
-              <a:prstGeom prst="rect">
-                <a:avLst/>
-              </a:prstGeom>
-              <a:gradFill>
-                <a:gsLst>
-                  <a:gs pos="0">
-                    <a:srgbClr val="FF0000"/>
-                  </a:gs>
-                  <a:gs pos="74000">
-                    <a:srgbClr val="FF6915"/>
-                  </a:gs>
-                  <a:gs pos="83000">
-                    <a:srgbClr val="FC9804"/>
-                  </a:gs>
-                  <a:gs pos="100000">
-                    <a:srgbClr val="FFC000"/>
-                  </a:gs>
-                </a:gsLst>
-                <a:lin ang="5400000" scaled="1"/>
-              </a:gradFill>
-            </p:spPr>
-            <p:style>
-              <a:lnRef idx="2">
-                <a:schemeClr val="accent1">
-                  <a:shade val="50000"/>
-                </a:schemeClr>
-              </a:lnRef>
-              <a:fillRef idx="1">
-                <a:schemeClr val="accent1"/>
-              </a:fillRef>
-              <a:effectRef idx="0">
-                <a:schemeClr val="accent1"/>
-              </a:effectRef>
-              <a:fontRef idx="minor">
-                <a:schemeClr val="lt1"/>
-              </a:fontRef>
-            </p:style>
-            <p:txBody>
-              <a:bodyPr rtlCol="0" anchor="ctr"/>
-              <a:lstStyle/>
-              <a:p>
-                <a:pPr algn="ctr"/>
-                <a:r>
-                  <a:rPr lang="de-DE" dirty="0"/>
-                  <a:t>Tank</a:t>
-                </a:r>
-              </a:p>
-            </p:txBody>
-          </p:sp>
-          <p:sp>
-            <p:nvSpPr>
-              <p:cNvPr id="18" name="Rechteck 17">
-                <a:extLst>
-                  <a:ext uri="{FF2B5EF4-FFF2-40B4-BE49-F238E27FC236}">
-                    <a16:creationId xmlns:a16="http://schemas.microsoft.com/office/drawing/2014/main" xmlns="" id="{AEDDB996-3B52-4C0D-9650-D76A024EE635}"/>
-                  </a:ext>
-                </a:extLst>
-              </p:cNvPr>
-              <p:cNvSpPr/>
-              <p:nvPr/>
-            </p:nvSpPr>
-            <p:spPr>
-              <a:xfrm>
-                <a:off x="7213899" y="1179536"/>
-                <a:ext cx="1329642" cy="90953"/>
-              </a:xfrm>
-              <a:prstGeom prst="rect">
-                <a:avLst/>
-              </a:prstGeom>
-              <a:solidFill>
-                <a:srgbClr val="FF0000"/>
-              </a:solidFill>
-              <a:ln>
-                <a:solidFill>
-                  <a:srgbClr val="FF0000"/>
-                </a:solidFill>
-              </a:ln>
-            </p:spPr>
-            <p:style>
-              <a:lnRef idx="2">
-                <a:schemeClr val="accent1">
-                  <a:shade val="50000"/>
-                </a:schemeClr>
-              </a:lnRef>
-              <a:fillRef idx="1">
-                <a:schemeClr val="accent1"/>
-              </a:fillRef>
-              <a:effectRef idx="0">
-                <a:schemeClr val="accent1"/>
-              </a:effectRef>
-              <a:fontRef idx="minor">
-                <a:schemeClr val="lt1"/>
-              </a:fontRef>
-            </p:style>
-            <p:txBody>
-              <a:bodyPr rtlCol="0" anchor="ctr"/>
-              <a:lstStyle/>
-              <a:p>
-                <a:pPr algn="ctr"/>
-                <a:endParaRPr lang="de-DE"/>
-              </a:p>
-            </p:txBody>
-          </p:sp>
-          <p:sp>
-            <p:nvSpPr>
-              <p:cNvPr id="19" name="Rechteck 18">
-                <a:extLst>
-                  <a:ext uri="{FF2B5EF4-FFF2-40B4-BE49-F238E27FC236}">
-                    <a16:creationId xmlns:a16="http://schemas.microsoft.com/office/drawing/2014/main" xmlns="" id="{9641FB1E-696D-4751-B5D6-0069276E55BA}"/>
-                  </a:ext>
-                </a:extLst>
-              </p:cNvPr>
-              <p:cNvSpPr/>
-              <p:nvPr/>
-            </p:nvSpPr>
-            <p:spPr>
-              <a:xfrm>
-                <a:off x="8460431" y="1268760"/>
-                <a:ext cx="76891" cy="2250038"/>
-              </a:xfrm>
-              <a:prstGeom prst="rect">
-                <a:avLst/>
-              </a:prstGeom>
-              <a:solidFill>
-                <a:srgbClr val="FF0000"/>
-              </a:solidFill>
-              <a:ln>
-                <a:solidFill>
-                  <a:srgbClr val="FF0000"/>
-                </a:solidFill>
-              </a:ln>
-            </p:spPr>
-            <p:style>
-              <a:lnRef idx="2">
-                <a:schemeClr val="accent1">
-                  <a:shade val="50000"/>
-                </a:schemeClr>
-              </a:lnRef>
-              <a:fillRef idx="1">
-                <a:schemeClr val="accent1"/>
-              </a:fillRef>
-              <a:effectRef idx="0">
-                <a:schemeClr val="accent1"/>
-              </a:effectRef>
-              <a:fontRef idx="minor">
-                <a:schemeClr val="lt1"/>
-              </a:fontRef>
-            </p:style>
-            <p:txBody>
-              <a:bodyPr rtlCol="0" anchor="ctr"/>
-              <a:lstStyle/>
-              <a:p>
-                <a:pPr algn="ctr"/>
-                <a:endParaRPr lang="de-DE"/>
-              </a:p>
-            </p:txBody>
-          </p:sp>
-          <p:sp>
-            <p:nvSpPr>
-              <p:cNvPr id="17" name="Rechteck 16">
-                <a:extLst>
-                  <a:ext uri="{FF2B5EF4-FFF2-40B4-BE49-F238E27FC236}">
-                    <a16:creationId xmlns:a16="http://schemas.microsoft.com/office/drawing/2014/main" xmlns="" id="{D8DF8FB3-2091-4BB9-8A9B-15B2F6C27F26}"/>
-                  </a:ext>
-                </a:extLst>
-              </p:cNvPr>
-              <p:cNvSpPr/>
-              <p:nvPr/>
-            </p:nvSpPr>
-            <p:spPr>
-              <a:xfrm>
-                <a:off x="5289574" y="1124744"/>
-                <a:ext cx="1910718" cy="288032"/>
-              </a:xfrm>
-              <a:prstGeom prst="rect">
-                <a:avLst/>
-              </a:prstGeom>
-              <a:solidFill>
-                <a:srgbClr val="FF0000"/>
-              </a:solidFill>
-            </p:spPr>
-            <p:style>
-              <a:lnRef idx="2">
-                <a:schemeClr val="accent1">
-                  <a:shade val="50000"/>
-                </a:schemeClr>
-              </a:lnRef>
-              <a:fillRef idx="1">
-                <a:schemeClr val="accent1"/>
-              </a:fillRef>
-              <a:effectRef idx="0">
-                <a:schemeClr val="accent1"/>
-              </a:effectRef>
-              <a:fontRef idx="minor">
-                <a:schemeClr val="lt1"/>
-              </a:fontRef>
-            </p:style>
-            <p:txBody>
-              <a:bodyPr rtlCol="0" anchor="ctr"/>
-              <a:lstStyle/>
-              <a:p>
-                <a:pPr algn="ctr"/>
-                <a:r>
-                  <a:rPr lang="de-DE" dirty="0"/>
-                  <a:t>Solar Heat</a:t>
-                </a:r>
-              </a:p>
-            </p:txBody>
-          </p:sp>
-          <p:sp>
-            <p:nvSpPr>
-              <p:cNvPr id="20" name="Pfeil: nach rechts 19">
-                <a:extLst>
-                  <a:ext uri="{FF2B5EF4-FFF2-40B4-BE49-F238E27FC236}">
-                    <a16:creationId xmlns:a16="http://schemas.microsoft.com/office/drawing/2014/main" xmlns="" id="{26F90F47-7A84-4434-AE09-CA0EE10A22E5}"/>
-                  </a:ext>
-                </a:extLst>
-              </p:cNvPr>
-              <p:cNvSpPr/>
-              <p:nvPr/>
-            </p:nvSpPr>
-            <p:spPr>
-              <a:xfrm rot="10800000">
-                <a:off x="8149216" y="3332250"/>
-                <a:ext cx="388106" cy="251813"/>
-              </a:xfrm>
-              <a:prstGeom prst="rightArrow">
-                <a:avLst/>
-              </a:prstGeom>
-              <a:solidFill>
-                <a:srgbClr val="FF0000"/>
-              </a:solidFill>
-              <a:ln>
-                <a:solidFill>
-                  <a:srgbClr val="FF0000"/>
-                </a:solidFill>
-              </a:ln>
-            </p:spPr>
-            <p:style>
-              <a:lnRef idx="2">
-                <a:schemeClr val="accent1">
-                  <a:shade val="50000"/>
-                </a:schemeClr>
-              </a:lnRef>
-              <a:fillRef idx="1">
-                <a:schemeClr val="accent1"/>
-              </a:fillRef>
-              <a:effectRef idx="0">
-                <a:schemeClr val="accent1"/>
-              </a:effectRef>
-              <a:fontRef idx="minor">
-                <a:schemeClr val="lt1"/>
-              </a:fontRef>
-            </p:style>
-            <p:txBody>
-              <a:bodyPr rtlCol="0" anchor="ctr"/>
-              <a:lstStyle/>
-              <a:p>
-                <a:pPr algn="ctr"/>
-                <a:endParaRPr lang="de-DE"/>
-              </a:p>
-            </p:txBody>
-          </p:sp>
-        </p:grpSp>
-        <p:cxnSp>
-          <p:nvCxnSpPr>
-            <p:cNvPr id="23" name="Gerader Verbinder 22">
-              <a:extLst>
-                <a:ext uri="{FF2B5EF4-FFF2-40B4-BE49-F238E27FC236}">
-                  <a16:creationId xmlns:a16="http://schemas.microsoft.com/office/drawing/2014/main" xmlns="" id="{9F76625D-34CF-4198-807F-33DEA9B1A700}"/>
-                </a:ext>
-              </a:extLst>
-            </p:cNvPr>
-            <p:cNvCxnSpPr/>
-            <p:nvPr/>
-          </p:nvCxnSpPr>
-          <p:spPr>
-            <a:xfrm>
-              <a:off x="7380312" y="3584063"/>
-              <a:ext cx="720080" cy="0"/>
-            </a:xfrm>
-            <a:prstGeom prst="line">
-              <a:avLst/>
-            </a:prstGeom>
-            <a:ln w="22225" cap="flat" cmpd="sng" algn="ctr">
-              <a:solidFill>
-                <a:schemeClr val="accent1">
-                  <a:lumMod val="75000"/>
-                </a:schemeClr>
-              </a:solidFill>
-              <a:prstDash val="dash"/>
-              <a:round/>
-              <a:headEnd type="none" w="med" len="med"/>
-              <a:tailEnd type="none" w="med" len="med"/>
-            </a:ln>
-          </p:spPr>
-          <p:style>
-            <a:lnRef idx="0">
-              <a:scrgbClr r="0" g="0" b="0"/>
-            </a:lnRef>
-            <a:fillRef idx="0">
-              <a:scrgbClr r="0" g="0" b="0"/>
-            </a:fillRef>
-            <a:effectRef idx="0">
-              <a:scrgbClr r="0" g="0" b="0"/>
-            </a:effectRef>
-            <a:fontRef idx="minor">
-              <a:schemeClr val="tx1"/>
-            </a:fontRef>
-          </p:style>
-        </p:cxnSp>
-      </p:grpSp>
+            <a:r>
+              <a:rPr lang="en-US" altLang="zh-CN" dirty="0" smtClean="0"/>
+              <a:t>App </a:t>
+            </a:r>
+            <a:r>
+              <a:rPr lang="en-US" altLang="zh-CN" dirty="0"/>
+              <a:t>Center is a new product of Microsoft, until now not all claimed features are </a:t>
+            </a:r>
+            <a:r>
+              <a:rPr lang="en-US" altLang="zh-CN" dirty="0" smtClean="0"/>
+              <a:t>available, some features are still on the way. And this have made a lot of difficulties in developing the solution.</a:t>
+            </a:r>
+          </a:p>
+          <a:p>
+            <a:pPr>
+              <a:lnSpc>
+                <a:spcPct val="150000"/>
+              </a:lnSpc>
+              <a:spcBef>
+                <a:spcPts val="0"/>
+              </a:spcBef>
+            </a:pPr>
+            <a:r>
+              <a:rPr lang="de-DE" altLang="zh-CN" dirty="0" smtClean="0"/>
+              <a:t>Alternative </a:t>
+            </a:r>
+            <a:r>
+              <a:rPr lang="en-US" altLang="zh-CN" dirty="0" smtClean="0"/>
+              <a:t>solution</a:t>
+            </a:r>
+          </a:p>
+          <a:p>
+            <a:pPr lvl="1">
+              <a:lnSpc>
+                <a:spcPct val="150000"/>
+              </a:lnSpc>
+            </a:pPr>
+            <a:r>
+              <a:rPr lang="en-US" altLang="zh-CN" dirty="0" smtClean="0"/>
+              <a:t>In most cases, Jenkins can be selected as substitution for each building or testing, or all functions, however, for testing a lot of physical devices with different OS version or different excessive emulators are needed.</a:t>
+            </a:r>
+          </a:p>
+        </p:txBody>
+      </p:sp>
     </p:spTree>
     <p:extLst>
       <p:ext uri="{BB962C8B-B14F-4D97-AF65-F5344CB8AC3E}">
-        <p14:creationId xmlns:p14="http://schemas.microsoft.com/office/powerpoint/2010/main" val="4084327014"/>
+        <p14:creationId xmlns:p14="http://schemas.microsoft.com/office/powerpoint/2010/main" val="2200505981"/>
       </p:ext>
     </p:extLst>
   </p:cSld>
   <p:clrMapOvr>
     <a:masterClrMapping/>
   </p:clrMapOvr>
+  <p:timing>
+    <p:tnLst>
+      <p:par>
+        <p:cTn id="1" dur="indefinite" restart="never" nodeType="tmRoot"/>
+      </p:par>
+    </p:tnLst>
+  </p:timing>
 </p:sld>
 </file>
 
@@ -6592,52 +5368,65 @@
       </p:grpSpPr>
       <p:sp>
         <p:nvSpPr>
-          <p:cNvPr id="2" name="Titel 1">
-            <a:extLst>
-              <a:ext uri="{FF2B5EF4-FFF2-40B4-BE49-F238E27FC236}">
-                <a16:creationId xmlns:a16="http://schemas.microsoft.com/office/drawing/2014/main" xmlns="" id="{4EAE9DF3-5AAA-4379-A28F-8478FD26E5EF}"/>
-              </a:ext>
-            </a:extLst>
-          </p:cNvPr>
-          <p:cNvSpPr>
-            <a:spLocks noGrp="1"/>
-          </p:cNvSpPr>
-          <p:nvPr>
-            <p:ph type="title"/>
-          </p:nvPr>
-        </p:nvSpPr>
-        <p:spPr/>
+          <p:cNvPr id="4" name="Rectangle 5"/>
+          <p:cNvSpPr>
+            <a:spLocks noGrp="1" noChangeArrowheads="1"/>
+          </p:cNvSpPr>
+          <p:nvPr>
+            <p:ph type="ftr" sz="quarter" idx="10"/>
+          </p:nvPr>
+        </p:nvSpPr>
+        <p:spPr>
+          <a:ln/>
+        </p:spPr>
         <p:txBody>
           <a:bodyPr/>
           <a:lstStyle/>
           <a:p>
             <a:r>
-              <a:rPr lang="en-US" dirty="0"/>
-              <a:t>Geothermal Heat – Solution Evaluation</a:t>
-            </a:r>
-          </a:p>
-        </p:txBody>
-      </p:sp>
-      <p:sp>
-        <p:nvSpPr>
-          <p:cNvPr id="3" name="Inhaltsplatzhalter 2">
-            <a:extLst>
-              <a:ext uri="{FF2B5EF4-FFF2-40B4-BE49-F238E27FC236}">
-                <a16:creationId xmlns:a16="http://schemas.microsoft.com/office/drawing/2014/main" xmlns="" id="{A2961587-6C3A-453D-ADDF-D524B9FF4A43}"/>
-              </a:ext>
-            </a:extLst>
-          </p:cNvPr>
-          <p:cNvSpPr>
-            <a:spLocks noGrp="1"/>
-          </p:cNvSpPr>
-          <p:nvPr>
-            <p:ph idx="1"/>
+              <a:rPr lang="de-DE" altLang="de-DE" dirty="0"/>
+              <a:t>Peiren Yang</a:t>
+            </a:r>
+          </a:p>
+        </p:txBody>
+      </p:sp>
+      <p:sp>
+        <p:nvSpPr>
+          <p:cNvPr id="6149" name="Rectangle 2"/>
+          <p:cNvSpPr>
+            <a:spLocks noGrp="1" noChangeArrowheads="1"/>
+          </p:cNvSpPr>
+          <p:nvPr>
+            <p:ph type="title"/>
+          </p:nvPr>
+        </p:nvSpPr>
+        <p:spPr/>
+        <p:txBody>
+          <a:bodyPr/>
+          <a:lstStyle/>
+          <a:p>
+            <a:r>
+              <a:rPr lang="en-US" altLang="de-DE" dirty="0" smtClean="0"/>
+              <a:t>Conclusion</a:t>
+            </a:r>
+            <a:endParaRPr lang="en-US" altLang="de-DE" dirty="0" smtClean="0"/>
+          </a:p>
+        </p:txBody>
+      </p:sp>
+      <p:sp>
+        <p:nvSpPr>
+          <p:cNvPr id="6150" name="Rectangle 3"/>
+          <p:cNvSpPr>
+            <a:spLocks noGrp="1" noChangeArrowheads="1"/>
+          </p:cNvSpPr>
+          <p:nvPr>
+            <p:ph type="body" idx="1"/>
           </p:nvPr>
         </p:nvSpPr>
         <p:spPr>
           <a:xfrm>
-            <a:off x="392113" y="1198563"/>
-            <a:ext cx="6628159" cy="4894262"/>
+            <a:off x="392113" y="1196752"/>
+            <a:ext cx="8356600" cy="4894262"/>
           </a:xfrm>
         </p:spPr>
         <p:txBody>
@@ -6645,111 +5434,110 @@
           <a:lstStyle/>
           <a:p>
             <a:r>
-              <a:rPr lang="en-US" dirty="0"/>
-              <a:t>Efficiency: up to SPF of 6</a:t>
-            </a:r>
-          </a:p>
-          <a:p>
-            <a:pPr marL="0" indent="0">
-              <a:buNone/>
+              <a:rPr lang="en-US" altLang="de-DE" dirty="0" smtClean="0"/>
+              <a:t>Tools and Techniques used in the solution</a:t>
+            </a:r>
+            <a:endParaRPr lang="en-US" altLang="de-DE" dirty="0"/>
+          </a:p>
+          <a:p>
+            <a:pPr lvl="1">
+              <a:lnSpc>
+                <a:spcPct val="150000"/>
+              </a:lnSpc>
             </a:pPr>
-            <a:endParaRPr lang="en-US" dirty="0"/>
-          </a:p>
-          <a:p>
-            <a:r>
-              <a:rPr lang="en-US" dirty="0"/>
-              <a:t>Installation Costs: about 20,000€</a:t>
-            </a:r>
-          </a:p>
-          <a:p>
-            <a:pPr marL="0" indent="0">
-              <a:buNone/>
+            <a:r>
+              <a:rPr lang="en-US" altLang="zh-CN" dirty="0" smtClean="0"/>
+              <a:t>Git and GitHub, Git Shell</a:t>
+            </a:r>
+          </a:p>
+          <a:p>
+            <a:pPr lvl="1">
+              <a:lnSpc>
+                <a:spcPct val="150000"/>
+              </a:lnSpc>
             </a:pPr>
-            <a:endParaRPr lang="en-US" dirty="0"/>
-          </a:p>
-          <a:p>
-            <a:r>
-              <a:rPr lang="en-US" dirty="0"/>
-              <a:t>Operational Costs: about 950€ per year</a:t>
-            </a:r>
-          </a:p>
-          <a:p>
-            <a:pPr marL="0" indent="0">
-              <a:buNone/>
+            <a:r>
+              <a:rPr lang="en-US" altLang="zh-CN" dirty="0" smtClean="0"/>
+              <a:t>C#, Xamarin, Visual Studio, </a:t>
+            </a:r>
+            <a:r>
+              <a:rPr lang="en-US" altLang="zh-CN" dirty="0" err="1" smtClean="0"/>
+              <a:t>Xamarin.UITest</a:t>
+            </a:r>
+            <a:r>
+              <a:rPr lang="en-US" altLang="zh-CN" dirty="0" smtClean="0"/>
+              <a:t> framework</a:t>
+            </a:r>
+          </a:p>
+          <a:p>
+            <a:pPr lvl="1">
+              <a:lnSpc>
+                <a:spcPct val="150000"/>
+              </a:lnSpc>
             </a:pPr>
-            <a:endParaRPr lang="en-US" dirty="0"/>
-          </a:p>
-          <a:p>
-            <a:r>
-              <a:rPr lang="en-US" dirty="0"/>
-              <a:t>CO</a:t>
-            </a:r>
-            <a:r>
-              <a:rPr lang="en-US" baseline="-25000" dirty="0"/>
-              <a:t>2</a:t>
-            </a:r>
-            <a:r>
-              <a:rPr lang="en-US" dirty="0"/>
-              <a:t> Emissions: none (eco tariff)</a:t>
-            </a:r>
-          </a:p>
-          <a:p>
-            <a:pPr marL="0" indent="0">
-              <a:buNone/>
+            <a:r>
+              <a:rPr lang="en-US" altLang="zh-CN" dirty="0" smtClean="0"/>
+              <a:t>Visual Studio App Center, App </a:t>
+            </a:r>
+            <a:r>
+              <a:rPr lang="en-US" altLang="zh-CN" dirty="0"/>
+              <a:t>Center Command Line </a:t>
+            </a:r>
+            <a:r>
+              <a:rPr lang="en-US" altLang="zh-CN" dirty="0" smtClean="0"/>
+              <a:t>Interface with Node.js, Linux Shell for build scripts</a:t>
+            </a:r>
+          </a:p>
+          <a:p>
+            <a:pPr lvl="1">
+              <a:lnSpc>
+                <a:spcPct val="150000"/>
+              </a:lnSpc>
             </a:pPr>
-            <a:endParaRPr lang="en-US" dirty="0"/>
-          </a:p>
-          <a:p>
-            <a:r>
-              <a:rPr lang="en-US" dirty="0"/>
-              <a:t>Prerequisites: suitable geological realities</a:t>
-            </a:r>
-          </a:p>
-        </p:txBody>
-      </p:sp>
-      <p:sp>
-        <p:nvSpPr>
-          <p:cNvPr id="4" name="Fußzeilenplatzhalter 3">
-            <a:extLst>
-              <a:ext uri="{FF2B5EF4-FFF2-40B4-BE49-F238E27FC236}">
-                <a16:creationId xmlns:a16="http://schemas.microsoft.com/office/drawing/2014/main" xmlns="" id="{0D58C3AE-3146-4271-B1B0-851ACAB56476}"/>
-              </a:ext>
-            </a:extLst>
-          </p:cNvPr>
-          <p:cNvSpPr>
-            <a:spLocks noGrp="1"/>
-          </p:cNvSpPr>
-          <p:nvPr>
-            <p:ph type="ftr" sz="quarter" idx="10"/>
-          </p:nvPr>
-        </p:nvSpPr>
-        <p:spPr/>
-        <p:txBody>
-          <a:bodyPr/>
-          <a:lstStyle/>
-          <a:p>
-            <a:r>
-              <a:rPr lang="de-DE" altLang="de-DE" dirty="0"/>
-              <a:t>Jan </a:t>
-            </a:r>
-            <a:r>
-              <a:rPr lang="de-DE" altLang="de-DE" dirty="0" err="1"/>
-              <a:t>Dycke</a:t>
-            </a:r>
-            <a:endParaRPr lang="de-DE" altLang="de-DE" dirty="0"/>
+            <a:r>
+              <a:rPr lang="en-US" altLang="zh-CN" dirty="0" smtClean="0"/>
+              <a:t>Java JDK to generate </a:t>
+            </a:r>
+            <a:r>
+              <a:rPr lang="en-US" altLang="zh-CN" dirty="0" err="1" smtClean="0"/>
+              <a:t>keystore</a:t>
+            </a:r>
+            <a:r>
+              <a:rPr lang="en-US" altLang="zh-CN" dirty="0" smtClean="0"/>
+              <a:t> file for Android app</a:t>
+            </a:r>
+          </a:p>
+          <a:p>
+            <a:pPr lvl="1">
+              <a:lnSpc>
+                <a:spcPct val="150000"/>
+              </a:lnSpc>
+            </a:pPr>
+            <a:r>
+              <a:rPr lang="en-US" altLang="zh-CN" dirty="0" smtClean="0"/>
+              <a:t>Markdown as document language</a:t>
+            </a:r>
+            <a:endParaRPr lang="en-US" altLang="zh-CN" dirty="0"/>
           </a:p>
         </p:txBody>
       </p:sp>
     </p:spTree>
     <p:extLst>
       <p:ext uri="{BB962C8B-B14F-4D97-AF65-F5344CB8AC3E}">
-        <p14:creationId xmlns:p14="http://schemas.microsoft.com/office/powerpoint/2010/main" val="1055475806"/>
+        <p14:creationId xmlns:p14="http://schemas.microsoft.com/office/powerpoint/2010/main" val="4240951066"/>
       </p:ext>
     </p:extLst>
   </p:cSld>
   <p:clrMapOvr>
     <a:masterClrMapping/>
   </p:clrMapOvr>
+  <p:timing>
+    <p:tnLst>
+      <p:par>
+        <p:cTn id="1" dur="indefinite" restart="never" nodeType="tmRoot"/>
+      </p:par>
+    </p:tnLst>
+  </p:timing>
 </p:sld>
 </file>
 
@@ -6772,18 +5560,12 @@
       </p:grpSpPr>
       <p:sp>
         <p:nvSpPr>
-          <p:cNvPr id="2" name="Titel 1">
-            <a:extLst>
-              <a:ext uri="{FF2B5EF4-FFF2-40B4-BE49-F238E27FC236}">
-                <a16:creationId xmlns:a16="http://schemas.microsoft.com/office/drawing/2014/main" xmlns="" id="{E7D7F4B6-E8A3-46A7-93E6-4DD8C625DC50}"/>
-              </a:ext>
-            </a:extLst>
-          </p:cNvPr>
+          <p:cNvPr id="2" name="页脚占位符 1"/>
           <p:cNvSpPr>
             <a:spLocks noGrp="1"/>
           </p:cNvSpPr>
           <p:nvPr>
-            <p:ph type="title"/>
+            <p:ph type="ftr" sz="quarter" idx="10"/>
           </p:nvPr>
         </p:nvSpPr>
         <p:spPr/>
@@ -6792,744 +5574,69 @@
           <a:lstStyle/>
           <a:p>
             <a:r>
-              <a:rPr lang="en-US" dirty="0"/>
-              <a:t>Evaluation and Recommendation</a:t>
-            </a:r>
-          </a:p>
-        </p:txBody>
-      </p:sp>
-      <p:graphicFrame>
-        <p:nvGraphicFramePr>
-          <p:cNvPr id="5" name="Inhaltsplatzhalter 4">
-            <a:extLst>
-              <a:ext uri="{FF2B5EF4-FFF2-40B4-BE49-F238E27FC236}">
-                <a16:creationId xmlns:a16="http://schemas.microsoft.com/office/drawing/2014/main" xmlns="" id="{81721D20-A942-4646-8737-66FA8FE0C4C8}"/>
-              </a:ext>
-            </a:extLst>
-          </p:cNvPr>
-          <p:cNvGraphicFramePr>
-            <a:graphicFrameLocks noGrp="1"/>
-          </p:cNvGraphicFramePr>
-          <p:nvPr>
-            <p:ph idx="1"/>
-            <p:extLst>
-              <p:ext uri="{D42A27DB-BD31-4B8C-83A1-F6EECF244321}">
-                <p14:modId xmlns:p14="http://schemas.microsoft.com/office/powerpoint/2010/main" val="788626146"/>
-              </p:ext>
-            </p:extLst>
-          </p:nvPr>
-        </p:nvGraphicFramePr>
-        <p:xfrm>
-          <a:off x="392113" y="1198563"/>
-          <a:ext cx="8356600" cy="2763520"/>
-        </p:xfrm>
-        <a:graphic>
-          <a:graphicData uri="http://schemas.openxmlformats.org/drawingml/2006/table">
-            <a:tbl>
-              <a:tblPr firstRow="1" bandRow="1">
-                <a:tableStyleId>{5C22544A-7EE6-4342-B048-85BDC9FD1C3A}</a:tableStyleId>
-              </a:tblPr>
-              <a:tblGrid>
-                <a:gridCol w="2089150">
-                  <a:extLst>
-                    <a:ext uri="{9D8B030D-6E8A-4147-A177-3AD203B41FA5}">
-                      <a16:colId xmlns:a16="http://schemas.microsoft.com/office/drawing/2014/main" xmlns="" val="3885241857"/>
-                    </a:ext>
-                  </a:extLst>
-                </a:gridCol>
-                <a:gridCol w="2089150">
-                  <a:extLst>
-                    <a:ext uri="{9D8B030D-6E8A-4147-A177-3AD203B41FA5}">
-                      <a16:colId xmlns:a16="http://schemas.microsoft.com/office/drawing/2014/main" xmlns="" val="1446549493"/>
-                    </a:ext>
-                  </a:extLst>
-                </a:gridCol>
-                <a:gridCol w="2089150">
-                  <a:extLst>
-                    <a:ext uri="{9D8B030D-6E8A-4147-A177-3AD203B41FA5}">
-                      <a16:colId xmlns:a16="http://schemas.microsoft.com/office/drawing/2014/main" xmlns="" val="334291184"/>
-                    </a:ext>
-                  </a:extLst>
-                </a:gridCol>
-                <a:gridCol w="2089150">
-                  <a:extLst>
-                    <a:ext uri="{9D8B030D-6E8A-4147-A177-3AD203B41FA5}">
-                      <a16:colId xmlns:a16="http://schemas.microsoft.com/office/drawing/2014/main" xmlns="" val="3483090425"/>
-                    </a:ext>
-                  </a:extLst>
-                </a:gridCol>
-              </a:tblGrid>
-              <a:tr h="370840">
-                <a:tc>
-                  <a:txBody>
-                    <a:bodyPr/>
-                    <a:lstStyle/>
-                    <a:p>
-                      <a:r>
-                        <a:rPr lang="en-US" noProof="0" dirty="0"/>
-                        <a:t>Criteria \ Solution</a:t>
-                      </a:r>
-                    </a:p>
-                  </a:txBody>
-                  <a:tcPr/>
-                </a:tc>
-                <a:tc>
-                  <a:txBody>
-                    <a:bodyPr/>
-                    <a:lstStyle/>
-                    <a:p>
-                      <a:r>
-                        <a:rPr lang="en-US" noProof="0" dirty="0"/>
-                        <a:t>Gas Heating</a:t>
-                      </a:r>
-                    </a:p>
-                  </a:txBody>
-                  <a:tcPr/>
-                </a:tc>
-                <a:tc>
-                  <a:txBody>
-                    <a:bodyPr/>
-                    <a:lstStyle/>
-                    <a:p>
-                      <a:r>
-                        <a:rPr lang="en-US" noProof="0" dirty="0"/>
-                        <a:t>Pellets Heating</a:t>
-                      </a:r>
-                    </a:p>
-                  </a:txBody>
-                  <a:tcPr/>
-                </a:tc>
-                <a:tc>
-                  <a:txBody>
-                    <a:bodyPr/>
-                    <a:lstStyle/>
-                    <a:p>
-                      <a:r>
-                        <a:rPr lang="en-US" noProof="0" dirty="0"/>
-                        <a:t>Geothermal Heating</a:t>
-                      </a:r>
-                    </a:p>
-                  </a:txBody>
-                  <a:tcPr/>
-                </a:tc>
-                <a:extLst>
-                  <a:ext uri="{0D108BD9-81ED-4DB2-BD59-A6C34878D82A}">
-                    <a16:rowId xmlns:a16="http://schemas.microsoft.com/office/drawing/2014/main" xmlns="" val="1446993444"/>
-                  </a:ext>
-                </a:extLst>
-              </a:tr>
-              <a:tr h="370840">
-                <a:tc>
-                  <a:txBody>
-                    <a:bodyPr/>
-                    <a:lstStyle/>
-                    <a:p>
-                      <a:r>
-                        <a:rPr lang="en-US" noProof="0" dirty="0"/>
-                        <a:t>Efficiency</a:t>
-                      </a:r>
-                    </a:p>
-                  </a:txBody>
-                  <a:tcPr/>
-                </a:tc>
-                <a:tc>
-                  <a:txBody>
-                    <a:bodyPr/>
-                    <a:lstStyle/>
-                    <a:p>
-                      <a:r>
-                        <a:rPr lang="en-US" noProof="0" dirty="0"/>
-                        <a:t>0</a:t>
-                      </a:r>
-                    </a:p>
-                  </a:txBody>
-                  <a:tcPr/>
-                </a:tc>
-                <a:tc>
-                  <a:txBody>
-                    <a:bodyPr/>
-                    <a:lstStyle/>
-                    <a:p>
-                      <a:r>
-                        <a:rPr lang="en-US" noProof="0" dirty="0"/>
-                        <a:t>0</a:t>
-                      </a:r>
-                    </a:p>
-                  </a:txBody>
-                  <a:tcPr/>
-                </a:tc>
-                <a:tc>
-                  <a:txBody>
-                    <a:bodyPr/>
-                    <a:lstStyle/>
-                    <a:p>
-                      <a:r>
-                        <a:rPr lang="en-US" noProof="0" dirty="0"/>
-                        <a:t>+++</a:t>
-                      </a:r>
-                    </a:p>
-                  </a:txBody>
-                  <a:tcPr/>
-                </a:tc>
-                <a:extLst>
-                  <a:ext uri="{0D108BD9-81ED-4DB2-BD59-A6C34878D82A}">
-                    <a16:rowId xmlns:a16="http://schemas.microsoft.com/office/drawing/2014/main" xmlns="" val="3877783771"/>
-                  </a:ext>
-                </a:extLst>
-              </a:tr>
-              <a:tr h="370840">
-                <a:tc>
-                  <a:txBody>
-                    <a:bodyPr/>
-                    <a:lstStyle/>
-                    <a:p>
-                      <a:r>
-                        <a:rPr lang="en-US" noProof="0" dirty="0"/>
-                        <a:t>Costs</a:t>
-                      </a:r>
-                    </a:p>
-                  </a:txBody>
-                  <a:tcPr/>
-                </a:tc>
-                <a:tc>
-                  <a:txBody>
-                    <a:bodyPr/>
-                    <a:lstStyle/>
-                    <a:p>
-                      <a:r>
-                        <a:rPr lang="en-US" noProof="0" dirty="0"/>
-                        <a:t>++</a:t>
-                      </a:r>
-                    </a:p>
-                  </a:txBody>
-                  <a:tcPr/>
-                </a:tc>
-                <a:tc>
-                  <a:txBody>
-                    <a:bodyPr/>
-                    <a:lstStyle/>
-                    <a:p>
-                      <a:r>
-                        <a:rPr lang="en-US" noProof="0" dirty="0"/>
-                        <a:t>+ -</a:t>
-                      </a:r>
-                    </a:p>
-                  </a:txBody>
-                  <a:tcPr/>
-                </a:tc>
-                <a:tc>
-                  <a:txBody>
-                    <a:bodyPr/>
-                    <a:lstStyle/>
-                    <a:p>
-                      <a:r>
-                        <a:rPr lang="en-US" noProof="0" dirty="0"/>
-                        <a:t>- 0</a:t>
-                      </a:r>
-                    </a:p>
-                  </a:txBody>
-                  <a:tcPr/>
-                </a:tc>
-                <a:extLst>
-                  <a:ext uri="{0D108BD9-81ED-4DB2-BD59-A6C34878D82A}">
-                    <a16:rowId xmlns:a16="http://schemas.microsoft.com/office/drawing/2014/main" xmlns="" val="39743946"/>
-                  </a:ext>
-                </a:extLst>
-              </a:tr>
-              <a:tr h="370840">
-                <a:tc>
-                  <a:txBody>
-                    <a:bodyPr/>
-                    <a:lstStyle/>
-                    <a:p>
-                      <a:r>
-                        <a:rPr lang="en-US" dirty="0"/>
-                        <a:t>CO</a:t>
-                      </a:r>
-                      <a:r>
-                        <a:rPr lang="en-US" baseline="-25000" dirty="0"/>
-                        <a:t>2</a:t>
-                      </a:r>
-                      <a:r>
-                        <a:rPr lang="en-US" dirty="0"/>
-                        <a:t> Emissions</a:t>
-                      </a:r>
-                      <a:endParaRPr lang="en-US" noProof="0" dirty="0"/>
-                    </a:p>
-                  </a:txBody>
-                  <a:tcPr/>
-                </a:tc>
-                <a:tc>
-                  <a:txBody>
-                    <a:bodyPr/>
-                    <a:lstStyle/>
-                    <a:p>
-                      <a:r>
-                        <a:rPr lang="en-US" noProof="0" dirty="0"/>
-                        <a:t>-</a:t>
-                      </a:r>
-                    </a:p>
-                  </a:txBody>
-                  <a:tcPr/>
-                </a:tc>
-                <a:tc>
-                  <a:txBody>
-                    <a:bodyPr/>
-                    <a:lstStyle/>
-                    <a:p>
-                      <a:r>
-                        <a:rPr lang="en-US" noProof="0" dirty="0"/>
-                        <a:t>0</a:t>
-                      </a:r>
-                    </a:p>
-                  </a:txBody>
-                  <a:tcPr/>
-                </a:tc>
-                <a:tc>
-                  <a:txBody>
-                    <a:bodyPr/>
-                    <a:lstStyle/>
-                    <a:p>
-                      <a:r>
-                        <a:rPr lang="en-US" noProof="0" dirty="0"/>
-                        <a:t>+</a:t>
-                      </a:r>
-                    </a:p>
-                  </a:txBody>
-                  <a:tcPr/>
-                </a:tc>
-                <a:extLst>
-                  <a:ext uri="{0D108BD9-81ED-4DB2-BD59-A6C34878D82A}">
-                    <a16:rowId xmlns:a16="http://schemas.microsoft.com/office/drawing/2014/main" xmlns="" val="1557858715"/>
-                  </a:ext>
-                </a:extLst>
-              </a:tr>
-              <a:tr h="370840">
-                <a:tc>
-                  <a:txBody>
-                    <a:bodyPr/>
-                    <a:lstStyle/>
-                    <a:p>
-                      <a:r>
-                        <a:rPr lang="en-US" noProof="0" dirty="0"/>
-                        <a:t>Prerequisites</a:t>
-                      </a:r>
-                    </a:p>
-                  </a:txBody>
-                  <a:tcPr/>
-                </a:tc>
-                <a:tc>
-                  <a:txBody>
-                    <a:bodyPr/>
-                    <a:lstStyle/>
-                    <a:p>
-                      <a:r>
-                        <a:rPr lang="en-US" noProof="0" dirty="0"/>
-                        <a:t>+</a:t>
-                      </a:r>
-                    </a:p>
-                  </a:txBody>
-                  <a:tcPr/>
-                </a:tc>
-                <a:tc>
-                  <a:txBody>
-                    <a:bodyPr/>
-                    <a:lstStyle/>
-                    <a:p>
-                      <a:r>
-                        <a:rPr lang="en-US" noProof="0" dirty="0"/>
-                        <a:t>0</a:t>
-                      </a:r>
-                    </a:p>
-                  </a:txBody>
-                  <a:tcPr/>
-                </a:tc>
-                <a:tc>
-                  <a:txBody>
-                    <a:bodyPr/>
-                    <a:lstStyle/>
-                    <a:p>
-                      <a:r>
-                        <a:rPr lang="en-US" noProof="0" dirty="0"/>
-                        <a:t>-</a:t>
-                      </a:r>
-                    </a:p>
-                  </a:txBody>
-                  <a:tcPr/>
-                </a:tc>
-                <a:extLst>
-                  <a:ext uri="{0D108BD9-81ED-4DB2-BD59-A6C34878D82A}">
-                    <a16:rowId xmlns:a16="http://schemas.microsoft.com/office/drawing/2014/main" xmlns="" val="188843079"/>
-                  </a:ext>
-                </a:extLst>
-              </a:tr>
-              <a:tr h="370840">
-                <a:tc>
-                  <a:txBody>
-                    <a:bodyPr/>
-                    <a:lstStyle/>
-                    <a:p>
-                      <a:endParaRPr lang="en-US" noProof="0" dirty="0"/>
-                    </a:p>
-                  </a:txBody>
-                  <a:tcPr/>
-                </a:tc>
-                <a:tc>
-                  <a:txBody>
-                    <a:bodyPr/>
-                    <a:lstStyle/>
-                    <a:p>
-                      <a:r>
-                        <a:rPr lang="en-US" noProof="0" dirty="0"/>
-                        <a:t>3 x +</a:t>
-                      </a:r>
-                    </a:p>
-                    <a:p>
-                      <a:r>
-                        <a:rPr lang="en-US" noProof="0" dirty="0"/>
-                        <a:t>1 x -</a:t>
-                      </a:r>
-                    </a:p>
-                  </a:txBody>
-                  <a:tcPr/>
-                </a:tc>
-                <a:tc>
-                  <a:txBody>
-                    <a:bodyPr/>
-                    <a:lstStyle/>
-                    <a:p>
-                      <a:r>
-                        <a:rPr lang="en-US" noProof="0" dirty="0"/>
-                        <a:t>1 x +</a:t>
-                      </a:r>
-                    </a:p>
-                    <a:p>
-                      <a:r>
-                        <a:rPr lang="en-US" noProof="0" dirty="0"/>
-                        <a:t>1</a:t>
-                      </a:r>
-                      <a:r>
-                        <a:rPr lang="en-US" noProof="0" smtClean="0"/>
-                        <a:t> </a:t>
-                      </a:r>
-                      <a:r>
-                        <a:rPr lang="en-US" noProof="0" dirty="0"/>
-                        <a:t>x -</a:t>
-                      </a:r>
-                    </a:p>
-                  </a:txBody>
-                  <a:tcPr/>
-                </a:tc>
-                <a:tc>
-                  <a:txBody>
-                    <a:bodyPr/>
-                    <a:lstStyle/>
-                    <a:p>
-                      <a:r>
-                        <a:rPr lang="en-US" noProof="0" dirty="0"/>
-                        <a:t>4 x +</a:t>
-                      </a:r>
-                    </a:p>
-                    <a:p>
-                      <a:r>
-                        <a:rPr lang="en-US" noProof="0" dirty="0"/>
-                        <a:t>2 x -</a:t>
-                      </a:r>
-                    </a:p>
-                  </a:txBody>
-                  <a:tcPr/>
-                </a:tc>
-                <a:extLst>
-                  <a:ext uri="{0D108BD9-81ED-4DB2-BD59-A6C34878D82A}">
-                    <a16:rowId xmlns:a16="http://schemas.microsoft.com/office/drawing/2014/main" xmlns="" val="3771435939"/>
-                  </a:ext>
-                </a:extLst>
-              </a:tr>
-            </a:tbl>
-          </a:graphicData>
-        </a:graphic>
-      </p:graphicFrame>
-      <p:sp>
-        <p:nvSpPr>
-          <p:cNvPr id="4" name="Fußzeilenplatzhalter 3">
-            <a:extLst>
-              <a:ext uri="{FF2B5EF4-FFF2-40B4-BE49-F238E27FC236}">
-                <a16:creationId xmlns:a16="http://schemas.microsoft.com/office/drawing/2014/main" xmlns="" id="{0EFD5E2A-248D-4492-8525-D8AFE80D2E44}"/>
-              </a:ext>
-            </a:extLst>
-          </p:cNvPr>
-          <p:cNvSpPr>
-            <a:spLocks noGrp="1"/>
-          </p:cNvSpPr>
-          <p:nvPr>
-            <p:ph type="ftr" sz="quarter" idx="10"/>
-          </p:nvPr>
-        </p:nvSpPr>
-        <p:spPr/>
-        <p:txBody>
-          <a:bodyPr/>
-          <a:lstStyle/>
-          <a:p>
-            <a:r>
-              <a:rPr lang="de-DE" altLang="de-DE" dirty="0"/>
-              <a:t>Jan </a:t>
-            </a:r>
-            <a:r>
-              <a:rPr lang="de-DE" altLang="de-DE" dirty="0" err="1"/>
-              <a:t>Dycke</a:t>
-            </a:r>
-            <a:endParaRPr lang="de-DE" altLang="de-DE" dirty="0"/>
-          </a:p>
-        </p:txBody>
-      </p:sp>
-      <p:sp>
-        <p:nvSpPr>
-          <p:cNvPr id="9" name="Inhaltsplatzhalter 2">
-            <a:extLst>
-              <a:ext uri="{FF2B5EF4-FFF2-40B4-BE49-F238E27FC236}">
-                <a16:creationId xmlns:a16="http://schemas.microsoft.com/office/drawing/2014/main" xmlns="" id="{B7369CBE-15CF-4C64-9C61-7C95A177F377}"/>
-              </a:ext>
-            </a:extLst>
-          </p:cNvPr>
-          <p:cNvSpPr txBox="1">
-            <a:spLocks/>
-          </p:cNvSpPr>
+              <a:rPr lang="de-DE" altLang="de-DE" dirty="0" smtClean="0"/>
+              <a:t>Peiren </a:t>
+            </a:r>
+            <a:r>
+              <a:rPr lang="de-DE" altLang="de-DE" dirty="0" smtClean="0"/>
+              <a:t>Yang</a:t>
+            </a:r>
+            <a:endParaRPr lang="de-DE" dirty="0"/>
+          </a:p>
+        </p:txBody>
+      </p:sp>
+      <p:sp>
+        <p:nvSpPr>
+          <p:cNvPr id="3" name="文本框 2"/>
+          <p:cNvSpPr txBox="1"/>
           <p:nvPr/>
         </p:nvSpPr>
-        <p:spPr bwMode="auto">
+        <p:spPr>
           <a:xfrm>
-            <a:off x="392113" y="4266015"/>
-            <a:ext cx="8356600" cy="1826809"/>
+            <a:off x="1835696" y="2753052"/>
+            <a:ext cx="5544616" cy="1107996"/>
           </a:xfrm>
           <a:prstGeom prst="rect">
             <a:avLst/>
           </a:prstGeom>
           <a:noFill/>
-          <a:ln>
-            <a:noFill/>
-          </a:ln>
-          <a:extLst>
-            <a:ext uri="{909E8E84-426E-40DD-AFC4-6F175D3DCCD1}">
-              <a14:hiddenFill xmlns:a14="http://schemas.microsoft.com/office/drawing/2010/main">
-                <a:solidFill>
-                  <a:srgbClr val="FFFFFF"/>
-                </a:solidFill>
-              </a14:hiddenFill>
-            </a:ext>
-            <a:ext uri="{91240B29-F687-4F45-9708-019B960494DF}">
-              <a14:hiddenLine xmlns:a14="http://schemas.microsoft.com/office/drawing/2010/main" w="9525">
-                <a:solidFill>
-                  <a:srgbClr val="000000"/>
-                </a:solidFill>
-                <a:miter lim="800000"/>
-                <a:headEnd/>
-                <a:tailEnd/>
-              </a14:hiddenLine>
-            </a:ext>
-          </a:extLst>
-        </p:spPr>
-        <p:txBody>
-          <a:bodyPr vert="horz" wrap="square" lIns="0" tIns="0" rIns="0" bIns="0" numCol="1" anchor="t" anchorCtr="0" compatLnSpc="1">
-            <a:prstTxWarp prst="textNoShape">
-              <a:avLst/>
-            </a:prstTxWarp>
+        </p:spPr>
+        <p:txBody>
+          <a:bodyPr wrap="square" rtlCol="0">
+            <a:spAutoFit/>
           </a:bodyPr>
-          <a:lstStyle>
-            <a:lvl1pPr marL="342900" indent="-342900" algn="l" rtl="0" eaLnBrk="1" fontAlgn="base" hangingPunct="1">
-              <a:spcBef>
-                <a:spcPct val="20000"/>
-              </a:spcBef>
-              <a:spcAft>
-                <a:spcPct val="0"/>
-              </a:spcAft>
-              <a:buSzPct val="70000"/>
-              <a:buBlip>
-                <a:blip r:embed="rId2"/>
-              </a:buBlip>
-              <a:defRPr sz="2400">
-                <a:solidFill>
-                  <a:schemeClr val="tx1"/>
-                </a:solidFill>
-                <a:latin typeface="+mn-lt"/>
-                <a:ea typeface="+mn-ea"/>
-                <a:cs typeface="+mn-cs"/>
-              </a:defRPr>
-            </a:lvl1pPr>
-            <a:lvl2pPr marL="742950" indent="-285750" algn="l" rtl="0" eaLnBrk="1" fontAlgn="base" hangingPunct="1">
-              <a:spcBef>
-                <a:spcPct val="20000"/>
-              </a:spcBef>
-              <a:spcAft>
-                <a:spcPct val="0"/>
-              </a:spcAft>
-              <a:buSzPct val="60000"/>
-              <a:buBlip>
-                <a:blip r:embed="rId2"/>
-              </a:buBlip>
-              <a:defRPr sz="2000">
-                <a:solidFill>
-                  <a:schemeClr val="tx1"/>
-                </a:solidFill>
-                <a:latin typeface="+mn-lt"/>
-              </a:defRPr>
-            </a:lvl2pPr>
-            <a:lvl3pPr marL="1143000" indent="-228600" algn="l" rtl="0" eaLnBrk="1" fontAlgn="base" hangingPunct="1">
-              <a:spcBef>
-                <a:spcPct val="20000"/>
-              </a:spcBef>
-              <a:spcAft>
-                <a:spcPct val="0"/>
-              </a:spcAft>
-              <a:buSzPct val="60000"/>
-              <a:buBlip>
-                <a:blip r:embed="rId2"/>
-              </a:buBlip>
-              <a:defRPr sz="2400">
-                <a:solidFill>
-                  <a:schemeClr val="tx1"/>
-                </a:solidFill>
-                <a:latin typeface="+mn-lt"/>
-              </a:defRPr>
-            </a:lvl3pPr>
-            <a:lvl4pPr marL="1600200" indent="-228600" algn="l" rtl="0" eaLnBrk="1" fontAlgn="base" hangingPunct="1">
-              <a:spcBef>
-                <a:spcPct val="20000"/>
-              </a:spcBef>
-              <a:spcAft>
-                <a:spcPct val="0"/>
-              </a:spcAft>
-              <a:buSzPct val="60000"/>
-              <a:buBlip>
-                <a:blip r:embed="rId2"/>
-              </a:buBlip>
-              <a:defRPr sz="1600">
-                <a:solidFill>
-                  <a:schemeClr val="tx1"/>
-                </a:solidFill>
-                <a:latin typeface="+mn-lt"/>
-              </a:defRPr>
-            </a:lvl4pPr>
-            <a:lvl5pPr marL="2057400" indent="-228600" algn="l" rtl="0" eaLnBrk="1" fontAlgn="base" hangingPunct="1">
-              <a:spcBef>
-                <a:spcPct val="20000"/>
-              </a:spcBef>
-              <a:spcAft>
-                <a:spcPct val="0"/>
-              </a:spcAft>
-              <a:buSzPct val="60000"/>
-              <a:buBlip>
-                <a:blip r:embed="rId2"/>
-              </a:buBlip>
-              <a:defRPr sz="1400">
-                <a:solidFill>
-                  <a:schemeClr val="tx1"/>
-                </a:solidFill>
-                <a:latin typeface="+mn-lt"/>
-              </a:defRPr>
-            </a:lvl5pPr>
-            <a:lvl6pPr marL="2514600" indent="-228600" algn="l" rtl="0" eaLnBrk="1" fontAlgn="base" hangingPunct="1">
-              <a:spcBef>
-                <a:spcPct val="20000"/>
-              </a:spcBef>
-              <a:spcAft>
-                <a:spcPct val="0"/>
-              </a:spcAft>
-              <a:buSzPct val="60000"/>
-              <a:buBlip>
-                <a:blip r:embed="rId2"/>
-              </a:buBlip>
-              <a:defRPr sz="1400">
-                <a:solidFill>
-                  <a:schemeClr val="tx1"/>
-                </a:solidFill>
-                <a:latin typeface="+mn-lt"/>
-              </a:defRPr>
-            </a:lvl6pPr>
-            <a:lvl7pPr marL="2971800" indent="-228600" algn="l" rtl="0" eaLnBrk="1" fontAlgn="base" hangingPunct="1">
-              <a:spcBef>
-                <a:spcPct val="20000"/>
-              </a:spcBef>
-              <a:spcAft>
-                <a:spcPct val="0"/>
-              </a:spcAft>
-              <a:buSzPct val="60000"/>
-              <a:buBlip>
-                <a:blip r:embed="rId2"/>
-              </a:buBlip>
-              <a:defRPr sz="1400">
-                <a:solidFill>
-                  <a:schemeClr val="tx1"/>
-                </a:solidFill>
-                <a:latin typeface="+mn-lt"/>
-              </a:defRPr>
-            </a:lvl7pPr>
-            <a:lvl8pPr marL="3429000" indent="-228600" algn="l" rtl="0" eaLnBrk="1" fontAlgn="base" hangingPunct="1">
-              <a:spcBef>
-                <a:spcPct val="20000"/>
-              </a:spcBef>
-              <a:spcAft>
-                <a:spcPct val="0"/>
-              </a:spcAft>
-              <a:buSzPct val="60000"/>
-              <a:buBlip>
-                <a:blip r:embed="rId2"/>
-              </a:buBlip>
-              <a:defRPr sz="1400">
-                <a:solidFill>
-                  <a:schemeClr val="tx1"/>
-                </a:solidFill>
-                <a:latin typeface="+mn-lt"/>
-              </a:defRPr>
-            </a:lvl8pPr>
-            <a:lvl9pPr marL="3886200" indent="-228600" algn="l" rtl="0" eaLnBrk="1" fontAlgn="base" hangingPunct="1">
-              <a:spcBef>
-                <a:spcPct val="20000"/>
-              </a:spcBef>
-              <a:spcAft>
-                <a:spcPct val="0"/>
-              </a:spcAft>
-              <a:buSzPct val="60000"/>
-              <a:buBlip>
-                <a:blip r:embed="rId2"/>
-              </a:buBlip>
-              <a:defRPr sz="1400">
-                <a:solidFill>
-                  <a:schemeClr val="tx1"/>
-                </a:solidFill>
-                <a:latin typeface="+mn-lt"/>
-              </a:defRPr>
-            </a:lvl9pPr>
-          </a:lstStyle>
-          <a:p>
-            <a:r>
-              <a:rPr lang="en-US" kern="0" dirty="0"/>
-              <a:t>In urban areas gas heating is the best solution</a:t>
-            </a:r>
-          </a:p>
-          <a:p>
-            <a:pPr marL="0" indent="0">
-              <a:buNone/>
-            </a:pPr>
-            <a:endParaRPr lang="en-US" kern="0" dirty="0"/>
-          </a:p>
-          <a:p>
-            <a:r>
-              <a:rPr lang="en-US" kern="0" dirty="0"/>
-              <a:t>In suburban and rural areas geothermal heating is the best solution </a:t>
-            </a:r>
+          <a:lstStyle/>
+          <a:p>
+            <a:pPr algn="ctr"/>
+            <a:r>
+              <a:rPr lang="en-US" altLang="zh-CN" sz="6600" dirty="0" smtClean="0">
+                <a:latin typeface="+mj-lt"/>
+              </a:rPr>
+              <a:t>Q &amp; A</a:t>
+            </a:r>
+            <a:endParaRPr lang="zh-CN" altLang="en-US" sz="6600" dirty="0">
+              <a:latin typeface="+mj-lt"/>
+            </a:endParaRPr>
           </a:p>
         </p:txBody>
       </p:sp>
     </p:spTree>
     <p:extLst>
       <p:ext uri="{BB962C8B-B14F-4D97-AF65-F5344CB8AC3E}">
-        <p14:creationId xmlns:p14="http://schemas.microsoft.com/office/powerpoint/2010/main" val="1110881393"/>
+        <p14:creationId xmlns:p14="http://schemas.microsoft.com/office/powerpoint/2010/main" val="54713501"/>
       </p:ext>
     </p:extLst>
   </p:cSld>
   <p:clrMapOvr>
     <a:masterClrMapping/>
   </p:clrMapOvr>
+  <p:timing>
+    <p:tnLst>
+      <p:par>
+        <p:cTn id="1" dur="indefinite" restart="never" nodeType="tmRoot"/>
+      </p:par>
+    </p:tnLst>
+  </p:timing>
 </p:sld>
 </file>
 
@@ -7585,8 +5692,8 @@
         </p:nvSpPr>
         <p:spPr>
           <a:xfrm>
-            <a:off x="1835696" y="2753052"/>
-            <a:ext cx="5544616" cy="1107996"/>
+            <a:off x="467544" y="2708920"/>
+            <a:ext cx="8352928" cy="923330"/>
           </a:xfrm>
           <a:prstGeom prst="rect">
             <a:avLst/>
@@ -7601,12 +5708,12 @@
           <a:p>
             <a:pPr algn="ctr"/>
             <a:r>
-              <a:rPr lang="en-US" altLang="zh-CN" sz="6600" dirty="0" smtClean="0">
+              <a:rPr lang="en-US" altLang="zh-CN" sz="5400" dirty="0" smtClean="0">
                 <a:latin typeface="+mj-lt"/>
               </a:rPr>
-              <a:t>Q &amp; A</a:t>
-            </a:r>
-            <a:endParaRPr lang="zh-CN" altLang="en-US" sz="6600" dirty="0">
+              <a:t>Thanks for your attention!</a:t>
+            </a:r>
+            <a:endParaRPr lang="zh-CN" altLang="en-US" sz="5400" dirty="0">
               <a:latin typeface="+mj-lt"/>
             </a:endParaRPr>
           </a:p>
@@ -7615,13 +5722,20 @@
     </p:spTree>
     <p:extLst>
       <p:ext uri="{BB962C8B-B14F-4D97-AF65-F5344CB8AC3E}">
-        <p14:creationId xmlns:p14="http://schemas.microsoft.com/office/powerpoint/2010/main" val="54713501"/>
+        <p14:creationId xmlns:p14="http://schemas.microsoft.com/office/powerpoint/2010/main" val="916011230"/>
       </p:ext>
     </p:extLst>
   </p:cSld>
   <p:clrMapOvr>
     <a:masterClrMapping/>
   </p:clrMapOvr>
+  <p:timing>
+    <p:tnLst>
+      <p:par>
+        <p:cTn id="1" dur="indefinite" restart="never" nodeType="tmRoot"/>
+      </p:par>
+    </p:tnLst>
+  </p:timing>
 </p:sld>
 </file>
 
@@ -7660,12 +5774,8 @@
           <a:lstStyle/>
           <a:p>
             <a:r>
-              <a:rPr lang="de-DE" altLang="de-DE" dirty="0" err="1"/>
-              <a:t>Peiren</a:t>
-            </a:r>
-            <a:r>
               <a:rPr lang="de-DE" altLang="de-DE" dirty="0"/>
-              <a:t> Yang</a:t>
+              <a:t>Peiren Yang</a:t>
             </a:r>
           </a:p>
         </p:txBody>
@@ -7758,7 +5868,7 @@
             </a:pPr>
             <a:r>
               <a:rPr lang="en-US" altLang="de-DE" dirty="0" smtClean="0"/>
-              <a:t>Automatic Builds</a:t>
+              <a:t>Automatic Build</a:t>
             </a:r>
           </a:p>
           <a:p>
@@ -7769,7 +5879,7 @@
             </a:pPr>
             <a:r>
               <a:rPr lang="en-US" altLang="de-DE" dirty="0" smtClean="0"/>
-              <a:t>Automatic Tests</a:t>
+              <a:t>Automatic Test</a:t>
             </a:r>
           </a:p>
           <a:p>
@@ -7780,7 +5890,7 @@
             </a:pPr>
             <a:r>
               <a:rPr lang="en-US" altLang="de-DE" dirty="0" smtClean="0"/>
-              <a:t>Release and Deployment management in relation to different App Stores</a:t>
+              <a:t>Release and Deployment management in relation to different app Stores</a:t>
             </a:r>
             <a:endParaRPr lang="en-US" altLang="de-DE" dirty="0" smtClean="0"/>
           </a:p>
@@ -7856,12 +5966,8 @@
           <a:lstStyle/>
           <a:p>
             <a:r>
-              <a:rPr lang="de-DE" altLang="de-DE" dirty="0" err="1"/>
-              <a:t>Peiren</a:t>
-            </a:r>
-            <a:r>
               <a:rPr lang="de-DE" altLang="de-DE" dirty="0"/>
-              <a:t> Yang</a:t>
+              <a:t>Peiren Yang</a:t>
             </a:r>
           </a:p>
         </p:txBody>
@@ -7883,7 +5989,19 @@
           <a:p>
             <a:r>
               <a:rPr lang="de-DE" altLang="de-DE" dirty="0" smtClean="0"/>
-              <a:t>Solution Approach</a:t>
+              <a:t>Solution Approach </a:t>
+            </a:r>
+            <a:r>
+              <a:rPr lang="de-DE" altLang="de-DE" dirty="0"/>
+              <a:t>–</a:t>
+            </a:r>
+            <a:r>
+              <a:rPr lang="de-DE" altLang="de-DE" dirty="0" smtClean="0"/>
+              <a:t> </a:t>
+            </a:r>
+            <a:r>
+              <a:rPr lang="en-US" altLang="de-DE" dirty="0"/>
+              <a:t>Cross-Platform</a:t>
             </a:r>
             <a:endParaRPr lang="de-DE" altLang="de-DE" dirty="0" smtClean="0"/>
           </a:p>
@@ -7909,11 +6027,11 @@
           <a:bodyPr/>
           <a:lstStyle/>
           <a:p>
-            <a:pPr eaLnBrk="1" hangingPunct="1"/>
-            <a:r>
-              <a:rPr lang="en-US" altLang="de-DE" dirty="0" smtClean="0"/>
-              <a:t>Build an infrastructure for app development which supports:</a:t>
-            </a:r>
+            <a:r>
+              <a:rPr lang="de-DE" altLang="de-DE" dirty="0" smtClean="0"/>
+              <a:t>Xamarin</a:t>
+            </a:r>
+            <a:endParaRPr lang="en-US" altLang="de-DE" dirty="0" smtClean="0"/>
           </a:p>
           <a:p>
             <a:pPr lvl="1">
@@ -7923,7 +6041,7 @@
             </a:pPr>
             <a:r>
               <a:rPr lang="en-US" altLang="de-DE" dirty="0" smtClean="0"/>
-              <a:t>Cross-platform app, one set of code generates at least 3 different applications for Android, iOS and Windows.</a:t>
+              <a:t>Projects created with Xamarin framework can be compiled to Android, iOS and Windows UWP apps.</a:t>
             </a:r>
           </a:p>
           <a:p>
@@ -7934,7 +6052,7 @@
             </a:pPr>
             <a:r>
               <a:rPr lang="en-US" altLang="de-DE" dirty="0" smtClean="0"/>
-              <a:t>Source Control, which allows version control and teamwork</a:t>
+              <a:t>C# is the programming language</a:t>
             </a:r>
           </a:p>
           <a:p>
@@ -7945,8 +6063,21 @@
             </a:pPr>
             <a:r>
               <a:rPr lang="en-US" altLang="de-DE" dirty="0" smtClean="0"/>
-              <a:t>Automatic Builds</a:t>
-            </a:r>
+              <a:t>Supported</a:t>
+            </a:r>
+            <a:r>
+              <a:rPr lang="de-DE" altLang="de-DE" dirty="0" smtClean="0"/>
+              <a:t> </a:t>
+            </a:r>
+            <a:r>
+              <a:rPr lang="en-US" altLang="de-DE" dirty="0" smtClean="0"/>
+              <a:t>in </a:t>
+            </a:r>
+            <a:r>
+              <a:rPr lang="de-DE" altLang="de-DE" dirty="0" smtClean="0"/>
+              <a:t>Visual Studio</a:t>
+            </a:r>
+            <a:endParaRPr lang="en-US" altLang="de-DE" dirty="0" smtClean="0"/>
           </a:p>
           <a:p>
             <a:pPr lvl="1">
@@ -7956,31 +6087,16 @@
             </a:pPr>
             <a:r>
               <a:rPr lang="en-US" altLang="de-DE" dirty="0" smtClean="0"/>
-              <a:t>Automatic Tests</a:t>
-            </a:r>
-          </a:p>
-          <a:p>
-            <a:pPr lvl="1">
-              <a:lnSpc>
-                <a:spcPct val="150000"/>
-              </a:lnSpc>
-            </a:pPr>
+              <a:t>Offers test framework “</a:t>
+            </a:r>
+            <a:r>
+              <a:rPr lang="en-US" altLang="de-DE" dirty="0" err="1" smtClean="0"/>
+              <a:t>Xamarin.UITest</a:t>
+            </a:r>
             <a:r>
               <a:rPr lang="en-US" altLang="de-DE" dirty="0" smtClean="0"/>
-              <a:t>Release and Deployment management in relation to different App Stores</a:t>
-            </a:r>
-            <a:endParaRPr lang="en-US" altLang="de-DE" dirty="0" smtClean="0"/>
-          </a:p>
-          <a:p>
-            <a:pPr lvl="1"/>
-            <a:endParaRPr lang="en-US" altLang="de-DE" dirty="0" smtClean="0"/>
-          </a:p>
-          <a:p>
-            <a:pPr eaLnBrk="1" hangingPunct="1">
-              <a:buFontTx/>
-              <a:buNone/>
-            </a:pPr>
-            <a:endParaRPr lang="en-US" altLang="de-DE" dirty="0" smtClean="0"/>
+              <a:t>”</a:t>
+            </a:r>
           </a:p>
           <a:p>
             <a:pPr eaLnBrk="1" hangingPunct="1"/>
@@ -7988,6 +6104,59 @@
           </a:p>
         </p:txBody>
       </p:sp>
+      <p:pic>
+        <p:nvPicPr>
+          <p:cNvPr id="5" name="图片 4"/>
+          <p:cNvPicPr>
+            <a:picLocks noChangeAspect="1"/>
+          </p:cNvPicPr>
+          <p:nvPr/>
+        </p:nvPicPr>
+        <p:blipFill rotWithShape="1">
+          <a:blip r:embed="rId2"/>
+          <a:srcRect l="31171" t="9156" r="26234" b="38671"/>
+          <a:stretch/>
+        </p:blipFill>
+        <p:spPr>
+          <a:xfrm>
+            <a:off x="1843608" y="4458189"/>
+            <a:ext cx="2008312" cy="1844824"/>
+          </a:xfrm>
+          <a:prstGeom prst="rect">
+            <a:avLst/>
+          </a:prstGeom>
+        </p:spPr>
+      </p:pic>
+      <p:pic>
+        <p:nvPicPr>
+          <p:cNvPr id="2" name="图片 1"/>
+          <p:cNvPicPr>
+            <a:picLocks noChangeAspect="1"/>
+          </p:cNvPicPr>
+          <p:nvPr/>
+        </p:nvPicPr>
+        <p:blipFill>
+          <a:blip r:embed="rId3">
+            <a:extLst>
+              <a:ext uri="{28A0092B-C50C-407E-A947-70E740481C1C}">
+                <a14:useLocalDpi xmlns:a14="http://schemas.microsoft.com/office/drawing/2010/main" val="0"/>
+              </a:ext>
+            </a:extLst>
+          </a:blip>
+          <a:stretch>
+            <a:fillRect/>
+          </a:stretch>
+        </p:blipFill>
+        <p:spPr>
+          <a:xfrm>
+            <a:off x="5436096" y="4586052"/>
+            <a:ext cx="2016224" cy="1723268"/>
+          </a:xfrm>
+          <a:prstGeom prst="rect">
+            <a:avLst/>
+          </a:prstGeom>
+        </p:spPr>
+      </p:pic>
     </p:spTree>
     <p:extLst>
       <p:ext uri="{BB962C8B-B14F-4D97-AF65-F5344CB8AC3E}">
@@ -8025,122 +6194,6 @@
           <a:chExt cx="0" cy="0"/>
         </a:xfrm>
       </p:grpSpPr>
-      <p:grpSp>
-        <p:nvGrpSpPr>
-          <p:cNvPr id="7" name="组合 6"/>
-          <p:cNvGrpSpPr/>
-          <p:nvPr/>
-        </p:nvGrpSpPr>
-        <p:grpSpPr>
-          <a:xfrm>
-            <a:off x="3275856" y="1140152"/>
-            <a:ext cx="5676900" cy="4895850"/>
-            <a:chOff x="3275856" y="1140152"/>
-            <a:chExt cx="5676900" cy="4895850"/>
-          </a:xfrm>
-        </p:grpSpPr>
-        <p:pic>
-          <p:nvPicPr>
-            <p:cNvPr id="1026" name="Picture 2" descr="Image result for solar thermal heating at home"/>
-            <p:cNvPicPr>
-              <a:picLocks noChangeAspect="1" noChangeArrowheads="1"/>
-            </p:cNvPicPr>
-            <p:nvPr/>
-          </p:nvPicPr>
-          <p:blipFill>
-            <a:blip r:embed="rId2">
-              <a:extLst>
-                <a:ext uri="{28A0092B-C50C-407E-A947-70E740481C1C}">
-                  <a14:useLocalDpi xmlns:a14="http://schemas.microsoft.com/office/drawing/2010/main" val="0"/>
-                </a:ext>
-              </a:extLst>
-            </a:blip>
-            <a:srcRect/>
-            <a:stretch>
-              <a:fillRect/>
-            </a:stretch>
-          </p:blipFill>
-          <p:spPr bwMode="auto">
-            <a:xfrm>
-              <a:off x="3275856" y="1140152"/>
-              <a:ext cx="5676900" cy="4895850"/>
-            </a:xfrm>
-            <a:prstGeom prst="rect">
-              <a:avLst/>
-            </a:prstGeom>
-            <a:noFill/>
-            <a:extLst>
-              <a:ext uri="{909E8E84-426E-40DD-AFC4-6F175D3DCCD1}">
-                <a14:hiddenFill xmlns:a14="http://schemas.microsoft.com/office/drawing/2010/main">
-                  <a:solidFill>
-                    <a:srgbClr val="FFFFFF"/>
-                  </a:solidFill>
-                </a14:hiddenFill>
-              </a:ext>
-            </a:extLst>
-          </p:spPr>
-        </p:pic>
-        <p:sp>
-          <p:nvSpPr>
-            <p:cNvPr id="6" name="矩形 5"/>
-            <p:cNvSpPr/>
-            <p:nvPr/>
-          </p:nvSpPr>
-          <p:spPr>
-            <a:xfrm>
-              <a:off x="6228184" y="4149080"/>
-              <a:ext cx="792088" cy="144016"/>
-            </a:xfrm>
-            <a:prstGeom prst="rect">
-              <a:avLst/>
-            </a:prstGeom>
-            <a:solidFill>
-              <a:schemeClr val="bg1"/>
-            </a:solidFill>
-            <a:ln>
-              <a:solidFill>
-                <a:schemeClr val="bg1"/>
-              </a:solidFill>
-            </a:ln>
-          </p:spPr>
-          <p:style>
-            <a:lnRef idx="2">
-              <a:schemeClr val="accent1">
-                <a:shade val="50000"/>
-              </a:schemeClr>
-            </a:lnRef>
-            <a:fillRef idx="1">
-              <a:schemeClr val="accent1"/>
-            </a:fillRef>
-            <a:effectRef idx="0">
-              <a:schemeClr val="accent1"/>
-            </a:effectRef>
-            <a:fontRef idx="minor">
-              <a:schemeClr val="lt1"/>
-            </a:fontRef>
-          </p:style>
-          <p:txBody>
-            <a:bodyPr rtlCol="0" anchor="ctr"/>
-            <a:lstStyle/>
-            <a:p>
-              <a:pPr algn="ctr"/>
-              <a:r>
-                <a:rPr lang="en-US" altLang="zh-CN" sz="900" dirty="0" smtClean="0">
-                  <a:solidFill>
-                    <a:schemeClr val="accent2"/>
-                  </a:solidFill>
-                </a:rPr>
-                <a:t>Water Tank</a:t>
-              </a:r>
-              <a:endParaRPr lang="zh-CN" altLang="en-US" sz="900" dirty="0">
-                <a:solidFill>
-                  <a:schemeClr val="accent2"/>
-                </a:solidFill>
-              </a:endParaRPr>
-            </a:p>
-          </p:txBody>
-        </p:sp>
-      </p:grpSp>
       <p:sp>
         <p:nvSpPr>
           <p:cNvPr id="4" name="Rectangle 5"/>
@@ -8159,12 +6212,8 @@
           <a:lstStyle/>
           <a:p>
             <a:r>
-              <a:rPr lang="de-DE" altLang="de-DE" dirty="0" err="1"/>
-              <a:t>Peiren</a:t>
-            </a:r>
-            <a:r>
               <a:rPr lang="de-DE" altLang="de-DE" dirty="0"/>
-              <a:t> Yang</a:t>
+              <a:t>Peiren Yang</a:t>
             </a:r>
           </a:p>
         </p:txBody>
@@ -8184,11 +6233,15 @@
           <a:bodyPr/>
           <a:lstStyle/>
           <a:p>
-            <a:pPr eaLnBrk="1" hangingPunct="1"/>
+            <a:r>
+              <a:rPr lang="de-DE" altLang="de-DE" dirty="0" smtClean="0"/>
+              <a:t>Solution Approach – </a:t>
+            </a:r>
             <a:r>
               <a:rPr lang="en-US" altLang="de-DE" dirty="0" smtClean="0"/>
-              <a:t>Solar thermal heating system</a:t>
-            </a:r>
+              <a:t>Source Control</a:t>
+            </a:r>
+            <a:endParaRPr lang="de-DE" altLang="de-DE" dirty="0" smtClean="0"/>
           </a:p>
         </p:txBody>
       </p:sp>
@@ -8204,113 +6257,233 @@
         </p:nvSpPr>
         <p:spPr>
           <a:xfrm>
-            <a:off x="278039" y="838994"/>
-            <a:ext cx="4581993" cy="4894262"/>
+            <a:off x="392113" y="1415058"/>
+            <a:ext cx="8356600" cy="4894262"/>
           </a:xfrm>
         </p:spPr>
         <p:txBody>
           <a:bodyPr/>
           <a:lstStyle/>
           <a:p>
-            <a:pPr marL="0" indent="0" eaLnBrk="1" hangingPunct="1">
-              <a:buNone/>
+            <a:r>
+              <a:rPr lang="de-DE" altLang="de-DE" dirty="0" smtClean="0"/>
+              <a:t>Git </a:t>
+            </a:r>
+            <a:r>
+              <a:rPr lang="en-US" altLang="de-DE" dirty="0" smtClean="0"/>
+              <a:t>under</a:t>
+            </a:r>
+            <a:r>
+              <a:rPr lang="de-DE" altLang="de-DE" dirty="0" smtClean="0"/>
+              <a:t> </a:t>
+            </a:r>
+            <a:r>
+              <a:rPr lang="en-US" altLang="de-DE" dirty="0" smtClean="0"/>
+              <a:t>the hosting of </a:t>
+            </a:r>
+            <a:r>
+              <a:rPr lang="de-DE" altLang="de-DE" dirty="0" smtClean="0"/>
+              <a:t>GitHub</a:t>
+            </a:r>
+            <a:endParaRPr lang="en-US" altLang="de-DE" dirty="0"/>
+          </a:p>
+          <a:p>
+            <a:pPr lvl="1">
+              <a:lnSpc>
+                <a:spcPct val="150000"/>
+              </a:lnSpc>
             </a:pPr>
+            <a:r>
+              <a:rPr lang="en-US" altLang="zh-CN" dirty="0"/>
+              <a:t>Git is one of the most </a:t>
+            </a:r>
+            <a:r>
+              <a:rPr lang="en-US" altLang="zh-CN" dirty="0" smtClean="0"/>
+              <a:t>popular source</a:t>
+            </a:r>
+            <a:r>
+              <a:rPr lang="de-DE" altLang="zh-CN" dirty="0" smtClean="0"/>
+              <a:t> </a:t>
+            </a:r>
+            <a:r>
+              <a:rPr lang="en-US" altLang="zh-CN" dirty="0" smtClean="0"/>
+              <a:t>control</a:t>
+            </a:r>
+            <a:r>
+              <a:rPr lang="de-DE" altLang="zh-CN" dirty="0" smtClean="0"/>
+              <a:t> </a:t>
+            </a:r>
+            <a:r>
+              <a:rPr lang="en-US" altLang="zh-CN" dirty="0" smtClean="0"/>
+              <a:t>and</a:t>
+            </a:r>
+            <a:r>
+              <a:rPr lang="de-DE" altLang="zh-CN" dirty="0" smtClean="0"/>
+              <a:t> </a:t>
+            </a:r>
+            <a:r>
+              <a:rPr lang="en-US" altLang="zh-CN" dirty="0" smtClean="0"/>
+              <a:t>version</a:t>
+            </a:r>
+            <a:r>
+              <a:rPr lang="de-DE" altLang="zh-CN" dirty="0" smtClean="0"/>
+              <a:t> </a:t>
+            </a:r>
+            <a:r>
+              <a:rPr lang="en-US" altLang="zh-CN" dirty="0" smtClean="0"/>
+              <a:t>management</a:t>
+            </a:r>
+            <a:r>
+              <a:rPr lang="de-DE" altLang="zh-CN" dirty="0" smtClean="0"/>
+              <a:t> </a:t>
+            </a:r>
+            <a:r>
+              <a:rPr lang="en-US" altLang="zh-CN" dirty="0" smtClean="0"/>
+              <a:t>tool</a:t>
+            </a:r>
             <a:endParaRPr lang="en-US" altLang="de-DE" dirty="0" smtClean="0"/>
           </a:p>
           <a:p>
-            <a:pPr marL="0" indent="0" eaLnBrk="1" hangingPunct="1">
-              <a:buNone/>
+            <a:pPr lvl="1">
+              <a:lnSpc>
+                <a:spcPct val="150000"/>
+              </a:lnSpc>
             </a:pPr>
-            <a:endParaRPr lang="en-US" altLang="de-DE" dirty="0" smtClean="0"/>
-          </a:p>
-          <a:p>
             <a:r>
               <a:rPr lang="en-US" altLang="de-DE" dirty="0" smtClean="0"/>
-              <a:t>Solar energy is renewable energy</a:t>
-            </a:r>
-            <a:endParaRPr lang="en-US" altLang="de-DE" dirty="0"/>
-          </a:p>
-          <a:p>
-            <a:pPr marL="0" indent="0">
-              <a:buNone/>
+              <a:t>Operations integrated in </a:t>
+            </a:r>
+            <a:r>
+              <a:rPr lang="de-DE" altLang="de-DE" dirty="0" smtClean="0"/>
+              <a:t>Visual Studio</a:t>
+            </a:r>
+          </a:p>
+          <a:p>
+            <a:pPr lvl="1">
+              <a:lnSpc>
+                <a:spcPct val="150000"/>
+              </a:lnSpc>
             </a:pPr>
-            <a:endParaRPr lang="en-US" altLang="de-DE" dirty="0" smtClean="0"/>
-          </a:p>
-          <a:p>
-            <a:pPr eaLnBrk="1" hangingPunct="1"/>
+            <a:r>
+              <a:rPr lang="de-DE" altLang="de-DE" dirty="0" smtClean="0"/>
+              <a:t>GitHub </a:t>
+            </a:r>
+            <a:r>
+              <a:rPr lang="en-GB" altLang="de-DE" dirty="0" smtClean="0"/>
+              <a:t>as</a:t>
+            </a:r>
+            <a:r>
+              <a:rPr lang="de-DE" altLang="de-DE" dirty="0" smtClean="0"/>
+              <a:t> </a:t>
+            </a:r>
             <a:r>
               <a:rPr lang="en-US" altLang="de-DE" dirty="0" smtClean="0"/>
-              <a:t>System efficiency highly related to the weather conditions</a:t>
-            </a:r>
-          </a:p>
-          <a:p>
-            <a:pPr eaLnBrk="1" hangingPunct="1">
-              <a:buFontTx/>
-              <a:buNone/>
+              <a:t>remote hosting, so that no local Git server is needed</a:t>
+            </a:r>
+          </a:p>
+          <a:p>
+            <a:pPr lvl="1">
+              <a:lnSpc>
+                <a:spcPct val="150000"/>
+              </a:lnSpc>
             </a:pPr>
-            <a:endParaRPr lang="en-US" altLang="de-DE" dirty="0" smtClean="0"/>
-          </a:p>
-          <a:p>
             <a:r>
               <a:rPr lang="en-US" altLang="de-DE" dirty="0" smtClean="0"/>
-              <a:t>Additional heating system is needed to complete the solution</a:t>
-            </a:r>
-            <a:endParaRPr lang="en-US" altLang="de-DE" dirty="0"/>
-          </a:p>
-          <a:p>
-            <a:pPr marL="0" indent="0" eaLnBrk="1" hangingPunct="1">
-              <a:buNone/>
-            </a:pPr>
-            <a:endParaRPr lang="de-DE" altLang="de-DE" dirty="0" smtClean="0"/>
-          </a:p>
-        </p:txBody>
-      </p:sp>
-      <p:sp>
-        <p:nvSpPr>
-          <p:cNvPr id="2" name="文本框 1"/>
-          <p:cNvSpPr txBox="1"/>
+              <a:t>GitHub offers non-public repository for privacy protection ($9 each) </a:t>
+            </a:r>
+          </a:p>
+        </p:txBody>
+      </p:sp>
+      <p:pic>
+        <p:nvPicPr>
+          <p:cNvPr id="7" name="图片 6"/>
+          <p:cNvPicPr>
+            <a:picLocks noChangeAspect="1"/>
+          </p:cNvPicPr>
           <p:nvPr/>
-        </p:nvSpPr>
+        </p:nvPicPr>
+        <p:blipFill rotWithShape="1">
+          <a:blip r:embed="rId2"/>
+          <a:srcRect l="16495" r="16024"/>
+          <a:stretch/>
+        </p:blipFill>
         <p:spPr>
           <a:xfrm>
-            <a:off x="3912021" y="5928669"/>
-            <a:ext cx="5124475" cy="261610"/>
+            <a:off x="6012160" y="4512503"/>
+            <a:ext cx="2115609" cy="1762322"/>
           </a:xfrm>
           <a:prstGeom prst="rect">
             <a:avLst/>
           </a:prstGeom>
-          <a:noFill/>
-        </p:spPr>
-        <p:txBody>
-          <a:bodyPr wrap="square" rtlCol="0">
-            <a:spAutoFit/>
-          </a:bodyPr>
+        </p:spPr>
+      </p:pic>
+      <p:pic>
+        <p:nvPicPr>
+          <p:cNvPr id="3" name="图片 2"/>
+          <p:cNvPicPr>
+            <a:picLocks noChangeAspect="1"/>
+          </p:cNvPicPr>
+          <p:nvPr/>
+        </p:nvPicPr>
+        <p:blipFill rotWithShape="1">
+          <a:blip r:embed="rId3"/>
+          <a:srcRect t="24801" b="26900"/>
+          <a:stretch/>
+        </p:blipFill>
+        <p:spPr>
+          <a:xfrm>
+            <a:off x="818186" y="4491125"/>
+            <a:ext cx="3744416" cy="1808528"/>
+          </a:xfrm>
+          <a:prstGeom prst="rect">
+            <a:avLst/>
+          </a:prstGeom>
+        </p:spPr>
+      </p:pic>
+      <p:sp>
+        <p:nvSpPr>
+          <p:cNvPr id="6" name="左右箭头 5"/>
+          <p:cNvSpPr/>
+          <p:nvPr/>
+        </p:nvSpPr>
+        <p:spPr>
+          <a:xfrm>
+            <a:off x="4860032" y="5157192"/>
+            <a:ext cx="1152128" cy="236472"/>
+          </a:xfrm>
+          <a:prstGeom prst="leftRightArrow">
+            <a:avLst/>
+          </a:prstGeom>
+        </p:spPr>
+        <p:style>
+          <a:lnRef idx="2">
+            <a:schemeClr val="dk1">
+              <a:shade val="50000"/>
+            </a:schemeClr>
+          </a:lnRef>
+          <a:fillRef idx="1">
+            <a:schemeClr val="dk1"/>
+          </a:fillRef>
+          <a:effectRef idx="0">
+            <a:schemeClr val="dk1"/>
+          </a:effectRef>
+          <a:fontRef idx="minor">
+            <a:schemeClr val="lt1"/>
+          </a:fontRef>
+        </p:style>
+        <p:txBody>
+          <a:bodyPr rtlCol="0" anchor="ctr"/>
           <a:lstStyle/>
           <a:p>
-            <a:r>
-              <a:rPr lang="en-US" altLang="zh-CN" sz="1100" dirty="0"/>
-              <a:t>Picture s</a:t>
-            </a:r>
-            <a:r>
-              <a:rPr lang="en-US" altLang="zh-CN" sz="1100" dirty="0" smtClean="0"/>
-              <a:t>ource</a:t>
-            </a:r>
-            <a:r>
-              <a:rPr lang="en-US" altLang="zh-CN" sz="1100" dirty="0"/>
-              <a:t>: </a:t>
-            </a:r>
-            <a:r>
-              <a:rPr lang="en-US" altLang="zh-CN" sz="1100" dirty="0" smtClean="0"/>
-              <a:t>www.solar-energy-for-homes.com/build-solar-water-heater.html</a:t>
-            </a:r>
-            <a:endParaRPr lang="zh-CN" altLang="en-US" sz="1100" dirty="0"/>
+            <a:pPr algn="ctr"/>
+            <a:endParaRPr lang="zh-CN" altLang="en-US"/>
           </a:p>
         </p:txBody>
       </p:sp>
     </p:spTree>
     <p:extLst>
       <p:ext uri="{BB962C8B-B14F-4D97-AF65-F5344CB8AC3E}">
-        <p14:creationId xmlns:p14="http://schemas.microsoft.com/office/powerpoint/2010/main" val="1024914211"/>
+        <p14:creationId xmlns:p14="http://schemas.microsoft.com/office/powerpoint/2010/main" val="3674102647"/>
       </p:ext>
     </p:extLst>
   </p:cSld>
@@ -8346,18 +6519,69 @@
       </p:grpSpPr>
       <p:sp>
         <p:nvSpPr>
-          <p:cNvPr id="2" name="标题 1"/>
-          <p:cNvSpPr>
-            <a:spLocks noGrp="1"/>
+          <p:cNvPr id="4" name="Rectangle 5"/>
+          <p:cNvSpPr>
+            <a:spLocks noGrp="1" noChangeArrowheads="1"/>
+          </p:cNvSpPr>
+          <p:nvPr>
+            <p:ph type="ftr" sz="quarter" idx="10"/>
+          </p:nvPr>
+        </p:nvSpPr>
+        <p:spPr>
+          <a:ln/>
+        </p:spPr>
+        <p:txBody>
+          <a:bodyPr/>
+          <a:lstStyle/>
+          <a:p>
+            <a:r>
+              <a:rPr lang="de-DE" altLang="de-DE" dirty="0"/>
+              <a:t>Peiren Yang</a:t>
+            </a:r>
+          </a:p>
+        </p:txBody>
+      </p:sp>
+      <p:sp>
+        <p:nvSpPr>
+          <p:cNvPr id="6149" name="Rectangle 2"/>
+          <p:cNvSpPr>
+            <a:spLocks noGrp="1" noChangeArrowheads="1"/>
           </p:cNvSpPr>
           <p:nvPr>
             <p:ph type="title"/>
+          </p:nvPr>
+        </p:nvSpPr>
+        <p:spPr/>
+        <p:txBody>
+          <a:bodyPr/>
+          <a:lstStyle/>
+          <a:p>
+            <a:r>
+              <a:rPr lang="de-DE" altLang="de-DE" dirty="0" smtClean="0"/>
+              <a:t>Solution Approach – </a:t>
+            </a:r>
+            <a:r>
+              <a:rPr lang="en-US" altLang="de-DE" dirty="0"/>
+              <a:t>Continuous Integration</a:t>
+            </a:r>
+            <a:endParaRPr lang="de-DE" altLang="de-DE" dirty="0" smtClean="0"/>
+          </a:p>
+        </p:txBody>
+      </p:sp>
+      <p:sp>
+        <p:nvSpPr>
+          <p:cNvPr id="6150" name="Rectangle 3"/>
+          <p:cNvSpPr>
+            <a:spLocks noGrp="1" noChangeArrowheads="1"/>
+          </p:cNvSpPr>
+          <p:nvPr>
+            <p:ph type="body" idx="1"/>
           </p:nvPr>
         </p:nvSpPr>
         <p:spPr>
           <a:xfrm>
-            <a:off x="722313" y="2642989"/>
-            <a:ext cx="7772400" cy="1362075"/>
+            <a:off x="392113" y="1415058"/>
+            <a:ext cx="8356600" cy="4894262"/>
           </a:xfrm>
         </p:spPr>
         <p:txBody>
@@ -8365,79 +6589,194 @@
           <a:lstStyle/>
           <a:p>
             <a:r>
-              <a:rPr lang="en-US" altLang="zh-CN" sz="4800" dirty="0"/>
-              <a:t>G</a:t>
-            </a:r>
-            <a:r>
-              <a:rPr lang="en-US" altLang="zh-CN" dirty="0"/>
-              <a:t>as heating system with integrated solar </a:t>
+              <a:rPr lang="en-US" altLang="de-DE" dirty="0" smtClean="0"/>
+              <a:t>Automatic</a:t>
+            </a:r>
+            <a:r>
+              <a:rPr lang="de-DE" altLang="de-DE" dirty="0" smtClean="0"/>
+              <a:t> </a:t>
             </a:r>
             <a:r>
               <a:rPr lang="en-US" altLang="zh-CN" dirty="0" smtClean="0"/>
-              <a:t>Panels</a:t>
-            </a:r>
-            <a:endParaRPr lang="zh-CN" altLang="en-US" dirty="0"/>
-          </a:p>
-        </p:txBody>
-      </p:sp>
-      <p:sp>
-        <p:nvSpPr>
-          <p:cNvPr id="3" name="文本占位符 2"/>
-          <p:cNvSpPr>
-            <a:spLocks noGrp="1"/>
-          </p:cNvSpPr>
-          <p:nvPr>
-            <p:ph type="body" idx="1"/>
-          </p:nvPr>
-        </p:nvSpPr>
+              <a:t>B</a:t>
+            </a:r>
+            <a:r>
+              <a:rPr lang="en-US" altLang="de-DE" dirty="0" smtClean="0"/>
+              <a:t>uild </a:t>
+            </a:r>
+            <a:r>
+              <a:rPr lang="en-US" altLang="zh-CN" dirty="0" smtClean="0"/>
+              <a:t>with Visual Studio App Center</a:t>
+            </a:r>
+            <a:endParaRPr lang="en-US" altLang="de-DE" dirty="0" smtClean="0"/>
+          </a:p>
+          <a:p>
+            <a:pPr lvl="1">
+              <a:lnSpc>
+                <a:spcPct val="150000"/>
+              </a:lnSpc>
+            </a:pPr>
+            <a:r>
+              <a:rPr lang="en-US" altLang="zh-CN" dirty="0" smtClean="0"/>
+              <a:t>Three different platform build separately</a:t>
+            </a:r>
+          </a:p>
+          <a:p>
+            <a:pPr lvl="1">
+              <a:lnSpc>
+                <a:spcPct val="150000"/>
+              </a:lnSpc>
+            </a:pPr>
+            <a:r>
+              <a:rPr lang="en-US" altLang="zh-CN" dirty="0" smtClean="0"/>
+              <a:t>Build can be triggered by each push to the GitHub repository</a:t>
+            </a:r>
+          </a:p>
+          <a:p>
+            <a:pPr lvl="1">
+              <a:lnSpc>
+                <a:spcPct val="150000"/>
+              </a:lnSpc>
+            </a:pPr>
+            <a:r>
+              <a:rPr lang="en-US" altLang="de-DE" dirty="0" smtClean="0"/>
+              <a:t>Build process can be controlled and configured with scripts</a:t>
+            </a:r>
+          </a:p>
+          <a:p>
+            <a:pPr lvl="2">
+              <a:lnSpc>
+                <a:spcPct val="150000"/>
+              </a:lnSpc>
+            </a:pPr>
+            <a:r>
+              <a:rPr lang="en-US" altLang="zh-CN" sz="1400" dirty="0"/>
+              <a:t>post clone </a:t>
+            </a:r>
+            <a:r>
+              <a:rPr lang="en-US" altLang="zh-CN" sz="1400" dirty="0" smtClean="0"/>
+              <a:t>script</a:t>
+            </a:r>
+          </a:p>
+          <a:p>
+            <a:pPr lvl="2">
+              <a:lnSpc>
+                <a:spcPct val="150000"/>
+              </a:lnSpc>
+            </a:pPr>
+            <a:r>
+              <a:rPr lang="en-US" altLang="zh-CN" sz="1400" dirty="0" smtClean="0"/>
+              <a:t>pre-build script</a:t>
+            </a:r>
+          </a:p>
+          <a:p>
+            <a:pPr lvl="2">
+              <a:lnSpc>
+                <a:spcPct val="150000"/>
+              </a:lnSpc>
+            </a:pPr>
+            <a:r>
+              <a:rPr lang="en-US" altLang="zh-CN" sz="1400" dirty="0" smtClean="0"/>
+              <a:t>post-build </a:t>
+            </a:r>
+            <a:r>
+              <a:rPr lang="en-US" altLang="zh-CN" sz="1400" dirty="0"/>
+              <a:t>script</a:t>
+            </a:r>
+            <a:endParaRPr lang="en-US" altLang="de-DE" sz="1400" dirty="0" smtClean="0"/>
+          </a:p>
+        </p:txBody>
+      </p:sp>
+      <p:pic>
+        <p:nvPicPr>
+          <p:cNvPr id="7" name="图片 6"/>
+          <p:cNvPicPr>
+            <a:picLocks noChangeAspect="1"/>
+          </p:cNvPicPr>
+          <p:nvPr/>
+        </p:nvPicPr>
+        <p:blipFill rotWithShape="1">
+          <a:blip r:embed="rId2"/>
+          <a:srcRect l="16495" r="16024"/>
+          <a:stretch/>
+        </p:blipFill>
         <p:spPr>
           <a:xfrm>
-            <a:off x="722313" y="1142802"/>
-            <a:ext cx="7772400" cy="1500187"/>
+            <a:off x="1809114" y="4496599"/>
+            <a:ext cx="2115609" cy="1762322"/>
           </a:xfrm>
-        </p:spPr>
-        <p:txBody>
-          <a:bodyPr/>
+          <a:prstGeom prst="rect">
+            <a:avLst/>
+          </a:prstGeom>
+        </p:spPr>
+      </p:pic>
+      <p:pic>
+        <p:nvPicPr>
+          <p:cNvPr id="8" name="图片 7"/>
+          <p:cNvPicPr>
+            <a:picLocks noChangeAspect="1"/>
+          </p:cNvPicPr>
+          <p:nvPr/>
+        </p:nvPicPr>
+        <p:blipFill rotWithShape="1">
+          <a:blip r:embed="rId3"/>
+          <a:srcRect l="32527" r="31059"/>
+          <a:stretch/>
+        </p:blipFill>
+        <p:spPr>
+          <a:xfrm>
+            <a:off x="5796136" y="4496599"/>
+            <a:ext cx="1944216" cy="1868711"/>
+          </a:xfrm>
+          <a:prstGeom prst="rect">
+            <a:avLst/>
+          </a:prstGeom>
+        </p:spPr>
+      </p:pic>
+      <p:sp>
+        <p:nvSpPr>
+          <p:cNvPr id="2" name="左箭头 1"/>
+          <p:cNvSpPr/>
+          <p:nvPr/>
+        </p:nvSpPr>
+        <p:spPr>
+          <a:xfrm>
+            <a:off x="4067944" y="5229200"/>
+            <a:ext cx="1368152" cy="216024"/>
+          </a:xfrm>
+          <a:prstGeom prst="leftArrow">
+            <a:avLst/>
+          </a:prstGeom>
+        </p:spPr>
+        <p:style>
+          <a:lnRef idx="2">
+            <a:schemeClr val="accent4">
+              <a:shade val="50000"/>
+            </a:schemeClr>
+          </a:lnRef>
+          <a:fillRef idx="1">
+            <a:schemeClr val="accent4"/>
+          </a:fillRef>
+          <a:effectRef idx="0">
+            <a:schemeClr val="accent4"/>
+          </a:effectRef>
+          <a:fontRef idx="minor">
+            <a:schemeClr val="lt1"/>
+          </a:fontRef>
+        </p:style>
+        <p:txBody>
+          <a:bodyPr rtlCol="0" anchor="ctr"/>
           <a:lstStyle/>
           <a:p>
-            <a:r>
-              <a:rPr lang="en-US" altLang="zh-CN" sz="2400" dirty="0" smtClean="0"/>
-              <a:t>PEIREN YANG</a:t>
-            </a:r>
-            <a:endParaRPr lang="zh-CN" altLang="en-US" sz="2400" dirty="0"/>
-          </a:p>
-        </p:txBody>
-      </p:sp>
-      <p:sp>
-        <p:nvSpPr>
-          <p:cNvPr id="4" name="页脚占位符 3"/>
-          <p:cNvSpPr>
-            <a:spLocks noGrp="1"/>
-          </p:cNvSpPr>
-          <p:nvPr>
-            <p:ph type="ftr" sz="quarter" idx="10"/>
-          </p:nvPr>
-        </p:nvSpPr>
-        <p:spPr/>
-        <p:txBody>
-          <a:bodyPr/>
-          <a:lstStyle/>
-          <a:p>
-            <a:r>
-              <a:rPr lang="de-DE" altLang="de-DE" dirty="0" err="1"/>
-              <a:t>Peiren</a:t>
-            </a:r>
-            <a:r>
-              <a:rPr lang="de-DE" altLang="de-DE" dirty="0"/>
-              <a:t> Yang</a:t>
-            </a:r>
+            <a:pPr algn="ctr"/>
+            <a:endParaRPr lang="zh-CN" altLang="en-US"/>
           </a:p>
         </p:txBody>
       </p:sp>
     </p:spTree>
     <p:extLst>
       <p:ext uri="{BB962C8B-B14F-4D97-AF65-F5344CB8AC3E}">
-        <p14:creationId xmlns:p14="http://schemas.microsoft.com/office/powerpoint/2010/main" val="1856684059"/>
+        <p14:creationId xmlns:p14="http://schemas.microsoft.com/office/powerpoint/2010/main" val="239284121"/>
       </p:ext>
     </p:extLst>
   </p:cSld>
@@ -8471,238 +6810,129 @@
           <a:chExt cx="0" cy="0"/>
         </a:xfrm>
       </p:grpSpPr>
+      <p:sp>
+        <p:nvSpPr>
+          <p:cNvPr id="4" name="Rectangle 5"/>
+          <p:cNvSpPr>
+            <a:spLocks noGrp="1" noChangeArrowheads="1"/>
+          </p:cNvSpPr>
+          <p:nvPr>
+            <p:ph type="ftr" sz="quarter" idx="10"/>
+          </p:nvPr>
+        </p:nvSpPr>
+        <p:spPr>
+          <a:ln/>
+        </p:spPr>
+        <p:txBody>
+          <a:bodyPr/>
+          <a:lstStyle/>
+          <a:p>
+            <a:r>
+              <a:rPr lang="de-DE" altLang="de-DE" dirty="0"/>
+              <a:t>Peiren Yang</a:t>
+            </a:r>
+          </a:p>
+        </p:txBody>
+      </p:sp>
+      <p:sp>
+        <p:nvSpPr>
+          <p:cNvPr id="6149" name="Rectangle 2"/>
+          <p:cNvSpPr>
+            <a:spLocks noGrp="1" noChangeArrowheads="1"/>
+          </p:cNvSpPr>
+          <p:nvPr>
+            <p:ph type="title"/>
+          </p:nvPr>
+        </p:nvSpPr>
+        <p:spPr/>
+        <p:txBody>
+          <a:bodyPr/>
+          <a:lstStyle/>
+          <a:p>
+            <a:r>
+              <a:rPr lang="de-DE" altLang="de-DE" dirty="0" smtClean="0"/>
+              <a:t>Solution Approach – </a:t>
+            </a:r>
+            <a:r>
+              <a:rPr lang="en-US" altLang="de-DE" dirty="0"/>
+              <a:t>Continuous Integration</a:t>
+            </a:r>
+            <a:endParaRPr lang="de-DE" altLang="de-DE" dirty="0" smtClean="0"/>
+          </a:p>
+        </p:txBody>
+      </p:sp>
+      <p:sp>
+        <p:nvSpPr>
+          <p:cNvPr id="6150" name="Rectangle 3"/>
+          <p:cNvSpPr>
+            <a:spLocks noGrp="1" noChangeArrowheads="1"/>
+          </p:cNvSpPr>
+          <p:nvPr>
+            <p:ph type="body" idx="1"/>
+          </p:nvPr>
+        </p:nvSpPr>
+        <p:spPr>
+          <a:xfrm>
+            <a:off x="392113" y="1415058"/>
+            <a:ext cx="8356600" cy="4894262"/>
+          </a:xfrm>
+        </p:spPr>
+        <p:txBody>
+          <a:bodyPr/>
+          <a:lstStyle/>
+          <a:p>
+            <a:r>
+              <a:rPr lang="en-US" altLang="de-DE" dirty="0" smtClean="0"/>
+              <a:t>Publish built apps </a:t>
+            </a:r>
+            <a:r>
+              <a:rPr lang="en-US" altLang="zh-CN" dirty="0" smtClean="0"/>
+              <a:t>with Visual Studio App Center</a:t>
+            </a:r>
+          </a:p>
+          <a:p>
+            <a:pPr lvl="1"/>
+            <a:r>
+              <a:rPr lang="en-US" altLang="de-DE" dirty="0" smtClean="0"/>
+              <a:t>Stores can be connected to App Center, which makes the publish more efficient</a:t>
+            </a:r>
+          </a:p>
+        </p:txBody>
+      </p:sp>
       <p:pic>
         <p:nvPicPr>
-          <p:cNvPr id="3076" name="Picture 4" descr="Image result for natural gas heating at home"/>
+          <p:cNvPr id="3" name="图片 2"/>
           <p:cNvPicPr>
-            <a:picLocks noChangeAspect="1" noChangeArrowheads="1"/>
+            <a:picLocks noChangeAspect="1"/>
           </p:cNvPicPr>
           <p:nvPr/>
         </p:nvPicPr>
         <p:blipFill>
-          <a:blip r:embed="rId2">
+          <a:blip r:embed="rId2" cstate="print">
             <a:extLst>
               <a:ext uri="{28A0092B-C50C-407E-A947-70E740481C1C}">
                 <a14:useLocalDpi xmlns:a14="http://schemas.microsoft.com/office/drawing/2010/main" val="0"/>
               </a:ext>
             </a:extLst>
           </a:blip>
-          <a:srcRect/>
           <a:stretch>
             <a:fillRect/>
           </a:stretch>
         </p:blipFill>
-        <p:spPr bwMode="auto">
+        <p:spPr>
           <a:xfrm>
-            <a:off x="2051720" y="1988840"/>
-            <a:ext cx="6924675" cy="3790950"/>
+            <a:off x="688924" y="2492896"/>
+            <a:ext cx="7762977" cy="3703587"/>
           </a:xfrm>
           <a:prstGeom prst="rect">
             <a:avLst/>
           </a:prstGeom>
-          <a:noFill/>
-          <a:extLst>
-            <a:ext uri="{909E8E84-426E-40DD-AFC4-6F175D3DCCD1}">
-              <a14:hiddenFill xmlns:a14="http://schemas.microsoft.com/office/drawing/2010/main">
-                <a:solidFill>
-                  <a:srgbClr val="FFFFFF"/>
-                </a:solidFill>
-              </a14:hiddenFill>
-            </a:ext>
-          </a:extLst>
         </p:spPr>
       </p:pic>
-      <p:sp>
-        <p:nvSpPr>
-          <p:cNvPr id="4" name="Rectangle 5"/>
-          <p:cNvSpPr>
-            <a:spLocks noGrp="1" noChangeArrowheads="1"/>
-          </p:cNvSpPr>
-          <p:nvPr>
-            <p:ph type="ftr" sz="quarter" idx="10"/>
-          </p:nvPr>
-        </p:nvSpPr>
-        <p:spPr>
-          <a:ln/>
-        </p:spPr>
-        <p:txBody>
-          <a:bodyPr/>
-          <a:lstStyle/>
-          <a:p>
-            <a:r>
-              <a:rPr lang="de-DE" altLang="de-DE" dirty="0" err="1"/>
-              <a:t>Peiren</a:t>
-            </a:r>
-            <a:r>
-              <a:rPr lang="de-DE" altLang="de-DE" dirty="0"/>
-              <a:t> Yang</a:t>
-            </a:r>
-          </a:p>
-        </p:txBody>
-      </p:sp>
-      <p:sp>
-        <p:nvSpPr>
-          <p:cNvPr id="6149" name="Rectangle 2"/>
-          <p:cNvSpPr>
-            <a:spLocks noGrp="1" noChangeArrowheads="1"/>
-          </p:cNvSpPr>
-          <p:nvPr>
-            <p:ph type="title"/>
-          </p:nvPr>
-        </p:nvSpPr>
-        <p:spPr/>
-        <p:txBody>
-          <a:bodyPr/>
-          <a:lstStyle/>
-          <a:p>
-            <a:pPr eaLnBrk="1" hangingPunct="1"/>
-            <a:r>
-              <a:rPr lang="en-US" altLang="de-DE" dirty="0" smtClean="0"/>
-              <a:t>Heating system with natural gas</a:t>
-            </a:r>
-          </a:p>
-        </p:txBody>
-      </p:sp>
-      <p:sp>
-        <p:nvSpPr>
-          <p:cNvPr id="6150" name="Rectangle 3"/>
-          <p:cNvSpPr>
-            <a:spLocks noGrp="1" noChangeArrowheads="1"/>
-          </p:cNvSpPr>
-          <p:nvPr>
-            <p:ph type="body" idx="1"/>
-          </p:nvPr>
-        </p:nvSpPr>
-        <p:spPr>
-          <a:xfrm>
-            <a:off x="251520" y="1078734"/>
-            <a:ext cx="8356600" cy="4894262"/>
-          </a:xfrm>
-        </p:spPr>
-        <p:txBody>
-          <a:bodyPr/>
-          <a:lstStyle/>
-          <a:p>
-            <a:pPr eaLnBrk="1" hangingPunct="1"/>
-            <a:endParaRPr lang="en-US" altLang="de-DE" dirty="0" smtClean="0"/>
-          </a:p>
-          <a:p>
-            <a:r>
-              <a:rPr lang="en-US" altLang="de-DE" dirty="0" smtClean="0"/>
-              <a:t>Water boiler controlled </a:t>
-            </a:r>
-            <a:r>
-              <a:rPr lang="en-US" altLang="de-DE" dirty="0"/>
-              <a:t>by </a:t>
-            </a:r>
-            <a:r>
-              <a:rPr lang="en-US" altLang="de-DE" dirty="0" smtClean="0"/>
-              <a:t>thermostats</a:t>
-            </a:r>
-          </a:p>
-          <a:p>
-            <a:pPr eaLnBrk="1" hangingPunct="1"/>
-            <a:endParaRPr lang="en-US" altLang="de-DE" dirty="0" smtClean="0"/>
-          </a:p>
-          <a:p>
-            <a:pPr eaLnBrk="1" hangingPunct="1"/>
-            <a:r>
-              <a:rPr lang="en-US" altLang="de-DE" dirty="0" smtClean="0"/>
-              <a:t>Hot water storage</a:t>
-            </a:r>
-          </a:p>
-          <a:p>
-            <a:pPr lvl="1"/>
-            <a:r>
-              <a:rPr lang="en-US" altLang="de-DE" dirty="0" smtClean="0"/>
-              <a:t>Insulated water tank</a:t>
-            </a:r>
-          </a:p>
-          <a:p>
-            <a:pPr marL="457200" lvl="1" indent="0">
-              <a:buNone/>
-            </a:pPr>
-            <a:endParaRPr lang="en-US" altLang="de-DE" dirty="0" smtClean="0"/>
-          </a:p>
-          <a:p>
-            <a:pPr eaLnBrk="1" hangingPunct="1"/>
-            <a:r>
-              <a:rPr lang="en-US" altLang="de-DE" dirty="0" smtClean="0"/>
-              <a:t>Hot water supplies for</a:t>
-            </a:r>
-          </a:p>
-          <a:p>
-            <a:pPr lvl="1"/>
-            <a:r>
-              <a:rPr lang="en-US" altLang="de-DE" dirty="0" smtClean="0"/>
-              <a:t>Heating circulation</a:t>
-            </a:r>
-          </a:p>
-          <a:p>
-            <a:pPr lvl="1"/>
-            <a:r>
-              <a:rPr lang="en-US" altLang="de-DE" dirty="0" smtClean="0"/>
-              <a:t>Bath &amp; shower</a:t>
-            </a:r>
-          </a:p>
-          <a:p>
-            <a:pPr lvl="1"/>
-            <a:r>
-              <a:rPr lang="en-US" altLang="de-DE" dirty="0" smtClean="0"/>
-              <a:t>Drinking </a:t>
-            </a:r>
-          </a:p>
-          <a:p>
-            <a:pPr eaLnBrk="1" hangingPunct="1">
-              <a:buFontTx/>
-              <a:buNone/>
-            </a:pPr>
-            <a:endParaRPr lang="en-US" altLang="de-DE" dirty="0" smtClean="0"/>
-          </a:p>
-          <a:p>
-            <a:pPr eaLnBrk="1" hangingPunct="1"/>
-            <a:endParaRPr lang="de-DE" altLang="de-DE" dirty="0" smtClean="0"/>
-          </a:p>
-        </p:txBody>
-      </p:sp>
-      <p:sp>
-        <p:nvSpPr>
-          <p:cNvPr id="2" name="文本框 1"/>
-          <p:cNvSpPr txBox="1"/>
-          <p:nvPr/>
-        </p:nvSpPr>
-        <p:spPr>
-          <a:xfrm>
-            <a:off x="6529959" y="5842191"/>
-            <a:ext cx="2446436" cy="261610"/>
-          </a:xfrm>
-          <a:prstGeom prst="rect">
-            <a:avLst/>
-          </a:prstGeom>
-          <a:noFill/>
-        </p:spPr>
-        <p:txBody>
-          <a:bodyPr wrap="square" rtlCol="0">
-            <a:spAutoFit/>
-          </a:bodyPr>
-          <a:lstStyle/>
-          <a:p>
-            <a:r>
-              <a:rPr lang="en-US" altLang="zh-CN" sz="1100" dirty="0"/>
-              <a:t>Picture </a:t>
-            </a:r>
-            <a:r>
-              <a:rPr lang="en-US" altLang="zh-CN" sz="1100" dirty="0" smtClean="0"/>
-              <a:t>source: www.gas24.co.uk</a:t>
-            </a:r>
-            <a:endParaRPr lang="zh-CN" altLang="en-US" sz="1100" dirty="0"/>
-          </a:p>
-        </p:txBody>
-      </p:sp>
     </p:spTree>
     <p:extLst>
       <p:ext uri="{BB962C8B-B14F-4D97-AF65-F5344CB8AC3E}">
-        <p14:creationId xmlns:p14="http://schemas.microsoft.com/office/powerpoint/2010/main" val="3695024794"/>
+        <p14:creationId xmlns:p14="http://schemas.microsoft.com/office/powerpoint/2010/main" val="615230541"/>
       </p:ext>
     </p:extLst>
   </p:cSld>
@@ -8736,31 +6966,132 @@
           <a:chExt cx="0" cy="0"/>
         </a:xfrm>
       </p:grpSpPr>
+      <p:sp>
+        <p:nvSpPr>
+          <p:cNvPr id="4" name="Rectangle 5"/>
+          <p:cNvSpPr>
+            <a:spLocks noGrp="1" noChangeArrowheads="1"/>
+          </p:cNvSpPr>
+          <p:nvPr>
+            <p:ph type="ftr" sz="quarter" idx="10"/>
+          </p:nvPr>
+        </p:nvSpPr>
+        <p:spPr>
+          <a:ln/>
+        </p:spPr>
+        <p:txBody>
+          <a:bodyPr/>
+          <a:lstStyle/>
+          <a:p>
+            <a:r>
+              <a:rPr lang="de-DE" altLang="de-DE" dirty="0"/>
+              <a:t>Peiren Yang</a:t>
+            </a:r>
+          </a:p>
+        </p:txBody>
+      </p:sp>
+      <p:sp>
+        <p:nvSpPr>
+          <p:cNvPr id="6149" name="Rectangle 2"/>
+          <p:cNvSpPr>
+            <a:spLocks noGrp="1" noChangeArrowheads="1"/>
+          </p:cNvSpPr>
+          <p:nvPr>
+            <p:ph type="title"/>
+          </p:nvPr>
+        </p:nvSpPr>
+        <p:spPr/>
+        <p:txBody>
+          <a:bodyPr/>
+          <a:lstStyle/>
+          <a:p>
+            <a:r>
+              <a:rPr lang="de-DE" altLang="de-DE" dirty="0" smtClean="0"/>
+              <a:t>Solution Approach – </a:t>
+            </a:r>
+            <a:r>
+              <a:rPr lang="en-US" altLang="de-DE" dirty="0"/>
+              <a:t>Continuous Integration</a:t>
+            </a:r>
+            <a:endParaRPr lang="de-DE" altLang="de-DE" dirty="0" smtClean="0"/>
+          </a:p>
+        </p:txBody>
+      </p:sp>
+      <p:sp>
+        <p:nvSpPr>
+          <p:cNvPr id="6150" name="Rectangle 3"/>
+          <p:cNvSpPr>
+            <a:spLocks noGrp="1" noChangeArrowheads="1"/>
+          </p:cNvSpPr>
+          <p:nvPr>
+            <p:ph type="body" idx="1"/>
+          </p:nvPr>
+        </p:nvSpPr>
+        <p:spPr>
+          <a:xfrm>
+            <a:off x="392113" y="1196752"/>
+            <a:ext cx="8356600" cy="4894262"/>
+          </a:xfrm>
+        </p:spPr>
+        <p:txBody>
+          <a:bodyPr/>
+          <a:lstStyle/>
+          <a:p>
+            <a:r>
+              <a:rPr lang="en-US" altLang="de-DE" dirty="0" smtClean="0"/>
+              <a:t>Automatic</a:t>
+            </a:r>
+            <a:r>
+              <a:rPr lang="de-DE" altLang="de-DE" dirty="0" smtClean="0"/>
+              <a:t> </a:t>
+            </a:r>
+            <a:r>
+              <a:rPr lang="en-US" altLang="zh-CN" dirty="0" smtClean="0"/>
+              <a:t>Test</a:t>
+            </a:r>
+            <a:r>
+              <a:rPr lang="en-US" altLang="de-DE" dirty="0" smtClean="0"/>
+              <a:t> </a:t>
+            </a:r>
+            <a:r>
+              <a:rPr lang="en-US" altLang="zh-CN" dirty="0" smtClean="0"/>
+              <a:t>with Visual Studio App Center</a:t>
+            </a:r>
+            <a:endParaRPr lang="en-US" altLang="de-DE" dirty="0" smtClean="0"/>
+          </a:p>
+          <a:p>
+            <a:pPr lvl="1"/>
+            <a:r>
+              <a:rPr lang="en-US" altLang="zh-CN" dirty="0" smtClean="0"/>
+              <a:t>Device farm includes more than 2,000 devices with different OS versions</a:t>
+            </a:r>
+          </a:p>
+        </p:txBody>
+      </p:sp>
       <p:pic>
         <p:nvPicPr>
-          <p:cNvPr id="4098" name="Picture 2" descr="http://genesisenergysolutions.com/wp-content/uploads/2010/04/solar_thermal.gif"/>
+          <p:cNvPr id="2050" name="Picture 2" descr="Bildergebnis für visual studio app center"/>
           <p:cNvPicPr>
             <a:picLocks noChangeAspect="1" noChangeArrowheads="1"/>
           </p:cNvPicPr>
           <p:nvPr/>
         </p:nvPicPr>
         <p:blipFill>
-          <a:blip r:embed="rId2">
+          <a:blip r:embed="rId2" cstate="print">
             <a:extLst>
               <a:ext uri="{28A0092B-C50C-407E-A947-70E740481C1C}">
                 <a14:useLocalDpi xmlns:a14="http://schemas.microsoft.com/office/drawing/2010/main" val="0"/>
               </a:ext>
             </a:extLst>
           </a:blip>
-          <a:srcRect/>
           <a:stretch>
             <a:fillRect/>
           </a:stretch>
         </p:blipFill>
         <p:spPr bwMode="auto">
           <a:xfrm>
-            <a:off x="4553271" y="1844824"/>
-            <a:ext cx="4081368" cy="3888432"/>
+            <a:off x="179512" y="2348880"/>
+            <a:ext cx="8640960" cy="4320480"/>
           </a:xfrm>
           <a:prstGeom prst="rect">
             <a:avLst/>
@@ -8777,211 +7108,10 @@
           </a:extLst>
         </p:spPr>
       </p:pic>
-      <p:sp>
-        <p:nvSpPr>
-          <p:cNvPr id="4" name="Rectangle 5"/>
-          <p:cNvSpPr>
-            <a:spLocks noGrp="1" noChangeArrowheads="1"/>
-          </p:cNvSpPr>
-          <p:nvPr>
-            <p:ph type="ftr" sz="quarter" idx="10"/>
-          </p:nvPr>
-        </p:nvSpPr>
-        <p:spPr>
-          <a:ln/>
-        </p:spPr>
-        <p:txBody>
-          <a:bodyPr/>
-          <a:lstStyle/>
-          <a:p>
-            <a:r>
-              <a:rPr lang="de-DE" altLang="de-DE" dirty="0" err="1"/>
-              <a:t>Peiren</a:t>
-            </a:r>
-            <a:r>
-              <a:rPr lang="de-DE" altLang="de-DE" dirty="0"/>
-              <a:t> Yang</a:t>
-            </a:r>
-          </a:p>
-        </p:txBody>
-      </p:sp>
-      <p:sp>
-        <p:nvSpPr>
-          <p:cNvPr id="6149" name="Rectangle 2"/>
-          <p:cNvSpPr>
-            <a:spLocks noGrp="1" noChangeArrowheads="1"/>
-          </p:cNvSpPr>
-          <p:nvPr>
-            <p:ph type="title"/>
-          </p:nvPr>
-        </p:nvSpPr>
-        <p:spPr/>
-        <p:txBody>
-          <a:bodyPr/>
-          <a:lstStyle/>
-          <a:p>
-            <a:pPr eaLnBrk="1" hangingPunct="1"/>
-            <a:r>
-              <a:rPr lang="en-US" altLang="de-DE" dirty="0" smtClean="0"/>
-              <a:t>Heating solution with integrated solar system</a:t>
-            </a:r>
-          </a:p>
-        </p:txBody>
-      </p:sp>
-      <p:sp>
-        <p:nvSpPr>
-          <p:cNvPr id="6150" name="Rectangle 3"/>
-          <p:cNvSpPr>
-            <a:spLocks noGrp="1" noChangeArrowheads="1"/>
-          </p:cNvSpPr>
-          <p:nvPr>
-            <p:ph type="body" idx="1"/>
-          </p:nvPr>
-        </p:nvSpPr>
-        <p:spPr>
-          <a:xfrm>
-            <a:off x="278039" y="936701"/>
-            <a:ext cx="8356600" cy="4894262"/>
-          </a:xfrm>
-        </p:spPr>
-        <p:txBody>
-          <a:bodyPr/>
-          <a:lstStyle/>
-          <a:p>
-            <a:pPr marL="0" indent="0" eaLnBrk="1" hangingPunct="1">
-              <a:buNone/>
-            </a:pPr>
-            <a:endParaRPr lang="en-US" altLang="de-DE" dirty="0" smtClean="0"/>
-          </a:p>
-          <a:p>
-            <a:pPr marL="0" indent="0" eaLnBrk="1" hangingPunct="1">
-              <a:buNone/>
-            </a:pPr>
-            <a:endParaRPr lang="en-US" altLang="de-DE" dirty="0" smtClean="0"/>
-          </a:p>
-          <a:p>
-            <a:r>
-              <a:rPr lang="en-US" altLang="de-DE" dirty="0" smtClean="0"/>
-              <a:t>Heated water is stored in </a:t>
-            </a:r>
-          </a:p>
-          <a:p>
-            <a:pPr marL="0" indent="0">
-              <a:buNone/>
-            </a:pPr>
-            <a:r>
-              <a:rPr lang="en-US" altLang="de-DE" dirty="0"/>
-              <a:t> </a:t>
-            </a:r>
-            <a:r>
-              <a:rPr lang="en-US" altLang="de-DE" dirty="0" smtClean="0"/>
-              <a:t>   the same water tank</a:t>
-            </a:r>
-            <a:endParaRPr lang="en-US" altLang="de-DE" dirty="0"/>
-          </a:p>
-          <a:p>
-            <a:pPr marL="0" indent="0">
-              <a:buNone/>
-            </a:pPr>
-            <a:endParaRPr lang="en-US" altLang="de-DE" dirty="0" smtClean="0"/>
-          </a:p>
-          <a:p>
-            <a:pPr eaLnBrk="1" hangingPunct="1"/>
-            <a:r>
-              <a:rPr lang="en-US" altLang="de-DE" dirty="0" smtClean="0"/>
-              <a:t>Gas heating works stable in </a:t>
-            </a:r>
-          </a:p>
-          <a:p>
-            <a:pPr marL="0" indent="0" eaLnBrk="1" hangingPunct="1">
-              <a:buNone/>
-            </a:pPr>
-            <a:r>
-              <a:rPr lang="en-US" altLang="de-DE" dirty="0"/>
-              <a:t> </a:t>
-            </a:r>
-            <a:r>
-              <a:rPr lang="en-US" altLang="de-DE" dirty="0" smtClean="0"/>
-              <a:t>   cloudy weather and night</a:t>
-            </a:r>
-          </a:p>
-          <a:p>
-            <a:pPr eaLnBrk="1" hangingPunct="1">
-              <a:buFontTx/>
-              <a:buNone/>
-            </a:pPr>
-            <a:endParaRPr lang="en-US" altLang="de-DE" dirty="0" smtClean="0"/>
-          </a:p>
-          <a:p>
-            <a:r>
-              <a:rPr lang="en-US" altLang="de-DE" dirty="0" smtClean="0"/>
-              <a:t>Additional control logic for the </a:t>
-            </a:r>
-          </a:p>
-          <a:p>
-            <a:pPr marL="0" indent="0">
-              <a:buNone/>
-            </a:pPr>
-            <a:r>
-              <a:rPr lang="en-US" altLang="de-DE" dirty="0" smtClean="0"/>
-              <a:t>    synergy of the two systems</a:t>
-            </a:r>
-            <a:endParaRPr lang="en-US" altLang="de-DE" dirty="0"/>
-          </a:p>
-          <a:p>
-            <a:pPr marL="0" indent="0" eaLnBrk="1" hangingPunct="1">
-              <a:buNone/>
-            </a:pPr>
-            <a:endParaRPr lang="de-DE" altLang="de-DE" dirty="0" smtClean="0"/>
-          </a:p>
-        </p:txBody>
-      </p:sp>
-      <p:sp>
-        <p:nvSpPr>
-          <p:cNvPr id="2" name="文本框 1"/>
-          <p:cNvSpPr txBox="1"/>
-          <p:nvPr/>
-        </p:nvSpPr>
-        <p:spPr>
-          <a:xfrm>
-            <a:off x="5436096" y="5928669"/>
-            <a:ext cx="3036243" cy="261610"/>
-          </a:xfrm>
-          <a:prstGeom prst="rect">
-            <a:avLst/>
-          </a:prstGeom>
-          <a:noFill/>
-        </p:spPr>
-        <p:txBody>
-          <a:bodyPr wrap="square" rtlCol="0">
-            <a:spAutoFit/>
-          </a:bodyPr>
-          <a:lstStyle/>
-          <a:p>
-            <a:r>
-              <a:rPr lang="en-US" altLang="zh-CN" sz="1100" dirty="0"/>
-              <a:t>Picture s</a:t>
-            </a:r>
-            <a:r>
-              <a:rPr lang="en-US" altLang="zh-CN" sz="1100" dirty="0" smtClean="0"/>
-              <a:t>ource</a:t>
-            </a:r>
-            <a:r>
-              <a:rPr lang="en-US" altLang="zh-CN" sz="1100" dirty="0"/>
-              <a:t>: </a:t>
-            </a:r>
-            <a:r>
-              <a:rPr lang="en-US" altLang="zh-CN" sz="1100" dirty="0" smtClean="0"/>
-              <a:t>genesisenergysolutions.com</a:t>
-            </a:r>
-            <a:endParaRPr lang="zh-CN" altLang="en-US" sz="1100" dirty="0"/>
-          </a:p>
-        </p:txBody>
-      </p:sp>
     </p:spTree>
     <p:extLst>
       <p:ext uri="{BB962C8B-B14F-4D97-AF65-F5344CB8AC3E}">
-        <p14:creationId xmlns:p14="http://schemas.microsoft.com/office/powerpoint/2010/main" val="2205946616"/>
+        <p14:creationId xmlns:p14="http://schemas.microsoft.com/office/powerpoint/2010/main" val="515532737"/>
       </p:ext>
     </p:extLst>
   </p:cSld>
@@ -9033,12 +7163,8 @@
           <a:lstStyle/>
           <a:p>
             <a:r>
-              <a:rPr lang="de-DE" altLang="de-DE" dirty="0" err="1"/>
-              <a:t>Peiren</a:t>
-            </a:r>
-            <a:r>
               <a:rPr lang="de-DE" altLang="de-DE" dirty="0"/>
-              <a:t> Yang</a:t>
+              <a:t>Peiren Yang</a:t>
             </a:r>
           </a:p>
         </p:txBody>
@@ -9058,11 +7184,15 @@
           <a:bodyPr/>
           <a:lstStyle/>
           <a:p>
-            <a:pPr eaLnBrk="1" hangingPunct="1"/>
-            <a:r>
-              <a:rPr lang="en-US" altLang="de-DE" dirty="0" smtClean="0"/>
-              <a:t>Evaluation of the solution</a:t>
-            </a:r>
+            <a:r>
+              <a:rPr lang="de-DE" altLang="de-DE" dirty="0" smtClean="0"/>
+              <a:t>Solution Approach – </a:t>
+            </a:r>
+            <a:r>
+              <a:rPr lang="en-US" altLang="de-DE" dirty="0"/>
+              <a:t>Continuous Integration</a:t>
+            </a:r>
+            <a:endParaRPr lang="de-DE" altLang="de-DE" dirty="0" smtClean="0"/>
           </a:p>
         </p:txBody>
       </p:sp>
@@ -9078,7 +7208,7 @@
         </p:nvSpPr>
         <p:spPr>
           <a:xfrm>
-            <a:off x="535880" y="1198563"/>
+            <a:off x="392113" y="1196752"/>
             <a:ext cx="8356600" cy="4894262"/>
           </a:xfrm>
         </p:spPr>
@@ -9086,128 +7216,71 @@
           <a:bodyPr/>
           <a:lstStyle/>
           <a:p>
-            <a:pPr eaLnBrk="1" hangingPunct="1"/>
+            <a:r>
+              <a:rPr lang="en-US" altLang="de-DE" dirty="0" smtClean="0"/>
+              <a:t>Automatic</a:t>
+            </a:r>
+            <a:r>
+              <a:rPr lang="de-DE" altLang="de-DE" dirty="0" smtClean="0"/>
+              <a:t> </a:t>
+            </a:r>
+            <a:r>
+              <a:rPr lang="en-US" altLang="zh-CN" dirty="0" smtClean="0"/>
+              <a:t>Test</a:t>
+            </a:r>
+            <a:r>
+              <a:rPr lang="en-US" altLang="de-DE" dirty="0" smtClean="0"/>
+              <a:t> </a:t>
+            </a:r>
+            <a:r>
+              <a:rPr lang="en-US" altLang="zh-CN" dirty="0" smtClean="0"/>
+              <a:t>with Visual Studio App Center</a:t>
+            </a:r>
             <a:endParaRPr lang="en-US" altLang="de-DE" dirty="0" smtClean="0"/>
           </a:p>
           <a:p>
-            <a:pPr eaLnBrk="1" hangingPunct="1">
-              <a:spcAft>
-                <a:spcPts val="600"/>
-              </a:spcAft>
-            </a:pPr>
-            <a:r>
-              <a:rPr lang="en-US" altLang="de-DE" dirty="0" smtClean="0"/>
-              <a:t>Energy efficiency: 94% of industrial average</a:t>
-            </a:r>
-          </a:p>
-          <a:p>
-            <a:pPr>
-              <a:spcAft>
-                <a:spcPts val="600"/>
-              </a:spcAft>
-            </a:pPr>
-            <a:r>
-              <a:rPr lang="de-DE" altLang="de-DE" dirty="0" smtClean="0"/>
-              <a:t>Installation </a:t>
-            </a:r>
-            <a:r>
-              <a:rPr lang="en-US" altLang="de-DE" dirty="0" smtClean="0"/>
-              <a:t>cost: about 9,000</a:t>
-            </a:r>
-            <a:r>
-              <a:rPr lang="zh-CN" altLang="en-US" dirty="0" smtClean="0"/>
-              <a:t> €</a:t>
-            </a:r>
-            <a:endParaRPr lang="en-US" altLang="zh-CN" dirty="0" smtClean="0"/>
-          </a:p>
-          <a:p>
-            <a:pPr>
-              <a:spcAft>
-                <a:spcPts val="600"/>
-              </a:spcAft>
-            </a:pPr>
-            <a:r>
-              <a:rPr lang="en-US" altLang="de-DE" dirty="0" smtClean="0"/>
-              <a:t>Running cost: about 844</a:t>
-            </a:r>
-            <a:r>
-              <a:rPr lang="zh-CN" altLang="en-US" dirty="0" smtClean="0"/>
-              <a:t> € </a:t>
-            </a:r>
+            <a:pPr lvl="1"/>
             <a:r>
               <a:rPr lang="en-US" altLang="zh-CN" dirty="0" smtClean="0"/>
-              <a:t>per year</a:t>
-            </a:r>
-          </a:p>
-          <a:p>
-            <a:pPr>
-              <a:spcAft>
-                <a:spcPts val="600"/>
-              </a:spcAft>
-            </a:pPr>
-            <a:r>
-              <a:rPr lang="en-US" altLang="de-DE" dirty="0" smtClean="0"/>
-              <a:t>CO2 Emission: about 8.6 tons per year</a:t>
-            </a:r>
-          </a:p>
-          <a:p>
-            <a:pPr>
-              <a:spcAft>
-                <a:spcPts val="600"/>
-              </a:spcAft>
-            </a:pPr>
-            <a:r>
-              <a:rPr lang="en-US" altLang="de-DE" dirty="0" smtClean="0"/>
-              <a:t>Prerequisites</a:t>
-            </a:r>
-          </a:p>
-          <a:p>
-            <a:pPr lvl="1">
-              <a:spcAft>
-                <a:spcPts val="600"/>
-              </a:spcAft>
-            </a:pPr>
-            <a:r>
-              <a:rPr lang="en-US" altLang="de-DE" dirty="0" smtClean="0"/>
-              <a:t>Central </a:t>
-            </a:r>
-            <a:r>
-              <a:rPr lang="en-US" altLang="de-DE" dirty="0"/>
-              <a:t>control system with </a:t>
-            </a:r>
-            <a:r>
-              <a:rPr lang="en-US" altLang="de-DE" dirty="0" smtClean="0"/>
-              <a:t>thermostat</a:t>
-            </a:r>
-          </a:p>
-          <a:p>
-            <a:pPr lvl="1">
-              <a:spcAft>
-                <a:spcPts val="600"/>
-              </a:spcAft>
-            </a:pPr>
-            <a:r>
-              <a:rPr lang="en-US" altLang="de-DE" dirty="0" smtClean="0"/>
-              <a:t>Natural gas accessibility</a:t>
-            </a:r>
-          </a:p>
-          <a:p>
-            <a:pPr eaLnBrk="1" hangingPunct="1">
-              <a:buFontTx/>
-              <a:buNone/>
-            </a:pPr>
-            <a:endParaRPr lang="en-US" altLang="de-DE" dirty="0" smtClean="0"/>
-          </a:p>
-          <a:p>
-            <a:pPr eaLnBrk="1" hangingPunct="1"/>
-            <a:endParaRPr lang="de-DE" altLang="de-DE" dirty="0" smtClean="0"/>
-          </a:p>
-        </p:txBody>
-      </p:sp>
+              <a:t>User-friendly statistical analysis</a:t>
+            </a:r>
+          </a:p>
+        </p:txBody>
+      </p:sp>
+      <p:pic>
+        <p:nvPicPr>
+          <p:cNvPr id="3" name="图片 2"/>
+          <p:cNvPicPr>
+            <a:picLocks noChangeAspect="1"/>
+          </p:cNvPicPr>
+          <p:nvPr/>
+        </p:nvPicPr>
+        <p:blipFill>
+          <a:blip r:embed="rId2" cstate="print">
+            <a:extLst>
+              <a:ext uri="{28A0092B-C50C-407E-A947-70E740481C1C}">
+                <a14:useLocalDpi xmlns:a14="http://schemas.microsoft.com/office/drawing/2010/main" val="0"/>
+              </a:ext>
+            </a:extLst>
+          </a:blip>
+          <a:stretch>
+            <a:fillRect/>
+          </a:stretch>
+        </p:blipFill>
+        <p:spPr>
+          <a:xfrm>
+            <a:off x="899592" y="2132856"/>
+            <a:ext cx="7445088" cy="3544542"/>
+          </a:xfrm>
+          <a:prstGeom prst="rect">
+            <a:avLst/>
+          </a:prstGeom>
+        </p:spPr>
+      </p:pic>
     </p:spTree>
     <p:extLst>
       <p:ext uri="{BB962C8B-B14F-4D97-AF65-F5344CB8AC3E}">
-        <p14:creationId xmlns:p14="http://schemas.microsoft.com/office/powerpoint/2010/main" val="1029911723"/>
+        <p14:creationId xmlns:p14="http://schemas.microsoft.com/office/powerpoint/2010/main" val="3146799928"/>
       </p:ext>
     </p:extLst>
   </p:cSld>
@@ -9243,18 +7316,69 @@
       </p:grpSpPr>
       <p:sp>
         <p:nvSpPr>
-          <p:cNvPr id="2" name="标题 1"/>
-          <p:cNvSpPr>
-            <a:spLocks noGrp="1"/>
+          <p:cNvPr id="4" name="Rectangle 5"/>
+          <p:cNvSpPr>
+            <a:spLocks noGrp="1" noChangeArrowheads="1"/>
+          </p:cNvSpPr>
+          <p:nvPr>
+            <p:ph type="ftr" sz="quarter" idx="10"/>
+          </p:nvPr>
+        </p:nvSpPr>
+        <p:spPr>
+          <a:ln/>
+        </p:spPr>
+        <p:txBody>
+          <a:bodyPr/>
+          <a:lstStyle/>
+          <a:p>
+            <a:r>
+              <a:rPr lang="de-DE" altLang="de-DE" dirty="0"/>
+              <a:t>Peiren Yang</a:t>
+            </a:r>
+          </a:p>
+        </p:txBody>
+      </p:sp>
+      <p:sp>
+        <p:nvSpPr>
+          <p:cNvPr id="6149" name="Rectangle 2"/>
+          <p:cNvSpPr>
+            <a:spLocks noGrp="1" noChangeArrowheads="1"/>
           </p:cNvSpPr>
           <p:nvPr>
             <p:ph type="title"/>
+          </p:nvPr>
+        </p:nvSpPr>
+        <p:spPr/>
+        <p:txBody>
+          <a:bodyPr/>
+          <a:lstStyle/>
+          <a:p>
+            <a:r>
+              <a:rPr lang="de-DE" altLang="de-DE" dirty="0" smtClean="0"/>
+              <a:t>Solution Approach – </a:t>
+            </a:r>
+            <a:r>
+              <a:rPr lang="en-US" altLang="de-DE" dirty="0"/>
+              <a:t>Continuous Integration</a:t>
+            </a:r>
+            <a:endParaRPr lang="de-DE" altLang="de-DE" dirty="0" smtClean="0"/>
+          </a:p>
+        </p:txBody>
+      </p:sp>
+      <p:sp>
+        <p:nvSpPr>
+          <p:cNvPr id="6150" name="Rectangle 3"/>
+          <p:cNvSpPr>
+            <a:spLocks noGrp="1" noChangeArrowheads="1"/>
+          </p:cNvSpPr>
+          <p:nvPr>
+            <p:ph type="body" idx="1"/>
           </p:nvPr>
         </p:nvSpPr>
         <p:spPr>
           <a:xfrm>
-            <a:off x="722312" y="2642989"/>
-            <a:ext cx="8026151" cy="1938139"/>
+            <a:off x="392113" y="1196752"/>
+            <a:ext cx="8356600" cy="4894262"/>
           </a:xfrm>
         </p:spPr>
         <p:txBody>
@@ -9262,78 +7386,83 @@
           <a:lstStyle/>
           <a:p>
             <a:r>
-              <a:rPr lang="en-US" altLang="zh-CN" sz="4800" dirty="0"/>
-              <a:t>P</a:t>
-            </a:r>
-            <a:r>
-              <a:rPr lang="en-US" altLang="zh-CN" dirty="0"/>
-              <a:t>ELLET heating system with integrated solar heating system</a:t>
-            </a:r>
-            <a:endParaRPr lang="zh-CN" altLang="en-US" dirty="0"/>
-          </a:p>
-        </p:txBody>
-      </p:sp>
-      <p:sp>
-        <p:nvSpPr>
-          <p:cNvPr id="3" name="文本占位符 2"/>
-          <p:cNvSpPr>
-            <a:spLocks noGrp="1"/>
-          </p:cNvSpPr>
-          <p:nvPr>
-            <p:ph type="body" idx="1"/>
-          </p:nvPr>
-        </p:nvSpPr>
+              <a:rPr lang="en-US" altLang="de-DE" dirty="0" smtClean="0"/>
+              <a:t>Automatic</a:t>
+            </a:r>
+            <a:r>
+              <a:rPr lang="de-DE" altLang="de-DE" dirty="0" smtClean="0"/>
+              <a:t> </a:t>
+            </a:r>
+            <a:r>
+              <a:rPr lang="en-US" altLang="zh-CN" dirty="0" smtClean="0"/>
+              <a:t>Test</a:t>
+            </a:r>
+            <a:r>
+              <a:rPr lang="en-US" altLang="de-DE" dirty="0" smtClean="0"/>
+              <a:t> </a:t>
+            </a:r>
+            <a:r>
+              <a:rPr lang="en-US" altLang="zh-CN" dirty="0" smtClean="0"/>
+              <a:t>with Visual Studio App Center</a:t>
+            </a:r>
+            <a:endParaRPr lang="en-US" altLang="de-DE" dirty="0" smtClean="0"/>
+          </a:p>
+          <a:p>
+            <a:pPr lvl="1"/>
+            <a:r>
+              <a:rPr lang="en-US" altLang="zh-CN" dirty="0" smtClean="0"/>
+              <a:t>Automatic screen shots for each test device</a:t>
+            </a:r>
+          </a:p>
+        </p:txBody>
+      </p:sp>
+      <p:pic>
+        <p:nvPicPr>
+          <p:cNvPr id="2" name="图片 1"/>
+          <p:cNvPicPr>
+            <a:picLocks noChangeAspect="1"/>
+          </p:cNvPicPr>
+          <p:nvPr/>
+        </p:nvPicPr>
+        <p:blipFill>
+          <a:blip r:embed="rId2" cstate="print">
+            <a:extLst>
+              <a:ext uri="{28A0092B-C50C-407E-A947-70E740481C1C}">
+                <a14:useLocalDpi xmlns:a14="http://schemas.microsoft.com/office/drawing/2010/main" val="0"/>
+              </a:ext>
+            </a:extLst>
+          </a:blip>
+          <a:stretch>
+            <a:fillRect/>
+          </a:stretch>
+        </p:blipFill>
         <p:spPr>
           <a:xfrm>
-            <a:off x="722313" y="1142802"/>
-            <a:ext cx="7772400" cy="1500187"/>
+            <a:off x="971600" y="2204864"/>
+            <a:ext cx="7380312" cy="3521024"/>
           </a:xfrm>
-        </p:spPr>
-        <p:txBody>
-          <a:bodyPr/>
-          <a:lstStyle/>
-          <a:p>
-            <a:r>
-              <a:rPr lang="en-US" altLang="zh-CN" sz="2400" dirty="0"/>
-              <a:t>TIM EISELE</a:t>
-            </a:r>
-            <a:endParaRPr lang="zh-CN" altLang="en-US" sz="2400" dirty="0"/>
-          </a:p>
-        </p:txBody>
-      </p:sp>
-      <p:sp>
-        <p:nvSpPr>
-          <p:cNvPr id="4" name="页脚占位符 3"/>
-          <p:cNvSpPr>
-            <a:spLocks noGrp="1"/>
-          </p:cNvSpPr>
-          <p:nvPr>
-            <p:ph type="ftr" sz="quarter" idx="10"/>
-          </p:nvPr>
-        </p:nvSpPr>
-        <p:spPr/>
-        <p:txBody>
-          <a:bodyPr/>
-          <a:lstStyle/>
-          <a:p>
-            <a:r>
-              <a:rPr lang="de-DE" altLang="de-DE" smtClean="0"/>
-              <a:t>Tim Eisele</a:t>
-            </a:r>
-            <a:endParaRPr lang="de-DE" dirty="0"/>
-          </a:p>
-        </p:txBody>
-      </p:sp>
+          <a:prstGeom prst="rect">
+            <a:avLst/>
+          </a:prstGeom>
+        </p:spPr>
+      </p:pic>
     </p:spTree>
     <p:extLst>
       <p:ext uri="{BB962C8B-B14F-4D97-AF65-F5344CB8AC3E}">
-        <p14:creationId xmlns:p14="http://schemas.microsoft.com/office/powerpoint/2010/main" val="1918101341"/>
+        <p14:creationId xmlns:p14="http://schemas.microsoft.com/office/powerpoint/2010/main" val="2352767964"/>
       </p:ext>
     </p:extLst>
   </p:cSld>
   <p:clrMapOvr>
     <a:masterClrMapping/>
   </p:clrMapOvr>
+  <p:timing>
+    <p:tnLst>
+      <p:par>
+        <p:cTn id="1" dur="indefinite" restart="never" nodeType="tmRoot"/>
+      </p:par>
+    </p:tnLst>
+  </p:timing>
 </p:sld>
 </file>
 
